--- a/2017080108.pptx
+++ b/2017080108.pptx
@@ -2,7 +2,7 @@
 <file path=ppt/presentation.xml><?xml version="1.0" encoding="utf-8"?>
 <p:presentation xmlns:a="http://schemas.openxmlformats.org/drawingml/2006/main" xmlns:r="http://schemas.openxmlformats.org/officeDocument/2006/relationships" xmlns:p="http://schemas.openxmlformats.org/presentationml/2006/main">
   <p:sldMasterIdLst>
-    <p:sldMasterId id="2147484141" r:id="rId1"/>
+    <p:sldMasterId id="2147484154" r:id="rId1"/>
   </p:sldMasterIdLst>
   <p:notesMasterIdLst>
     <p:notesMasterId r:id="rId19"/>
@@ -11,7 +11,7 @@
     <p:handoutMasterId r:id="rId20"/>
   </p:handoutMasterIdLst>
   <p:sldIdLst>
-    <p:sldId id="256" r:id="rId2"/>
+    <p:sldId id="293" r:id="rId2"/>
     <p:sldId id="261" r:id="rId3"/>
     <p:sldId id="257" r:id="rId4"/>
     <p:sldId id="282" r:id="rId5"/>
@@ -227,7 +227,7 @@
           <a:p>
             <a:fld id="{0F9B84EA-7D68-4D60-9CB1-D50884785D1C}" type="datetimeFigureOut">
               <a:rPr lang="zh-CN" altLang="en-US" smtClean="0"/>
-              <a:t>2019/12/19</a:t>
+              <a:t>2019/12/20</a:t>
             </a:fld>
             <a:endParaRPr lang="zh-CN" altLang="en-US"/>
           </a:p>
@@ -392,7 +392,7 @@
           <a:p>
             <a:fld id="{D6C8D182-E4C8-4120-9249-FC9774456FFA}" type="datetimeFigureOut">
               <a:rPr lang="zh-CN" altLang="en-US" smtClean="0"/>
-              <a:t>2019/12/19</a:t>
+              <a:t>2019/12/20</a:t>
             </a:fld>
             <a:endParaRPr lang="zh-CN" altLang="en-US"/>
           </a:p>
@@ -676,292 +676,167 @@
           <a:chExt cx="0" cy="0"/>
         </a:xfrm>
       </p:grpSpPr>
-      <p:sp>
-        <p:nvSpPr>
-          <p:cNvPr id="7" name="Rectangle 6"/>
-          <p:cNvSpPr/>
+      <p:grpSp>
+        <p:nvGrpSpPr>
+          <p:cNvPr id="7" name="Group 6"/>
+          <p:cNvGrpSpPr/>
           <p:nvPr/>
-        </p:nvSpPr>
-        <p:spPr>
+        </p:nvGrpSpPr>
+        <p:grpSpPr>
           <a:xfrm>
-            <a:off x="920834" y="1346946"/>
-            <a:ext cx="10222992" cy="80683"/>
+            <a:off x="-16934" y="0"/>
+            <a:ext cx="12231160" cy="6856214"/>
+            <a:chOff x="-16934" y="0"/>
+            <a:chExt cx="12231160" cy="6856214"/>
           </a:xfrm>
-          <a:prstGeom prst="rect">
-            <a:avLst/>
-          </a:prstGeom>
-          <a:blipFill dpi="0" rotWithShape="1">
+        </p:grpSpPr>
+        <p:pic>
+          <p:nvPicPr>
+            <p:cNvPr id="16" name="Picture 15" descr="HD-PanelTitleR1.png"/>
+            <p:cNvPicPr>
+              <a:picLocks noChangeAspect="1"/>
+            </p:cNvPicPr>
+            <p:nvPr/>
+          </p:nvPicPr>
+          <p:blipFill>
             <a:blip r:embed="rId2">
-              <a:alphaModFix amt="85000"/>
-              <a:lum bright="70000" contrast="-70000"/>
               <a:extLst>
-                <a:ext uri="{BEBA8EAE-BF5A-486C-A8C5-ECC9F3942E4B}">
-                  <a14:imgProps xmlns:a14="http://schemas.microsoft.com/office/drawing/2010/main">
-                    <a14:imgLayer r:embed="rId3">
-                      <a14:imgEffect>
-                        <a14:sharpenSoften amount="61000"/>
-                      </a14:imgEffect>
-                    </a14:imgLayer>
-                  </a14:imgProps>
+                <a:ext uri="{28A0092B-C50C-407E-A947-70E740481C1C}">
+                  <a14:useLocalDpi xmlns:a14="http://schemas.microsoft.com/office/drawing/2010/main" val="0"/>
                 </a:ext>
+              </a:extLst>
+            </a:blip>
+            <a:stretch>
+              <a:fillRect/>
+            </a:stretch>
+          </p:blipFill>
+          <p:spPr>
+            <a:xfrm>
+              <a:off x="0" y="0"/>
+              <a:ext cx="12188825" cy="6856214"/>
+            </a:xfrm>
+            <a:prstGeom prst="rect">
+              <a:avLst/>
+            </a:prstGeom>
+          </p:spPr>
+        </p:pic>
+        <p:sp>
+          <p:nvSpPr>
+            <p:cNvPr id="26" name="Rectangle 25"/>
+            <p:cNvSpPr/>
+            <p:nvPr/>
+          </p:nvSpPr>
+          <p:spPr>
+            <a:xfrm>
+              <a:off x="2328332" y="1540931"/>
+              <a:ext cx="7543802" cy="3835401"/>
+            </a:xfrm>
+            <a:prstGeom prst="rect">
+              <a:avLst/>
+            </a:prstGeom>
+            <a:noFill/>
+            <a:ln w="15875">
+              <a:miter lim="800000"/>
+            </a:ln>
+          </p:spPr>
+          <p:style>
+            <a:lnRef idx="1">
+              <a:schemeClr val="accent1"/>
+            </a:lnRef>
+            <a:fillRef idx="3">
+              <a:schemeClr val="accent1"/>
+            </a:fillRef>
+            <a:effectRef idx="2">
+              <a:schemeClr val="accent1"/>
+            </a:effectRef>
+            <a:fontRef idx="minor">
+              <a:schemeClr val="lt1"/>
+            </a:fontRef>
+          </p:style>
+        </p:sp>
+        <p:pic>
+          <p:nvPicPr>
+            <p:cNvPr id="17" name="Picture 16" descr="HDRibbonTitle-UniformTrim.png"/>
+            <p:cNvPicPr>
+              <a:picLocks noChangeAspect="1"/>
+            </p:cNvPicPr>
+            <p:nvPr/>
+          </p:nvPicPr>
+          <p:blipFill rotWithShape="1">
+            <a:blip r:embed="rId3">
+              <a:extLst>
                 <a:ext uri="{28A0092B-C50C-407E-A947-70E740481C1C}">
                   <a14:useLocalDpi xmlns:a14="http://schemas.microsoft.com/office/drawing/2010/main" val="0"/>
                 </a:ext>
               </a:extLst>
             </a:blip>
             <a:srcRect/>
-            <a:tile tx="0" ty="-762000" sx="92000" sy="89000" flip="xy" algn="ctr"/>
-          </a:blipFill>
-          <a:ln>
-            <a:noFill/>
-          </a:ln>
-        </p:spPr>
-        <p:style>
-          <a:lnRef idx="2">
-            <a:schemeClr val="accent1">
-              <a:shade val="50000"/>
-            </a:schemeClr>
-          </a:lnRef>
-          <a:fillRef idx="1">
-            <a:schemeClr val="accent1"/>
-          </a:fillRef>
-          <a:effectRef idx="0">
-            <a:schemeClr val="accent1"/>
-          </a:effectRef>
-          <a:fontRef idx="minor">
-            <a:schemeClr val="lt1"/>
-          </a:fontRef>
-        </p:style>
-      </p:sp>
-      <p:sp>
-        <p:nvSpPr>
-          <p:cNvPr id="8" name="Rectangle 7"/>
-          <p:cNvSpPr/>
-          <p:nvPr/>
-        </p:nvSpPr>
-        <p:spPr>
-          <a:xfrm>
-            <a:off x="920834" y="4299696"/>
-            <a:ext cx="10222992" cy="80683"/>
-          </a:xfrm>
-          <a:prstGeom prst="rect">
-            <a:avLst/>
-          </a:prstGeom>
-          <a:blipFill dpi="0" rotWithShape="1">
-            <a:blip r:embed="rId2">
-              <a:alphaModFix amt="85000"/>
-              <a:lum bright="70000" contrast="-70000"/>
+            <a:stretch/>
+          </p:blipFill>
+          <p:spPr>
+            <a:xfrm>
+              <a:off x="-16934" y="3147609"/>
+              <a:ext cx="2478024" cy="612648"/>
+            </a:xfrm>
+            <a:prstGeom prst="rect">
+              <a:avLst/>
+            </a:prstGeom>
+          </p:spPr>
+        </p:pic>
+        <p:pic>
+          <p:nvPicPr>
+            <p:cNvPr id="20" name="Picture 19" descr="HDRibbonTitle-UniformTrim.png"/>
+            <p:cNvPicPr>
+              <a:picLocks noChangeAspect="1"/>
+            </p:cNvPicPr>
+            <p:nvPr/>
+          </p:nvPicPr>
+          <p:blipFill rotWithShape="1">
+            <a:blip r:embed="rId3">
               <a:extLst>
-                <a:ext uri="{BEBA8EAE-BF5A-486C-A8C5-ECC9F3942E4B}">
-                  <a14:imgProps xmlns:a14="http://schemas.microsoft.com/office/drawing/2010/main">
-                    <a14:imgLayer r:embed="rId3">
-                      <a14:imgEffect>
-                        <a14:sharpenSoften amount="61000"/>
-                      </a14:imgEffect>
-                    </a14:imgLayer>
-                  </a14:imgProps>
-                </a:ext>
                 <a:ext uri="{28A0092B-C50C-407E-A947-70E740481C1C}">
                   <a14:useLocalDpi xmlns:a14="http://schemas.microsoft.com/office/drawing/2010/main" val="0"/>
                 </a:ext>
               </a:extLst>
             </a:blip>
             <a:srcRect/>
-            <a:tile tx="0" ty="-717550" sx="92000" sy="89000" flip="xy" algn="ctr"/>
-          </a:blipFill>
-          <a:ln>
-            <a:noFill/>
-          </a:ln>
-        </p:spPr>
-        <p:style>
-          <a:lnRef idx="2">
-            <a:schemeClr val="accent1">
-              <a:shade val="50000"/>
-            </a:schemeClr>
-          </a:lnRef>
-          <a:fillRef idx="1">
-            <a:schemeClr val="accent1"/>
-          </a:fillRef>
-          <a:effectRef idx="0">
-            <a:schemeClr val="accent1"/>
-          </a:effectRef>
-          <a:fontRef idx="minor">
-            <a:schemeClr val="lt1"/>
-          </a:fontRef>
-        </p:style>
-      </p:sp>
-      <p:sp>
-        <p:nvSpPr>
-          <p:cNvPr id="9" name="Rectangle 8"/>
-          <p:cNvSpPr/>
-          <p:nvPr/>
+            <a:stretch/>
+          </p:blipFill>
+          <p:spPr>
+            <a:xfrm>
+              <a:off x="9736202" y="3147609"/>
+              <a:ext cx="2478024" cy="612648"/>
+            </a:xfrm>
+            <a:prstGeom prst="rect">
+              <a:avLst/>
+            </a:prstGeom>
+          </p:spPr>
+        </p:pic>
+      </p:grpSp>
+      <p:sp>
+        <p:nvSpPr>
+          <p:cNvPr id="2" name="Title 1"/>
+          <p:cNvSpPr>
+            <a:spLocks noGrp="1"/>
+          </p:cNvSpPr>
+          <p:nvPr>
+            <p:ph type="ctrTitle"/>
+          </p:nvPr>
         </p:nvSpPr>
         <p:spPr>
           <a:xfrm>
-            <a:off x="920834" y="1484779"/>
-            <a:ext cx="10222992" cy="2743200"/>
-          </a:xfrm>
-          <a:prstGeom prst="rect">
-            <a:avLst/>
-          </a:prstGeom>
-          <a:blipFill dpi="0" rotWithShape="1">
-            <a:blip r:embed="rId2">
-              <a:alphaModFix amt="85000"/>
-              <a:lum bright="70000" contrast="-70000"/>
-              <a:extLst>
-                <a:ext uri="{BEBA8EAE-BF5A-486C-A8C5-ECC9F3942E4B}">
-                  <a14:imgProps xmlns:a14="http://schemas.microsoft.com/office/drawing/2010/main">
-                    <a14:imgLayer r:embed="rId3">
-                      <a14:imgEffect>
-                        <a14:sharpenSoften amount="61000"/>
-                      </a14:imgEffect>
-                    </a14:imgLayer>
-                  </a14:imgProps>
-                </a:ext>
-                <a:ext uri="{28A0092B-C50C-407E-A947-70E740481C1C}">
-                  <a14:useLocalDpi xmlns:a14="http://schemas.microsoft.com/office/drawing/2010/main" val="0"/>
-                </a:ext>
-              </a:extLst>
-            </a:blip>
-            <a:srcRect/>
-            <a:tile tx="0" ty="-704850" sx="92000" sy="89000" flip="xy" algn="ctr"/>
-          </a:blipFill>
-          <a:ln>
-            <a:noFill/>
-          </a:ln>
-        </p:spPr>
-        <p:style>
-          <a:lnRef idx="2">
-            <a:schemeClr val="accent1">
-              <a:shade val="50000"/>
-            </a:schemeClr>
-          </a:lnRef>
-          <a:fillRef idx="1">
-            <a:schemeClr val="accent1"/>
-          </a:fillRef>
-          <a:effectRef idx="0">
-            <a:schemeClr val="accent1"/>
-          </a:effectRef>
-          <a:fontRef idx="minor">
-            <a:schemeClr val="lt1"/>
-          </a:fontRef>
-        </p:style>
-      </p:sp>
-      <p:grpSp>
-        <p:nvGrpSpPr>
-          <p:cNvPr id="10" name="Group 9"/>
-          <p:cNvGrpSpPr/>
-          <p:nvPr/>
-        </p:nvGrpSpPr>
-        <p:grpSpPr>
-          <a:xfrm>
-            <a:off x="9649215" y="4068923"/>
-            <a:ext cx="1080904" cy="1080902"/>
-            <a:chOff x="9685338" y="4460675"/>
-            <a:chExt cx="1080904" cy="1080902"/>
-          </a:xfrm>
-        </p:grpSpPr>
-        <p:sp>
-          <p:nvSpPr>
-            <p:cNvPr id="11" name="Oval 10"/>
-            <p:cNvSpPr/>
-            <p:nvPr/>
-          </p:nvSpPr>
-          <p:spPr>
-            <a:xfrm>
-              <a:off x="9685338" y="4460675"/>
-              <a:ext cx="1080904" cy="1080902"/>
-            </a:xfrm>
-            <a:prstGeom prst="ellipse">
-              <a:avLst/>
-            </a:prstGeom>
-            <a:blipFill dpi="0" rotWithShape="1">
-              <a:blip r:embed="rId4">
-                <a:duotone>
-                  <a:schemeClr val="accent1">
-                    <a:shade val="45000"/>
-                    <a:satMod val="135000"/>
-                  </a:schemeClr>
-                  <a:prstClr val="white"/>
-                </a:duotone>
-                <a:extLst>
-                  <a:ext uri="{BEBA8EAE-BF5A-486C-A8C5-ECC9F3942E4B}">
-                    <a14:imgProps xmlns:a14="http://schemas.microsoft.com/office/drawing/2010/main">
-                      <a14:imgLayer r:embed="rId5">
-                        <a14:imgEffect>
-                          <a14:saturation sat="95000"/>
-                        </a14:imgEffect>
-                      </a14:imgLayer>
-                    </a14:imgProps>
-                  </a:ext>
-                </a:extLst>
-              </a:blip>
-              <a:srcRect/>
-              <a:tile tx="0" ty="0" sx="85000" sy="85000" flip="none" algn="tl"/>
-            </a:blipFill>
-            <a:ln w="25400" cap="flat" cmpd="sng" algn="ctr">
-              <a:noFill/>
-              <a:prstDash val="solid"/>
-            </a:ln>
-            <a:effectLst/>
-          </p:spPr>
-        </p:sp>
-        <p:sp>
-          <p:nvSpPr>
-            <p:cNvPr id="12" name="Oval 11"/>
-            <p:cNvSpPr/>
-            <p:nvPr/>
-          </p:nvSpPr>
-          <p:spPr>
-            <a:xfrm>
-              <a:off x="9793429" y="4568765"/>
-              <a:ext cx="864723" cy="864722"/>
-            </a:xfrm>
-            <a:prstGeom prst="ellipse">
-              <a:avLst/>
-            </a:prstGeom>
-            <a:noFill/>
-            <a:ln w="25400" cap="flat" cmpd="sng" algn="ctr">
-              <a:solidFill>
-                <a:sysClr val="window" lastClr="FFFFFF"/>
-              </a:solidFill>
-              <a:prstDash val="solid"/>
-            </a:ln>
-            <a:effectLst/>
-          </p:spPr>
-        </p:sp>
-      </p:grpSp>
-      <p:sp>
-        <p:nvSpPr>
-          <p:cNvPr id="2" name="Title 1"/>
-          <p:cNvSpPr>
-            <a:spLocks noGrp="1"/>
-          </p:cNvSpPr>
-          <p:nvPr>
-            <p:ph type="ctrTitle"/>
-          </p:nvPr>
-        </p:nvSpPr>
-        <p:spPr>
-          <a:xfrm>
-            <a:off x="1051560" y="1432223"/>
-            <a:ext cx="9966960" cy="3035808"/>
+            <a:off x="2692398" y="1871131"/>
+            <a:ext cx="6815669" cy="1515533"/>
           </a:xfrm>
         </p:spPr>
         <p:txBody>
-          <a:bodyPr anchor="ctr">
+          <a:bodyPr anchor="b">
             <a:noAutofit/>
           </a:bodyPr>
           <a:lstStyle>
-            <a:lvl1pPr algn="l">
-              <a:lnSpc>
-                <a:spcPct val="80000"/>
-              </a:lnSpc>
-              <a:defRPr sz="9600" cap="all" baseline="0">
-                <a:blipFill dpi="0" rotWithShape="1">
-                  <a:blip r:embed="rId4"/>
-                  <a:srcRect/>
-                  <a:tile tx="6350" ty="-127000" sx="65000" sy="64000" flip="none" algn="tl"/>
-                </a:blipFill>
+            <a:lvl1pPr algn="ctr">
+              <a:defRPr sz="5400">
+                <a:effectLst/>
               </a:defRPr>
             </a:lvl1pPr>
           </a:lstStyle>
@@ -986,18 +861,18 @@
         </p:nvSpPr>
         <p:spPr>
           <a:xfrm>
-            <a:off x="1069848" y="4389120"/>
-            <a:ext cx="7891272" cy="1069848"/>
+            <a:off x="2692398" y="3657597"/>
+            <a:ext cx="6815669" cy="1320802"/>
           </a:xfrm>
         </p:spPr>
         <p:txBody>
-          <a:bodyPr>
+          <a:bodyPr anchor="t">
             <a:normAutofit/>
           </a:bodyPr>
           <a:lstStyle>
-            <a:lvl1pPr marL="0" indent="0" algn="l">
-              <a:buNone/>
-              <a:defRPr sz="2200">
+            <a:lvl1pPr marL="0" indent="0" algn="ctr">
+              <a:buNone/>
+              <a:defRPr sz="2100">
                 <a:solidFill>
                   <a:schemeClr val="tx1"/>
                 </a:solidFill>
@@ -1005,35 +880,83 @@
             </a:lvl1pPr>
             <a:lvl2pPr marL="457200" indent="0" algn="ctr">
               <a:buNone/>
-              <a:defRPr sz="2200"/>
+              <a:defRPr>
+                <a:solidFill>
+                  <a:schemeClr val="tx1">
+                    <a:tint val="75000"/>
+                  </a:schemeClr>
+                </a:solidFill>
+              </a:defRPr>
             </a:lvl2pPr>
             <a:lvl3pPr marL="914400" indent="0" algn="ctr">
               <a:buNone/>
-              <a:defRPr sz="2200"/>
+              <a:defRPr>
+                <a:solidFill>
+                  <a:schemeClr val="tx1">
+                    <a:tint val="75000"/>
+                  </a:schemeClr>
+                </a:solidFill>
+              </a:defRPr>
             </a:lvl3pPr>
             <a:lvl4pPr marL="1371600" indent="0" algn="ctr">
               <a:buNone/>
-              <a:defRPr sz="2000"/>
+              <a:defRPr>
+                <a:solidFill>
+                  <a:schemeClr val="tx1">
+                    <a:tint val="75000"/>
+                  </a:schemeClr>
+                </a:solidFill>
+              </a:defRPr>
             </a:lvl4pPr>
             <a:lvl5pPr marL="1828800" indent="0" algn="ctr">
               <a:buNone/>
-              <a:defRPr sz="2000"/>
+              <a:defRPr>
+                <a:solidFill>
+                  <a:schemeClr val="tx1">
+                    <a:tint val="75000"/>
+                  </a:schemeClr>
+                </a:solidFill>
+              </a:defRPr>
             </a:lvl5pPr>
             <a:lvl6pPr marL="2286000" indent="0" algn="ctr">
               <a:buNone/>
-              <a:defRPr sz="2000"/>
+              <a:defRPr>
+                <a:solidFill>
+                  <a:schemeClr val="tx1">
+                    <a:tint val="75000"/>
+                  </a:schemeClr>
+                </a:solidFill>
+              </a:defRPr>
             </a:lvl6pPr>
             <a:lvl7pPr marL="2743200" indent="0" algn="ctr">
               <a:buNone/>
-              <a:defRPr sz="2000"/>
+              <a:defRPr>
+                <a:solidFill>
+                  <a:schemeClr val="tx1">
+                    <a:tint val="75000"/>
+                  </a:schemeClr>
+                </a:solidFill>
+              </a:defRPr>
             </a:lvl7pPr>
             <a:lvl8pPr marL="3200400" indent="0" algn="ctr">
               <a:buNone/>
-              <a:defRPr sz="2000"/>
+              <a:defRPr>
+                <a:solidFill>
+                  <a:schemeClr val="tx1">
+                    <a:tint val="75000"/>
+                  </a:schemeClr>
+                </a:solidFill>
+              </a:defRPr>
             </a:lvl8pPr>
             <a:lvl9pPr marL="3657600" indent="0" algn="ctr">
               <a:buNone/>
-              <a:defRPr sz="2000"/>
+              <a:defRPr>
+                <a:solidFill>
+                  <a:schemeClr val="tx1">
+                    <a:tint val="75000"/>
+                  </a:schemeClr>
+                </a:solidFill>
+              </a:defRPr>
             </a:lvl9pPr>
           </a:lstStyle>
           <a:p>
@@ -1055,14 +978,19 @@
             <p:ph type="dt" sz="half" idx="10"/>
           </p:nvPr>
         </p:nvSpPr>
-        <p:spPr/>
+        <p:spPr>
+          <a:xfrm>
+            <a:off x="7983232" y="5037663"/>
+            <a:ext cx="897467" cy="279400"/>
+          </a:xfrm>
+        </p:spPr>
         <p:txBody>
           <a:bodyPr/>
           <a:lstStyle/>
           <a:p>
             <a:fld id="{760FBDFE-C587-4B4C-A407-44438C67B59E}" type="datetimeFigureOut">
               <a:rPr lang="zh-CN" altLang="en-US" smtClean="0"/>
-              <a:t>2019/12/19</a:t>
+              <a:t>2019/12/20</a:t>
             </a:fld>
             <a:endParaRPr lang="zh-CN" altLang="en-US"/>
           </a:p>
@@ -1078,7 +1006,12 @@
             <p:ph type="ftr" sz="quarter" idx="11"/>
           </p:nvPr>
         </p:nvSpPr>
-        <p:spPr/>
+        <p:spPr>
+          <a:xfrm>
+            <a:off x="2692397" y="5037663"/>
+            <a:ext cx="5214635" cy="279400"/>
+          </a:xfrm>
+        </p:spPr>
         <p:txBody>
           <a:bodyPr/>
           <a:lstStyle/>
@@ -1099,17 +1032,13 @@
         </p:nvSpPr>
         <p:spPr>
           <a:xfrm>
-            <a:off x="9592733" y="4289334"/>
-            <a:ext cx="1193868" cy="640080"/>
+            <a:off x="8956900" y="5037663"/>
+            <a:ext cx="551167" cy="279400"/>
           </a:xfrm>
         </p:spPr>
         <p:txBody>
           <a:bodyPr/>
-          <a:lstStyle>
-            <a:lvl1pPr>
-              <a:defRPr sz="2800"/>
-            </a:lvl1pPr>
-          </a:lstStyle>
+          <a:lstStyle/>
           <a:p>
             <a:fld id="{49AE70B2-8BF9-45C0-BB95-33D1B9D3A854}" type="slidenum">
               <a:rPr lang="zh-CN" altLang="en-US" smtClean="0"/>
@@ -1119,10 +1048,40 @@
           </a:p>
         </p:txBody>
       </p:sp>
+      <p:cxnSp>
+        <p:nvCxnSpPr>
+          <p:cNvPr id="15" name="Straight Connector 14"/>
+          <p:cNvCxnSpPr/>
+          <p:nvPr/>
+        </p:nvCxnSpPr>
+        <p:spPr>
+          <a:xfrm>
+            <a:off x="2692399" y="3522131"/>
+            <a:ext cx="6815668" cy="0"/>
+          </a:xfrm>
+          <a:prstGeom prst="line">
+            <a:avLst/>
+          </a:prstGeom>
+        </p:spPr>
+        <p:style>
+          <a:lnRef idx="2">
+            <a:schemeClr val="accent1"/>
+          </a:lnRef>
+          <a:fillRef idx="0">
+            <a:schemeClr val="accent1"/>
+          </a:fillRef>
+          <a:effectRef idx="1">
+            <a:schemeClr val="accent1"/>
+          </a:effectRef>
+          <a:fontRef idx="minor">
+            <a:schemeClr val="tx1"/>
+          </a:fontRef>
+        </p:style>
+      </p:cxnSp>
     </p:spTree>
     <p:extLst>
       <p:ext uri="{BB962C8B-B14F-4D97-AF65-F5344CB8AC3E}">
-        <p14:creationId xmlns:p14="http://schemas.microsoft.com/office/powerpoint/2010/main" val="3275565035"/>
+        <p14:creationId xmlns:p14="http://schemas.microsoft.com/office/powerpoint/2010/main" val="2901720324"/>
       </p:ext>
     </p:extLst>
   </p:cSld>
@@ -1133,6 +1092,2099 @@
 </file>
 
 <file path=ppt/slideLayouts/slideLayout10.xml><?xml version="1.0" encoding="utf-8"?>
+<p:sldLayout xmlns:a="http://schemas.openxmlformats.org/drawingml/2006/main" xmlns:r="http://schemas.openxmlformats.org/officeDocument/2006/relationships" xmlns:p="http://schemas.openxmlformats.org/presentationml/2006/main" preserve="1">
+  <p:cSld name="Panoramic Picture with Caption">
+    <p:spTree>
+      <p:nvGrpSpPr>
+        <p:cNvPr id="1" name=""/>
+        <p:cNvGrpSpPr/>
+        <p:nvPr/>
+      </p:nvGrpSpPr>
+      <p:grpSpPr>
+        <a:xfrm>
+          <a:off x="0" y="0"/>
+          <a:ext cx="0" cy="0"/>
+          <a:chOff x="0" y="0"/>
+          <a:chExt cx="0" cy="0"/>
+        </a:xfrm>
+      </p:grpSpPr>
+      <p:sp>
+        <p:nvSpPr>
+          <p:cNvPr id="2" name="Title 1"/>
+          <p:cNvSpPr>
+            <a:spLocks noGrp="1"/>
+          </p:cNvSpPr>
+          <p:nvPr>
+            <p:ph type="title"/>
+          </p:nvPr>
+        </p:nvSpPr>
+        <p:spPr>
+          <a:xfrm>
+            <a:off x="1295401" y="4815415"/>
+            <a:ext cx="9609666" cy="566738"/>
+          </a:xfrm>
+        </p:spPr>
+        <p:txBody>
+          <a:bodyPr anchor="b">
+            <a:normAutofit/>
+          </a:bodyPr>
+          <a:lstStyle>
+            <a:lvl1pPr algn="ctr">
+              <a:defRPr sz="2400" b="0"/>
+            </a:lvl1pPr>
+          </a:lstStyle>
+          <a:p>
+            <a:r>
+              <a:rPr lang="en-US" smtClean="0"/>
+              <a:t>Click to edit Master title style</a:t>
+            </a:r>
+            <a:endParaRPr lang="en-US" dirty="0"/>
+          </a:p>
+        </p:txBody>
+      </p:sp>
+      <p:sp>
+        <p:nvSpPr>
+          <p:cNvPr id="3" name="Picture Placeholder 2"/>
+          <p:cNvSpPr>
+            <a:spLocks noGrp="1" noChangeAspect="1"/>
+          </p:cNvSpPr>
+          <p:nvPr>
+            <p:ph type="pic" idx="1"/>
+          </p:nvPr>
+        </p:nvSpPr>
+        <p:spPr>
+          <a:xfrm>
+            <a:off x="1041427" y="1041399"/>
+            <a:ext cx="10105972" cy="3335869"/>
+          </a:xfrm>
+          <a:prstGeom prst="roundRect">
+            <a:avLst>
+              <a:gd name="adj" fmla="val 0"/>
+            </a:avLst>
+          </a:prstGeom>
+          <a:ln w="57150" cmpd="thickThin">
+            <a:solidFill>
+              <a:schemeClr val="tx1">
+                <a:lumMod val="50000"/>
+                <a:lumOff val="50000"/>
+              </a:schemeClr>
+            </a:solidFill>
+            <a:miter lim="800000"/>
+          </a:ln>
+          <a:effectLst>
+            <a:innerShdw blurRad="57150" dist="38100" dir="14460000">
+              <a:srgbClr val="000000">
+                <a:alpha val="70000"/>
+              </a:srgbClr>
+            </a:innerShdw>
+          </a:effectLst>
+        </p:spPr>
+        <p:txBody>
+          <a:bodyPr anchor="t">
+            <a:normAutofit/>
+          </a:bodyPr>
+          <a:lstStyle>
+            <a:lvl1pPr marL="0" indent="0" algn="ctr">
+              <a:buNone/>
+              <a:defRPr sz="1600"/>
+            </a:lvl1pPr>
+            <a:lvl2pPr marL="457200" indent="0">
+              <a:buNone/>
+              <a:defRPr sz="1600"/>
+            </a:lvl2pPr>
+            <a:lvl3pPr marL="914400" indent="0">
+              <a:buNone/>
+              <a:defRPr sz="1600"/>
+            </a:lvl3pPr>
+            <a:lvl4pPr marL="1371600" indent="0">
+              <a:buNone/>
+              <a:defRPr sz="1600"/>
+            </a:lvl4pPr>
+            <a:lvl5pPr marL="1828800" indent="0">
+              <a:buNone/>
+              <a:defRPr sz="1600"/>
+            </a:lvl5pPr>
+            <a:lvl6pPr marL="2286000" indent="0">
+              <a:buNone/>
+              <a:defRPr sz="1600"/>
+            </a:lvl6pPr>
+            <a:lvl7pPr marL="2743200" indent="0">
+              <a:buNone/>
+              <a:defRPr sz="1600"/>
+            </a:lvl7pPr>
+            <a:lvl8pPr marL="3200400" indent="0">
+              <a:buNone/>
+              <a:defRPr sz="1600"/>
+            </a:lvl8pPr>
+            <a:lvl9pPr marL="3657600" indent="0">
+              <a:buNone/>
+              <a:defRPr sz="1600"/>
+            </a:lvl9pPr>
+          </a:lstStyle>
+          <a:p>
+            <a:r>
+              <a:rPr lang="en-US" smtClean="0"/>
+              <a:t>Click icon to add picture</a:t>
+            </a:r>
+            <a:endParaRPr lang="en-US" dirty="0"/>
+          </a:p>
+        </p:txBody>
+      </p:sp>
+      <p:sp>
+        <p:nvSpPr>
+          <p:cNvPr id="4" name="Text Placeholder 3"/>
+          <p:cNvSpPr>
+            <a:spLocks noGrp="1"/>
+          </p:cNvSpPr>
+          <p:nvPr>
+            <p:ph type="body" sz="half" idx="2"/>
+          </p:nvPr>
+        </p:nvSpPr>
+        <p:spPr>
+          <a:xfrm>
+            <a:off x="1295401" y="5382153"/>
+            <a:ext cx="9609666" cy="493712"/>
+          </a:xfrm>
+        </p:spPr>
+        <p:txBody>
+          <a:bodyPr>
+            <a:normAutofit/>
+          </a:bodyPr>
+          <a:lstStyle>
+            <a:lvl1pPr marL="0" indent="0" algn="ctr">
+              <a:buNone/>
+              <a:defRPr sz="1400"/>
+            </a:lvl1pPr>
+            <a:lvl2pPr marL="457200" indent="0">
+              <a:buNone/>
+              <a:defRPr sz="1200"/>
+            </a:lvl2pPr>
+            <a:lvl3pPr marL="914400" indent="0">
+              <a:buNone/>
+              <a:defRPr sz="1000"/>
+            </a:lvl3pPr>
+            <a:lvl4pPr marL="1371600" indent="0">
+              <a:buNone/>
+              <a:defRPr sz="900"/>
+            </a:lvl4pPr>
+            <a:lvl5pPr marL="1828800" indent="0">
+              <a:buNone/>
+              <a:defRPr sz="900"/>
+            </a:lvl5pPr>
+            <a:lvl6pPr marL="2286000" indent="0">
+              <a:buNone/>
+              <a:defRPr sz="900"/>
+            </a:lvl6pPr>
+            <a:lvl7pPr marL="2743200" indent="0">
+              <a:buNone/>
+              <a:defRPr sz="900"/>
+            </a:lvl7pPr>
+            <a:lvl8pPr marL="3200400" indent="0">
+              <a:buNone/>
+              <a:defRPr sz="900"/>
+            </a:lvl8pPr>
+            <a:lvl9pPr marL="3657600" indent="0">
+              <a:buNone/>
+              <a:defRPr sz="900"/>
+            </a:lvl9pPr>
+          </a:lstStyle>
+          <a:p>
+            <a:pPr lvl="0"/>
+            <a:r>
+              <a:rPr lang="en-US" smtClean="0"/>
+              <a:t>Click to edit Master text styles</a:t>
+            </a:r>
+          </a:p>
+        </p:txBody>
+      </p:sp>
+      <p:sp>
+        <p:nvSpPr>
+          <p:cNvPr id="5" name="Date Placeholder 4"/>
+          <p:cNvSpPr>
+            <a:spLocks noGrp="1"/>
+          </p:cNvSpPr>
+          <p:nvPr>
+            <p:ph type="dt" sz="half" idx="10"/>
+          </p:nvPr>
+        </p:nvSpPr>
+        <p:spPr/>
+        <p:txBody>
+          <a:bodyPr/>
+          <a:lstStyle/>
+          <a:p>
+            <a:fld id="{760FBDFE-C587-4B4C-A407-44438C67B59E}" type="datetimeFigureOut">
+              <a:rPr lang="zh-CN" altLang="en-US" smtClean="0"/>
+              <a:t>2019/12/20</a:t>
+            </a:fld>
+            <a:endParaRPr lang="zh-CN" altLang="en-US"/>
+          </a:p>
+        </p:txBody>
+      </p:sp>
+      <p:sp>
+        <p:nvSpPr>
+          <p:cNvPr id="6" name="Footer Placeholder 5"/>
+          <p:cNvSpPr>
+            <a:spLocks noGrp="1"/>
+          </p:cNvSpPr>
+          <p:nvPr>
+            <p:ph type="ftr" sz="quarter" idx="11"/>
+          </p:nvPr>
+        </p:nvSpPr>
+        <p:spPr/>
+        <p:txBody>
+          <a:bodyPr/>
+          <a:lstStyle/>
+          <a:p>
+            <a:endParaRPr lang="zh-CN" altLang="en-US"/>
+          </a:p>
+        </p:txBody>
+      </p:sp>
+      <p:sp>
+        <p:nvSpPr>
+          <p:cNvPr id="7" name="Slide Number Placeholder 6"/>
+          <p:cNvSpPr>
+            <a:spLocks noGrp="1"/>
+          </p:cNvSpPr>
+          <p:nvPr>
+            <p:ph type="sldNum" sz="quarter" idx="12"/>
+          </p:nvPr>
+        </p:nvSpPr>
+        <p:spPr/>
+        <p:txBody>
+          <a:bodyPr/>
+          <a:lstStyle/>
+          <a:p>
+            <a:fld id="{49AE70B2-8BF9-45C0-BB95-33D1B9D3A854}" type="slidenum">
+              <a:rPr lang="zh-CN" altLang="en-US" smtClean="0"/>
+              <a:t>‹#›</a:t>
+            </a:fld>
+            <a:endParaRPr lang="zh-CN" altLang="en-US"/>
+          </a:p>
+        </p:txBody>
+      </p:sp>
+    </p:spTree>
+    <p:extLst>
+      <p:ext uri="{BB962C8B-B14F-4D97-AF65-F5344CB8AC3E}">
+        <p14:creationId xmlns:p14="http://schemas.microsoft.com/office/powerpoint/2010/main" val="264307321"/>
+      </p:ext>
+    </p:extLst>
+  </p:cSld>
+  <p:clrMapOvr>
+    <a:masterClrMapping/>
+  </p:clrMapOvr>
+</p:sldLayout>
+</file>
+
+<file path=ppt/slideLayouts/slideLayout11.xml><?xml version="1.0" encoding="utf-8"?>
+<p:sldLayout xmlns:a="http://schemas.openxmlformats.org/drawingml/2006/main" xmlns:r="http://schemas.openxmlformats.org/officeDocument/2006/relationships" xmlns:p="http://schemas.openxmlformats.org/presentationml/2006/main" preserve="1">
+  <p:cSld name="Title and Caption">
+    <p:spTree>
+      <p:nvGrpSpPr>
+        <p:cNvPr id="1" name=""/>
+        <p:cNvGrpSpPr/>
+        <p:nvPr/>
+      </p:nvGrpSpPr>
+      <p:grpSpPr>
+        <a:xfrm>
+          <a:off x="0" y="0"/>
+          <a:ext cx="0" cy="0"/>
+          <a:chOff x="0" y="0"/>
+          <a:chExt cx="0" cy="0"/>
+        </a:xfrm>
+      </p:grpSpPr>
+      <p:sp>
+        <p:nvSpPr>
+          <p:cNvPr id="2" name="Title 1"/>
+          <p:cNvSpPr>
+            <a:spLocks noGrp="1"/>
+          </p:cNvSpPr>
+          <p:nvPr>
+            <p:ph type="title"/>
+          </p:nvPr>
+        </p:nvSpPr>
+        <p:spPr>
+          <a:xfrm>
+            <a:off x="1303868" y="982132"/>
+            <a:ext cx="9592732" cy="2954868"/>
+          </a:xfrm>
+        </p:spPr>
+        <p:txBody>
+          <a:bodyPr anchor="ctr">
+            <a:normAutofit/>
+          </a:bodyPr>
+          <a:lstStyle>
+            <a:lvl1pPr algn="ctr">
+              <a:defRPr sz="3200" b="0" cap="none"/>
+            </a:lvl1pPr>
+          </a:lstStyle>
+          <a:p>
+            <a:r>
+              <a:rPr lang="en-US" smtClean="0"/>
+              <a:t>Click to edit Master title style</a:t>
+            </a:r>
+            <a:endParaRPr lang="en-US" dirty="0"/>
+          </a:p>
+        </p:txBody>
+      </p:sp>
+      <p:sp>
+        <p:nvSpPr>
+          <p:cNvPr id="3" name="Text Placeholder 2"/>
+          <p:cNvSpPr>
+            <a:spLocks noGrp="1"/>
+          </p:cNvSpPr>
+          <p:nvPr>
+            <p:ph type="body" idx="1"/>
+          </p:nvPr>
+        </p:nvSpPr>
+        <p:spPr>
+          <a:xfrm>
+            <a:off x="1303868" y="4343399"/>
+            <a:ext cx="9592732" cy="1532467"/>
+          </a:xfrm>
+        </p:spPr>
+        <p:txBody>
+          <a:bodyPr anchor="ctr">
+            <a:normAutofit/>
+          </a:bodyPr>
+          <a:lstStyle>
+            <a:lvl1pPr marL="0" indent="0" algn="ctr">
+              <a:buNone/>
+              <a:defRPr sz="2000">
+                <a:solidFill>
+                  <a:schemeClr val="tx1"/>
+                </a:solidFill>
+              </a:defRPr>
+            </a:lvl1pPr>
+            <a:lvl2pPr marL="457200" indent="0">
+              <a:buNone/>
+              <a:defRPr sz="1800">
+                <a:solidFill>
+                  <a:schemeClr val="tx1">
+                    <a:tint val="75000"/>
+                  </a:schemeClr>
+                </a:solidFill>
+              </a:defRPr>
+            </a:lvl2pPr>
+            <a:lvl3pPr marL="914400" indent="0">
+              <a:buNone/>
+              <a:defRPr sz="1600">
+                <a:solidFill>
+                  <a:schemeClr val="tx1">
+                    <a:tint val="75000"/>
+                  </a:schemeClr>
+                </a:solidFill>
+              </a:defRPr>
+            </a:lvl3pPr>
+            <a:lvl4pPr marL="1371600" indent="0">
+              <a:buNone/>
+              <a:defRPr sz="1400">
+                <a:solidFill>
+                  <a:schemeClr val="tx1">
+                    <a:tint val="75000"/>
+                  </a:schemeClr>
+                </a:solidFill>
+              </a:defRPr>
+            </a:lvl4pPr>
+            <a:lvl5pPr marL="1828800" indent="0">
+              <a:buNone/>
+              <a:defRPr sz="1400">
+                <a:solidFill>
+                  <a:schemeClr val="tx1">
+                    <a:tint val="75000"/>
+                  </a:schemeClr>
+                </a:solidFill>
+              </a:defRPr>
+            </a:lvl5pPr>
+            <a:lvl6pPr marL="2286000" indent="0">
+              <a:buNone/>
+              <a:defRPr sz="1400">
+                <a:solidFill>
+                  <a:schemeClr val="tx1">
+                    <a:tint val="75000"/>
+                  </a:schemeClr>
+                </a:solidFill>
+              </a:defRPr>
+            </a:lvl6pPr>
+            <a:lvl7pPr marL="2743200" indent="0">
+              <a:buNone/>
+              <a:defRPr sz="1400">
+                <a:solidFill>
+                  <a:schemeClr val="tx1">
+                    <a:tint val="75000"/>
+                  </a:schemeClr>
+                </a:solidFill>
+              </a:defRPr>
+            </a:lvl7pPr>
+            <a:lvl8pPr marL="3200400" indent="0">
+              <a:buNone/>
+              <a:defRPr sz="1400">
+                <a:solidFill>
+                  <a:schemeClr val="tx1">
+                    <a:tint val="75000"/>
+                  </a:schemeClr>
+                </a:solidFill>
+              </a:defRPr>
+            </a:lvl8pPr>
+            <a:lvl9pPr marL="3657600" indent="0">
+              <a:buNone/>
+              <a:defRPr sz="1400">
+                <a:solidFill>
+                  <a:schemeClr val="tx1">
+                    <a:tint val="75000"/>
+                  </a:schemeClr>
+                </a:solidFill>
+              </a:defRPr>
+            </a:lvl9pPr>
+          </a:lstStyle>
+          <a:p>
+            <a:pPr lvl="0"/>
+            <a:r>
+              <a:rPr lang="en-US" smtClean="0"/>
+              <a:t>Click to edit Master text styles</a:t>
+            </a:r>
+          </a:p>
+        </p:txBody>
+      </p:sp>
+      <p:sp>
+        <p:nvSpPr>
+          <p:cNvPr id="4" name="Date Placeholder 3"/>
+          <p:cNvSpPr>
+            <a:spLocks noGrp="1"/>
+          </p:cNvSpPr>
+          <p:nvPr>
+            <p:ph type="dt" sz="half" idx="10"/>
+          </p:nvPr>
+        </p:nvSpPr>
+        <p:spPr/>
+        <p:txBody>
+          <a:bodyPr/>
+          <a:lstStyle/>
+          <a:p>
+            <a:fld id="{760FBDFE-C587-4B4C-A407-44438C67B59E}" type="datetimeFigureOut">
+              <a:rPr lang="zh-CN" altLang="en-US" smtClean="0"/>
+              <a:t>2019/12/20</a:t>
+            </a:fld>
+            <a:endParaRPr lang="zh-CN" altLang="en-US"/>
+          </a:p>
+        </p:txBody>
+      </p:sp>
+      <p:sp>
+        <p:nvSpPr>
+          <p:cNvPr id="5" name="Footer Placeholder 4"/>
+          <p:cNvSpPr>
+            <a:spLocks noGrp="1"/>
+          </p:cNvSpPr>
+          <p:nvPr>
+            <p:ph type="ftr" sz="quarter" idx="11"/>
+          </p:nvPr>
+        </p:nvSpPr>
+        <p:spPr/>
+        <p:txBody>
+          <a:bodyPr/>
+          <a:lstStyle/>
+          <a:p>
+            <a:endParaRPr lang="zh-CN" altLang="en-US"/>
+          </a:p>
+        </p:txBody>
+      </p:sp>
+      <p:sp>
+        <p:nvSpPr>
+          <p:cNvPr id="6" name="Slide Number Placeholder 5"/>
+          <p:cNvSpPr>
+            <a:spLocks noGrp="1"/>
+          </p:cNvSpPr>
+          <p:nvPr>
+            <p:ph type="sldNum" sz="quarter" idx="12"/>
+          </p:nvPr>
+        </p:nvSpPr>
+        <p:spPr/>
+        <p:txBody>
+          <a:bodyPr/>
+          <a:lstStyle/>
+          <a:p>
+            <a:fld id="{49AE70B2-8BF9-45C0-BB95-33D1B9D3A854}" type="slidenum">
+              <a:rPr lang="zh-CN" altLang="en-US" smtClean="0"/>
+              <a:t>‹#›</a:t>
+            </a:fld>
+            <a:endParaRPr lang="zh-CN" altLang="en-US"/>
+          </a:p>
+        </p:txBody>
+      </p:sp>
+      <p:cxnSp>
+        <p:nvCxnSpPr>
+          <p:cNvPr id="15" name="Straight Connector 14"/>
+          <p:cNvCxnSpPr/>
+          <p:nvPr/>
+        </p:nvCxnSpPr>
+        <p:spPr>
+          <a:xfrm>
+            <a:off x="1396169" y="4140199"/>
+            <a:ext cx="9407298" cy="0"/>
+          </a:xfrm>
+          <a:prstGeom prst="line">
+            <a:avLst/>
+          </a:prstGeom>
+          <a:ln w="15875"/>
+        </p:spPr>
+        <p:style>
+          <a:lnRef idx="2">
+            <a:schemeClr val="accent1"/>
+          </a:lnRef>
+          <a:fillRef idx="0">
+            <a:schemeClr val="accent1"/>
+          </a:fillRef>
+          <a:effectRef idx="1">
+            <a:schemeClr val="accent1"/>
+          </a:effectRef>
+          <a:fontRef idx="minor">
+            <a:schemeClr val="tx1"/>
+          </a:fontRef>
+        </p:style>
+      </p:cxnSp>
+    </p:spTree>
+    <p:extLst>
+      <p:ext uri="{BB962C8B-B14F-4D97-AF65-F5344CB8AC3E}">
+        <p14:creationId xmlns:p14="http://schemas.microsoft.com/office/powerpoint/2010/main" val="1697185378"/>
+      </p:ext>
+    </p:extLst>
+  </p:cSld>
+  <p:clrMapOvr>
+    <a:masterClrMapping/>
+  </p:clrMapOvr>
+</p:sldLayout>
+</file>
+
+<file path=ppt/slideLayouts/slideLayout12.xml><?xml version="1.0" encoding="utf-8"?>
+<p:sldLayout xmlns:a="http://schemas.openxmlformats.org/drawingml/2006/main" xmlns:r="http://schemas.openxmlformats.org/officeDocument/2006/relationships" xmlns:p="http://schemas.openxmlformats.org/presentationml/2006/main" preserve="1">
+  <p:cSld name="Quote with Caption">
+    <p:spTree>
+      <p:nvGrpSpPr>
+        <p:cNvPr id="1" name=""/>
+        <p:cNvGrpSpPr/>
+        <p:nvPr/>
+      </p:nvGrpSpPr>
+      <p:grpSpPr>
+        <a:xfrm>
+          <a:off x="0" y="0"/>
+          <a:ext cx="0" cy="0"/>
+          <a:chOff x="0" y="0"/>
+          <a:chExt cx="0" cy="0"/>
+        </a:xfrm>
+      </p:grpSpPr>
+      <p:sp>
+        <p:nvSpPr>
+          <p:cNvPr id="2" name="Title 1"/>
+          <p:cNvSpPr>
+            <a:spLocks noGrp="1"/>
+          </p:cNvSpPr>
+          <p:nvPr>
+            <p:ph type="title"/>
+          </p:nvPr>
+        </p:nvSpPr>
+        <p:spPr>
+          <a:xfrm>
+            <a:off x="1446213" y="982132"/>
+            <a:ext cx="9296398" cy="2370668"/>
+          </a:xfrm>
+        </p:spPr>
+        <p:txBody>
+          <a:bodyPr anchor="ctr">
+            <a:normAutofit/>
+          </a:bodyPr>
+          <a:lstStyle>
+            <a:lvl1pPr algn="ctr">
+              <a:defRPr sz="3200" b="0" cap="none">
+                <a:solidFill>
+                  <a:schemeClr val="tx1"/>
+                </a:solidFill>
+              </a:defRPr>
+            </a:lvl1pPr>
+          </a:lstStyle>
+          <a:p>
+            <a:r>
+              <a:rPr lang="en-US" smtClean="0"/>
+              <a:t>Click to edit Master title style</a:t>
+            </a:r>
+            <a:endParaRPr lang="en-US" dirty="0"/>
+          </a:p>
+        </p:txBody>
+      </p:sp>
+      <p:sp>
+        <p:nvSpPr>
+          <p:cNvPr id="10" name="Text Placeholder 9"/>
+          <p:cNvSpPr>
+            <a:spLocks noGrp="1"/>
+          </p:cNvSpPr>
+          <p:nvPr>
+            <p:ph type="body" sz="quarter" idx="13"/>
+          </p:nvPr>
+        </p:nvSpPr>
+        <p:spPr>
+          <a:xfrm>
+            <a:off x="1674812" y="3352800"/>
+            <a:ext cx="8839202" cy="584200"/>
+          </a:xfrm>
+        </p:spPr>
+        <p:txBody>
+          <a:bodyPr anchor="ctr">
+            <a:normAutofit/>
+          </a:bodyPr>
+          <a:lstStyle>
+            <a:lvl1pPr marL="0" indent="0" algn="r">
+              <a:buFontTx/>
+              <a:buNone/>
+              <a:defRPr sz="2000"/>
+            </a:lvl1pPr>
+            <a:lvl2pPr marL="457200" indent="0">
+              <a:buFontTx/>
+              <a:buNone/>
+              <a:defRPr/>
+            </a:lvl2pPr>
+            <a:lvl3pPr marL="914400" indent="0">
+              <a:buFontTx/>
+              <a:buNone/>
+              <a:defRPr/>
+            </a:lvl3pPr>
+            <a:lvl4pPr marL="1371600" indent="0">
+              <a:buFontTx/>
+              <a:buNone/>
+              <a:defRPr/>
+            </a:lvl4pPr>
+            <a:lvl5pPr marL="1828800" indent="0">
+              <a:buFontTx/>
+              <a:buNone/>
+              <a:defRPr/>
+            </a:lvl5pPr>
+          </a:lstStyle>
+          <a:p>
+            <a:pPr lvl="0"/>
+            <a:r>
+              <a:rPr lang="en-US" smtClean="0"/>
+              <a:t>Click to edit Master text styles</a:t>
+            </a:r>
+          </a:p>
+        </p:txBody>
+      </p:sp>
+      <p:sp>
+        <p:nvSpPr>
+          <p:cNvPr id="3" name="Text Placeholder 2"/>
+          <p:cNvSpPr>
+            <a:spLocks noGrp="1"/>
+          </p:cNvSpPr>
+          <p:nvPr>
+            <p:ph type="body" idx="1"/>
+          </p:nvPr>
+        </p:nvSpPr>
+        <p:spPr>
+          <a:xfrm>
+            <a:off x="1295401" y="4343399"/>
+            <a:ext cx="9609666" cy="1532467"/>
+          </a:xfrm>
+        </p:spPr>
+        <p:txBody>
+          <a:bodyPr anchor="ctr">
+            <a:normAutofit/>
+          </a:bodyPr>
+          <a:lstStyle>
+            <a:lvl1pPr marL="0" indent="0" algn="ctr">
+              <a:buNone/>
+              <a:defRPr sz="2000">
+                <a:solidFill>
+                  <a:schemeClr val="tx1"/>
+                </a:solidFill>
+              </a:defRPr>
+            </a:lvl1pPr>
+            <a:lvl2pPr marL="457200" indent="0">
+              <a:buNone/>
+              <a:defRPr sz="1800">
+                <a:solidFill>
+                  <a:schemeClr val="tx1">
+                    <a:tint val="75000"/>
+                  </a:schemeClr>
+                </a:solidFill>
+              </a:defRPr>
+            </a:lvl2pPr>
+            <a:lvl3pPr marL="914400" indent="0">
+              <a:buNone/>
+              <a:defRPr sz="1600">
+                <a:solidFill>
+                  <a:schemeClr val="tx1">
+                    <a:tint val="75000"/>
+                  </a:schemeClr>
+                </a:solidFill>
+              </a:defRPr>
+            </a:lvl3pPr>
+            <a:lvl4pPr marL="1371600" indent="0">
+              <a:buNone/>
+              <a:defRPr sz="1400">
+                <a:solidFill>
+                  <a:schemeClr val="tx1">
+                    <a:tint val="75000"/>
+                  </a:schemeClr>
+                </a:solidFill>
+              </a:defRPr>
+            </a:lvl4pPr>
+            <a:lvl5pPr marL="1828800" indent="0">
+              <a:buNone/>
+              <a:defRPr sz="1400">
+                <a:solidFill>
+                  <a:schemeClr val="tx1">
+                    <a:tint val="75000"/>
+                  </a:schemeClr>
+                </a:solidFill>
+              </a:defRPr>
+            </a:lvl5pPr>
+            <a:lvl6pPr marL="2286000" indent="0">
+              <a:buNone/>
+              <a:defRPr sz="1400">
+                <a:solidFill>
+                  <a:schemeClr val="tx1">
+                    <a:tint val="75000"/>
+                  </a:schemeClr>
+                </a:solidFill>
+              </a:defRPr>
+            </a:lvl6pPr>
+            <a:lvl7pPr marL="2743200" indent="0">
+              <a:buNone/>
+              <a:defRPr sz="1400">
+                <a:solidFill>
+                  <a:schemeClr val="tx1">
+                    <a:tint val="75000"/>
+                  </a:schemeClr>
+                </a:solidFill>
+              </a:defRPr>
+            </a:lvl7pPr>
+            <a:lvl8pPr marL="3200400" indent="0">
+              <a:buNone/>
+              <a:defRPr sz="1400">
+                <a:solidFill>
+                  <a:schemeClr val="tx1">
+                    <a:tint val="75000"/>
+                  </a:schemeClr>
+                </a:solidFill>
+              </a:defRPr>
+            </a:lvl8pPr>
+            <a:lvl9pPr marL="3657600" indent="0">
+              <a:buNone/>
+              <a:defRPr sz="1400">
+                <a:solidFill>
+                  <a:schemeClr val="tx1">
+                    <a:tint val="75000"/>
+                  </a:schemeClr>
+                </a:solidFill>
+              </a:defRPr>
+            </a:lvl9pPr>
+          </a:lstStyle>
+          <a:p>
+            <a:pPr lvl="0"/>
+            <a:r>
+              <a:rPr lang="en-US" smtClean="0"/>
+              <a:t>Click to edit Master text styles</a:t>
+            </a:r>
+          </a:p>
+        </p:txBody>
+      </p:sp>
+      <p:sp>
+        <p:nvSpPr>
+          <p:cNvPr id="4" name="Date Placeholder 3"/>
+          <p:cNvSpPr>
+            <a:spLocks noGrp="1"/>
+          </p:cNvSpPr>
+          <p:nvPr>
+            <p:ph type="dt" sz="half" idx="10"/>
+          </p:nvPr>
+        </p:nvSpPr>
+        <p:spPr/>
+        <p:txBody>
+          <a:bodyPr/>
+          <a:lstStyle/>
+          <a:p>
+            <a:fld id="{760FBDFE-C587-4B4C-A407-44438C67B59E}" type="datetimeFigureOut">
+              <a:rPr lang="zh-CN" altLang="en-US" smtClean="0"/>
+              <a:t>2019/12/20</a:t>
+            </a:fld>
+            <a:endParaRPr lang="zh-CN" altLang="en-US"/>
+          </a:p>
+        </p:txBody>
+      </p:sp>
+      <p:sp>
+        <p:nvSpPr>
+          <p:cNvPr id="5" name="Footer Placeholder 4"/>
+          <p:cNvSpPr>
+            <a:spLocks noGrp="1"/>
+          </p:cNvSpPr>
+          <p:nvPr>
+            <p:ph type="ftr" sz="quarter" idx="11"/>
+          </p:nvPr>
+        </p:nvSpPr>
+        <p:spPr/>
+        <p:txBody>
+          <a:bodyPr/>
+          <a:lstStyle/>
+          <a:p>
+            <a:endParaRPr lang="zh-CN" altLang="en-US"/>
+          </a:p>
+        </p:txBody>
+      </p:sp>
+      <p:sp>
+        <p:nvSpPr>
+          <p:cNvPr id="6" name="Slide Number Placeholder 5"/>
+          <p:cNvSpPr>
+            <a:spLocks noGrp="1"/>
+          </p:cNvSpPr>
+          <p:nvPr>
+            <p:ph type="sldNum" sz="quarter" idx="12"/>
+          </p:nvPr>
+        </p:nvSpPr>
+        <p:spPr/>
+        <p:txBody>
+          <a:bodyPr/>
+          <a:lstStyle/>
+          <a:p>
+            <a:fld id="{49AE70B2-8BF9-45C0-BB95-33D1B9D3A854}" type="slidenum">
+              <a:rPr lang="zh-CN" altLang="en-US" smtClean="0"/>
+              <a:t>‹#›</a:t>
+            </a:fld>
+            <a:endParaRPr lang="zh-CN" altLang="en-US"/>
+          </a:p>
+        </p:txBody>
+      </p:sp>
+      <p:sp>
+        <p:nvSpPr>
+          <p:cNvPr id="14" name="TextBox 13"/>
+          <p:cNvSpPr txBox="1"/>
+          <p:nvPr/>
+        </p:nvSpPr>
+        <p:spPr>
+          <a:xfrm>
+            <a:off x="862013" y="879961"/>
+            <a:ext cx="609600" cy="584776"/>
+          </a:xfrm>
+          <a:prstGeom prst="rect">
+            <a:avLst/>
+          </a:prstGeom>
+        </p:spPr>
+        <p:txBody>
+          <a:bodyPr vert="horz" lIns="91440" tIns="45720" rIns="91440" bIns="45720" rtlCol="0" anchor="ctr">
+            <a:noAutofit/>
+          </a:bodyPr>
+          <a:lstStyle/>
+          <a:p>
+            <a:pPr lvl="0"/>
+            <a:r>
+              <a:rPr lang="en-US" sz="8000" dirty="0">
+                <a:solidFill>
+                  <a:schemeClr val="tx1"/>
+                </a:solidFill>
+                <a:effectLst/>
+              </a:rPr>
+              <a:t>“</a:t>
+            </a:r>
+          </a:p>
+        </p:txBody>
+      </p:sp>
+      <p:sp>
+        <p:nvSpPr>
+          <p:cNvPr id="15" name="TextBox 14"/>
+          <p:cNvSpPr txBox="1"/>
+          <p:nvPr/>
+        </p:nvSpPr>
+        <p:spPr>
+          <a:xfrm>
+            <a:off x="10600267" y="2827870"/>
+            <a:ext cx="609600" cy="584776"/>
+          </a:xfrm>
+          <a:prstGeom prst="rect">
+            <a:avLst/>
+          </a:prstGeom>
+        </p:spPr>
+        <p:txBody>
+          <a:bodyPr vert="horz" lIns="91440" tIns="45720" rIns="91440" bIns="45720" rtlCol="0" anchor="ctr">
+            <a:noAutofit/>
+          </a:bodyPr>
+          <a:lstStyle/>
+          <a:p>
+            <a:pPr lvl="0" algn="r"/>
+            <a:r>
+              <a:rPr lang="en-US" sz="8000" dirty="0">
+                <a:solidFill>
+                  <a:schemeClr val="tx1"/>
+                </a:solidFill>
+                <a:effectLst/>
+              </a:rPr>
+              <a:t>”</a:t>
+            </a:r>
+          </a:p>
+        </p:txBody>
+      </p:sp>
+      <p:cxnSp>
+        <p:nvCxnSpPr>
+          <p:cNvPr id="19" name="Straight Connector 18"/>
+          <p:cNvCxnSpPr/>
+          <p:nvPr/>
+        </p:nvCxnSpPr>
+        <p:spPr>
+          <a:xfrm>
+            <a:off x="1396169" y="4140199"/>
+            <a:ext cx="9407298" cy="0"/>
+          </a:xfrm>
+          <a:prstGeom prst="line">
+            <a:avLst/>
+          </a:prstGeom>
+          <a:ln w="15875"/>
+        </p:spPr>
+        <p:style>
+          <a:lnRef idx="2">
+            <a:schemeClr val="accent1"/>
+          </a:lnRef>
+          <a:fillRef idx="0">
+            <a:schemeClr val="accent1"/>
+          </a:fillRef>
+          <a:effectRef idx="1">
+            <a:schemeClr val="accent1"/>
+          </a:effectRef>
+          <a:fontRef idx="minor">
+            <a:schemeClr val="tx1"/>
+          </a:fontRef>
+        </p:style>
+      </p:cxnSp>
+    </p:spTree>
+    <p:extLst>
+      <p:ext uri="{BB962C8B-B14F-4D97-AF65-F5344CB8AC3E}">
+        <p14:creationId xmlns:p14="http://schemas.microsoft.com/office/powerpoint/2010/main" val="3768024638"/>
+      </p:ext>
+    </p:extLst>
+  </p:cSld>
+  <p:clrMapOvr>
+    <a:masterClrMapping/>
+  </p:clrMapOvr>
+</p:sldLayout>
+</file>
+
+<file path=ppt/slideLayouts/slideLayout13.xml><?xml version="1.0" encoding="utf-8"?>
+<p:sldLayout xmlns:a="http://schemas.openxmlformats.org/drawingml/2006/main" xmlns:r="http://schemas.openxmlformats.org/officeDocument/2006/relationships" xmlns:p="http://schemas.openxmlformats.org/presentationml/2006/main" preserve="1">
+  <p:cSld name="Name Card">
+    <p:spTree>
+      <p:nvGrpSpPr>
+        <p:cNvPr id="1" name=""/>
+        <p:cNvGrpSpPr/>
+        <p:nvPr/>
+      </p:nvGrpSpPr>
+      <p:grpSpPr>
+        <a:xfrm>
+          <a:off x="0" y="0"/>
+          <a:ext cx="0" cy="0"/>
+          <a:chOff x="0" y="0"/>
+          <a:chExt cx="0" cy="0"/>
+        </a:xfrm>
+      </p:grpSpPr>
+      <p:sp>
+        <p:nvSpPr>
+          <p:cNvPr id="2" name="Title 1"/>
+          <p:cNvSpPr>
+            <a:spLocks noGrp="1"/>
+          </p:cNvSpPr>
+          <p:nvPr>
+            <p:ph type="title"/>
+          </p:nvPr>
+        </p:nvSpPr>
+        <p:spPr>
+          <a:xfrm>
+            <a:off x="1295402" y="3308581"/>
+            <a:ext cx="9609668" cy="1468800"/>
+          </a:xfrm>
+        </p:spPr>
+        <p:txBody>
+          <a:bodyPr anchor="b">
+            <a:normAutofit/>
+          </a:bodyPr>
+          <a:lstStyle>
+            <a:lvl1pPr algn="l">
+              <a:defRPr sz="3200" b="0" cap="none"/>
+            </a:lvl1pPr>
+          </a:lstStyle>
+          <a:p>
+            <a:r>
+              <a:rPr lang="en-US" smtClean="0"/>
+              <a:t>Click to edit Master title style</a:t>
+            </a:r>
+            <a:endParaRPr lang="en-US" dirty="0"/>
+          </a:p>
+        </p:txBody>
+      </p:sp>
+      <p:sp>
+        <p:nvSpPr>
+          <p:cNvPr id="3" name="Text Placeholder 2"/>
+          <p:cNvSpPr>
+            <a:spLocks noGrp="1"/>
+          </p:cNvSpPr>
+          <p:nvPr>
+            <p:ph type="body" idx="1"/>
+          </p:nvPr>
+        </p:nvSpPr>
+        <p:spPr>
+          <a:xfrm>
+            <a:off x="1295401" y="4777381"/>
+            <a:ext cx="9609668" cy="860400"/>
+          </a:xfrm>
+        </p:spPr>
+        <p:txBody>
+          <a:bodyPr anchor="t">
+            <a:normAutofit/>
+          </a:bodyPr>
+          <a:lstStyle>
+            <a:lvl1pPr marL="0" indent="0" algn="l">
+              <a:buNone/>
+              <a:defRPr sz="2000">
+                <a:solidFill>
+                  <a:schemeClr val="tx1"/>
+                </a:solidFill>
+              </a:defRPr>
+            </a:lvl1pPr>
+            <a:lvl2pPr marL="457200" indent="0">
+              <a:buNone/>
+              <a:defRPr sz="1800">
+                <a:solidFill>
+                  <a:schemeClr val="tx1">
+                    <a:tint val="75000"/>
+                  </a:schemeClr>
+                </a:solidFill>
+              </a:defRPr>
+            </a:lvl2pPr>
+            <a:lvl3pPr marL="914400" indent="0">
+              <a:buNone/>
+              <a:defRPr sz="1600">
+                <a:solidFill>
+                  <a:schemeClr val="tx1">
+                    <a:tint val="75000"/>
+                  </a:schemeClr>
+                </a:solidFill>
+              </a:defRPr>
+            </a:lvl3pPr>
+            <a:lvl4pPr marL="1371600" indent="0">
+              <a:buNone/>
+              <a:defRPr sz="1400">
+                <a:solidFill>
+                  <a:schemeClr val="tx1">
+                    <a:tint val="75000"/>
+                  </a:schemeClr>
+                </a:solidFill>
+              </a:defRPr>
+            </a:lvl4pPr>
+            <a:lvl5pPr marL="1828800" indent="0">
+              <a:buNone/>
+              <a:defRPr sz="1400">
+                <a:solidFill>
+                  <a:schemeClr val="tx1">
+                    <a:tint val="75000"/>
+                  </a:schemeClr>
+                </a:solidFill>
+              </a:defRPr>
+            </a:lvl5pPr>
+            <a:lvl6pPr marL="2286000" indent="0">
+              <a:buNone/>
+              <a:defRPr sz="1400">
+                <a:solidFill>
+                  <a:schemeClr val="tx1">
+                    <a:tint val="75000"/>
+                  </a:schemeClr>
+                </a:solidFill>
+              </a:defRPr>
+            </a:lvl6pPr>
+            <a:lvl7pPr marL="2743200" indent="0">
+              <a:buNone/>
+              <a:defRPr sz="1400">
+                <a:solidFill>
+                  <a:schemeClr val="tx1">
+                    <a:tint val="75000"/>
+                  </a:schemeClr>
+                </a:solidFill>
+              </a:defRPr>
+            </a:lvl7pPr>
+            <a:lvl8pPr marL="3200400" indent="0">
+              <a:buNone/>
+              <a:defRPr sz="1400">
+                <a:solidFill>
+                  <a:schemeClr val="tx1">
+                    <a:tint val="75000"/>
+                  </a:schemeClr>
+                </a:solidFill>
+              </a:defRPr>
+            </a:lvl8pPr>
+            <a:lvl9pPr marL="3657600" indent="0">
+              <a:buNone/>
+              <a:defRPr sz="1400">
+                <a:solidFill>
+                  <a:schemeClr val="tx1">
+                    <a:tint val="75000"/>
+                  </a:schemeClr>
+                </a:solidFill>
+              </a:defRPr>
+            </a:lvl9pPr>
+          </a:lstStyle>
+          <a:p>
+            <a:pPr lvl="0"/>
+            <a:r>
+              <a:rPr lang="en-US" smtClean="0"/>
+              <a:t>Click to edit Master text styles</a:t>
+            </a:r>
+          </a:p>
+        </p:txBody>
+      </p:sp>
+      <p:sp>
+        <p:nvSpPr>
+          <p:cNvPr id="4" name="Date Placeholder 3"/>
+          <p:cNvSpPr>
+            <a:spLocks noGrp="1"/>
+          </p:cNvSpPr>
+          <p:nvPr>
+            <p:ph type="dt" sz="half" idx="10"/>
+          </p:nvPr>
+        </p:nvSpPr>
+        <p:spPr/>
+        <p:txBody>
+          <a:bodyPr/>
+          <a:lstStyle/>
+          <a:p>
+            <a:fld id="{760FBDFE-C587-4B4C-A407-44438C67B59E}" type="datetimeFigureOut">
+              <a:rPr lang="zh-CN" altLang="en-US" smtClean="0"/>
+              <a:t>2019/12/20</a:t>
+            </a:fld>
+            <a:endParaRPr lang="zh-CN" altLang="en-US"/>
+          </a:p>
+        </p:txBody>
+      </p:sp>
+      <p:sp>
+        <p:nvSpPr>
+          <p:cNvPr id="5" name="Footer Placeholder 4"/>
+          <p:cNvSpPr>
+            <a:spLocks noGrp="1"/>
+          </p:cNvSpPr>
+          <p:nvPr>
+            <p:ph type="ftr" sz="quarter" idx="11"/>
+          </p:nvPr>
+        </p:nvSpPr>
+        <p:spPr/>
+        <p:txBody>
+          <a:bodyPr/>
+          <a:lstStyle/>
+          <a:p>
+            <a:endParaRPr lang="zh-CN" altLang="en-US"/>
+          </a:p>
+        </p:txBody>
+      </p:sp>
+      <p:sp>
+        <p:nvSpPr>
+          <p:cNvPr id="6" name="Slide Number Placeholder 5"/>
+          <p:cNvSpPr>
+            <a:spLocks noGrp="1"/>
+          </p:cNvSpPr>
+          <p:nvPr>
+            <p:ph type="sldNum" sz="quarter" idx="12"/>
+          </p:nvPr>
+        </p:nvSpPr>
+        <p:spPr/>
+        <p:txBody>
+          <a:bodyPr/>
+          <a:lstStyle/>
+          <a:p>
+            <a:fld id="{49AE70B2-8BF9-45C0-BB95-33D1B9D3A854}" type="slidenum">
+              <a:rPr lang="zh-CN" altLang="en-US" smtClean="0"/>
+              <a:t>‹#›</a:t>
+            </a:fld>
+            <a:endParaRPr lang="zh-CN" altLang="en-US"/>
+          </a:p>
+        </p:txBody>
+      </p:sp>
+    </p:spTree>
+    <p:extLst>
+      <p:ext uri="{BB962C8B-B14F-4D97-AF65-F5344CB8AC3E}">
+        <p14:creationId xmlns:p14="http://schemas.microsoft.com/office/powerpoint/2010/main" val="668480577"/>
+      </p:ext>
+    </p:extLst>
+  </p:cSld>
+  <p:clrMapOvr>
+    <a:masterClrMapping/>
+  </p:clrMapOvr>
+</p:sldLayout>
+</file>
+
+<file path=ppt/slideLayouts/slideLayout14.xml><?xml version="1.0" encoding="utf-8"?>
+<p:sldLayout xmlns:a="http://schemas.openxmlformats.org/drawingml/2006/main" xmlns:r="http://schemas.openxmlformats.org/officeDocument/2006/relationships" xmlns:p="http://schemas.openxmlformats.org/presentationml/2006/main" preserve="1">
+  <p:cSld name="Quote Name Card">
+    <p:spTree>
+      <p:nvGrpSpPr>
+        <p:cNvPr id="1" name=""/>
+        <p:cNvGrpSpPr/>
+        <p:nvPr/>
+      </p:nvGrpSpPr>
+      <p:grpSpPr>
+        <a:xfrm>
+          <a:off x="0" y="0"/>
+          <a:ext cx="0" cy="0"/>
+          <a:chOff x="0" y="0"/>
+          <a:chExt cx="0" cy="0"/>
+        </a:xfrm>
+      </p:grpSpPr>
+      <p:sp>
+        <p:nvSpPr>
+          <p:cNvPr id="2" name="Title 1"/>
+          <p:cNvSpPr>
+            <a:spLocks noGrp="1"/>
+          </p:cNvSpPr>
+          <p:nvPr>
+            <p:ph type="title"/>
+          </p:nvPr>
+        </p:nvSpPr>
+        <p:spPr>
+          <a:xfrm>
+            <a:off x="1446213" y="982132"/>
+            <a:ext cx="9296398" cy="2243668"/>
+          </a:xfrm>
+        </p:spPr>
+        <p:txBody>
+          <a:bodyPr anchor="ctr">
+            <a:normAutofit/>
+          </a:bodyPr>
+          <a:lstStyle>
+            <a:lvl1pPr algn="ctr">
+              <a:defRPr sz="3200" b="0" cap="none">
+                <a:solidFill>
+                  <a:schemeClr val="tx1"/>
+                </a:solidFill>
+              </a:defRPr>
+            </a:lvl1pPr>
+          </a:lstStyle>
+          <a:p>
+            <a:r>
+              <a:rPr lang="en-US" smtClean="0"/>
+              <a:t>Click to edit Master title style</a:t>
+            </a:r>
+            <a:endParaRPr lang="en-US" dirty="0"/>
+          </a:p>
+        </p:txBody>
+      </p:sp>
+      <p:sp>
+        <p:nvSpPr>
+          <p:cNvPr id="23" name="Text Placeholder 2"/>
+          <p:cNvSpPr>
+            <a:spLocks noGrp="1"/>
+          </p:cNvSpPr>
+          <p:nvPr>
+            <p:ph type="body" idx="13"/>
+          </p:nvPr>
+        </p:nvSpPr>
+        <p:spPr>
+          <a:xfrm>
+            <a:off x="1295401" y="3639312"/>
+            <a:ext cx="9609668" cy="886968"/>
+          </a:xfrm>
+        </p:spPr>
+        <p:txBody>
+          <a:bodyPr anchor="b">
+            <a:normAutofit/>
+          </a:bodyPr>
+          <a:lstStyle>
+            <a:lvl1pPr marL="0" indent="0" algn="l">
+              <a:spcBef>
+                <a:spcPts val="0"/>
+              </a:spcBef>
+              <a:buNone/>
+              <a:defRPr sz="2400">
+                <a:solidFill>
+                  <a:schemeClr val="tx1"/>
+                </a:solidFill>
+              </a:defRPr>
+            </a:lvl1pPr>
+            <a:lvl2pPr marL="457200" indent="0">
+              <a:buNone/>
+              <a:defRPr sz="1800">
+                <a:solidFill>
+                  <a:schemeClr val="tx1">
+                    <a:tint val="75000"/>
+                  </a:schemeClr>
+                </a:solidFill>
+              </a:defRPr>
+            </a:lvl2pPr>
+            <a:lvl3pPr marL="914400" indent="0">
+              <a:buNone/>
+              <a:defRPr sz="1600">
+                <a:solidFill>
+                  <a:schemeClr val="tx1">
+                    <a:tint val="75000"/>
+                  </a:schemeClr>
+                </a:solidFill>
+              </a:defRPr>
+            </a:lvl3pPr>
+            <a:lvl4pPr marL="1371600" indent="0">
+              <a:buNone/>
+              <a:defRPr sz="1400">
+                <a:solidFill>
+                  <a:schemeClr val="tx1">
+                    <a:tint val="75000"/>
+                  </a:schemeClr>
+                </a:solidFill>
+              </a:defRPr>
+            </a:lvl4pPr>
+            <a:lvl5pPr marL="1828800" indent="0">
+              <a:buNone/>
+              <a:defRPr sz="1400">
+                <a:solidFill>
+                  <a:schemeClr val="tx1">
+                    <a:tint val="75000"/>
+                  </a:schemeClr>
+                </a:solidFill>
+              </a:defRPr>
+            </a:lvl5pPr>
+            <a:lvl6pPr marL="2286000" indent="0">
+              <a:buNone/>
+              <a:defRPr sz="1400">
+                <a:solidFill>
+                  <a:schemeClr val="tx1">
+                    <a:tint val="75000"/>
+                  </a:schemeClr>
+                </a:solidFill>
+              </a:defRPr>
+            </a:lvl6pPr>
+            <a:lvl7pPr marL="2743200" indent="0">
+              <a:buNone/>
+              <a:defRPr sz="1400">
+                <a:solidFill>
+                  <a:schemeClr val="tx1">
+                    <a:tint val="75000"/>
+                  </a:schemeClr>
+                </a:solidFill>
+              </a:defRPr>
+            </a:lvl7pPr>
+            <a:lvl8pPr marL="3200400" indent="0">
+              <a:buNone/>
+              <a:defRPr sz="1400">
+                <a:solidFill>
+                  <a:schemeClr val="tx1">
+                    <a:tint val="75000"/>
+                  </a:schemeClr>
+                </a:solidFill>
+              </a:defRPr>
+            </a:lvl8pPr>
+            <a:lvl9pPr marL="3657600" indent="0">
+              <a:buNone/>
+              <a:defRPr sz="1400">
+                <a:solidFill>
+                  <a:schemeClr val="tx1">
+                    <a:tint val="75000"/>
+                  </a:schemeClr>
+                </a:solidFill>
+              </a:defRPr>
+            </a:lvl9pPr>
+          </a:lstStyle>
+          <a:p>
+            <a:pPr lvl="0"/>
+            <a:r>
+              <a:rPr lang="en-US" smtClean="0"/>
+              <a:t>Click to edit Master text styles</a:t>
+            </a:r>
+          </a:p>
+        </p:txBody>
+      </p:sp>
+      <p:sp>
+        <p:nvSpPr>
+          <p:cNvPr id="3" name="Text Placeholder 2"/>
+          <p:cNvSpPr>
+            <a:spLocks noGrp="1"/>
+          </p:cNvSpPr>
+          <p:nvPr>
+            <p:ph type="body" idx="1"/>
+          </p:nvPr>
+        </p:nvSpPr>
+        <p:spPr>
+          <a:xfrm>
+            <a:off x="1295401" y="4529667"/>
+            <a:ext cx="9609668" cy="1346200"/>
+          </a:xfrm>
+        </p:spPr>
+        <p:txBody>
+          <a:bodyPr anchor="t">
+            <a:normAutofit/>
+          </a:bodyPr>
+          <a:lstStyle>
+            <a:lvl1pPr marL="0" indent="0" algn="l">
+              <a:buNone/>
+              <a:defRPr sz="1800">
+                <a:solidFill>
+                  <a:schemeClr val="tx1"/>
+                </a:solidFill>
+              </a:defRPr>
+            </a:lvl1pPr>
+            <a:lvl2pPr marL="457200" indent="0">
+              <a:buNone/>
+              <a:defRPr sz="1800">
+                <a:solidFill>
+                  <a:schemeClr val="tx1">
+                    <a:tint val="75000"/>
+                  </a:schemeClr>
+                </a:solidFill>
+              </a:defRPr>
+            </a:lvl2pPr>
+            <a:lvl3pPr marL="914400" indent="0">
+              <a:buNone/>
+              <a:defRPr sz="1600">
+                <a:solidFill>
+                  <a:schemeClr val="tx1">
+                    <a:tint val="75000"/>
+                  </a:schemeClr>
+                </a:solidFill>
+              </a:defRPr>
+            </a:lvl3pPr>
+            <a:lvl4pPr marL="1371600" indent="0">
+              <a:buNone/>
+              <a:defRPr sz="1400">
+                <a:solidFill>
+                  <a:schemeClr val="tx1">
+                    <a:tint val="75000"/>
+                  </a:schemeClr>
+                </a:solidFill>
+              </a:defRPr>
+            </a:lvl4pPr>
+            <a:lvl5pPr marL="1828800" indent="0">
+              <a:buNone/>
+              <a:defRPr sz="1400">
+                <a:solidFill>
+                  <a:schemeClr val="tx1">
+                    <a:tint val="75000"/>
+                  </a:schemeClr>
+                </a:solidFill>
+              </a:defRPr>
+            </a:lvl5pPr>
+            <a:lvl6pPr marL="2286000" indent="0">
+              <a:buNone/>
+              <a:defRPr sz="1400">
+                <a:solidFill>
+                  <a:schemeClr val="tx1">
+                    <a:tint val="75000"/>
+                  </a:schemeClr>
+                </a:solidFill>
+              </a:defRPr>
+            </a:lvl6pPr>
+            <a:lvl7pPr marL="2743200" indent="0">
+              <a:buNone/>
+              <a:defRPr sz="1400">
+                <a:solidFill>
+                  <a:schemeClr val="tx1">
+                    <a:tint val="75000"/>
+                  </a:schemeClr>
+                </a:solidFill>
+              </a:defRPr>
+            </a:lvl7pPr>
+            <a:lvl8pPr marL="3200400" indent="0">
+              <a:buNone/>
+              <a:defRPr sz="1400">
+                <a:solidFill>
+                  <a:schemeClr val="tx1">
+                    <a:tint val="75000"/>
+                  </a:schemeClr>
+                </a:solidFill>
+              </a:defRPr>
+            </a:lvl8pPr>
+            <a:lvl9pPr marL="3657600" indent="0">
+              <a:buNone/>
+              <a:defRPr sz="1400">
+                <a:solidFill>
+                  <a:schemeClr val="tx1">
+                    <a:tint val="75000"/>
+                  </a:schemeClr>
+                </a:solidFill>
+              </a:defRPr>
+            </a:lvl9pPr>
+          </a:lstStyle>
+          <a:p>
+            <a:pPr lvl="0"/>
+            <a:r>
+              <a:rPr lang="en-US" smtClean="0"/>
+              <a:t>Click to edit Master text styles</a:t>
+            </a:r>
+          </a:p>
+        </p:txBody>
+      </p:sp>
+      <p:sp>
+        <p:nvSpPr>
+          <p:cNvPr id="4" name="Date Placeholder 3"/>
+          <p:cNvSpPr>
+            <a:spLocks noGrp="1"/>
+          </p:cNvSpPr>
+          <p:nvPr>
+            <p:ph type="dt" sz="half" idx="10"/>
+          </p:nvPr>
+        </p:nvSpPr>
+        <p:spPr/>
+        <p:txBody>
+          <a:bodyPr/>
+          <a:lstStyle/>
+          <a:p>
+            <a:fld id="{760FBDFE-C587-4B4C-A407-44438C67B59E}" type="datetimeFigureOut">
+              <a:rPr lang="zh-CN" altLang="en-US" smtClean="0"/>
+              <a:t>2019/12/20</a:t>
+            </a:fld>
+            <a:endParaRPr lang="zh-CN" altLang="en-US"/>
+          </a:p>
+        </p:txBody>
+      </p:sp>
+      <p:sp>
+        <p:nvSpPr>
+          <p:cNvPr id="5" name="Footer Placeholder 4"/>
+          <p:cNvSpPr>
+            <a:spLocks noGrp="1"/>
+          </p:cNvSpPr>
+          <p:nvPr>
+            <p:ph type="ftr" sz="quarter" idx="11"/>
+          </p:nvPr>
+        </p:nvSpPr>
+        <p:spPr/>
+        <p:txBody>
+          <a:bodyPr/>
+          <a:lstStyle/>
+          <a:p>
+            <a:endParaRPr lang="zh-CN" altLang="en-US"/>
+          </a:p>
+        </p:txBody>
+      </p:sp>
+      <p:sp>
+        <p:nvSpPr>
+          <p:cNvPr id="6" name="Slide Number Placeholder 5"/>
+          <p:cNvSpPr>
+            <a:spLocks noGrp="1"/>
+          </p:cNvSpPr>
+          <p:nvPr>
+            <p:ph type="sldNum" sz="quarter" idx="12"/>
+          </p:nvPr>
+        </p:nvSpPr>
+        <p:spPr/>
+        <p:txBody>
+          <a:bodyPr/>
+          <a:lstStyle/>
+          <a:p>
+            <a:fld id="{49AE70B2-8BF9-45C0-BB95-33D1B9D3A854}" type="slidenum">
+              <a:rPr lang="zh-CN" altLang="en-US" smtClean="0"/>
+              <a:t>‹#›</a:t>
+            </a:fld>
+            <a:endParaRPr lang="zh-CN" altLang="en-US"/>
+          </a:p>
+        </p:txBody>
+      </p:sp>
+      <p:sp>
+        <p:nvSpPr>
+          <p:cNvPr id="12" name="TextBox 11"/>
+          <p:cNvSpPr txBox="1"/>
+          <p:nvPr/>
+        </p:nvSpPr>
+        <p:spPr>
+          <a:xfrm>
+            <a:off x="862013" y="879961"/>
+            <a:ext cx="609600" cy="584776"/>
+          </a:xfrm>
+          <a:prstGeom prst="rect">
+            <a:avLst/>
+          </a:prstGeom>
+        </p:spPr>
+        <p:txBody>
+          <a:bodyPr vert="horz" lIns="91440" tIns="45720" rIns="91440" bIns="45720" rtlCol="0" anchor="ctr">
+            <a:noAutofit/>
+          </a:bodyPr>
+          <a:lstStyle/>
+          <a:p>
+            <a:pPr lvl="0"/>
+            <a:r>
+              <a:rPr lang="en-US" sz="8000" dirty="0">
+                <a:solidFill>
+                  <a:schemeClr val="tx1"/>
+                </a:solidFill>
+                <a:effectLst/>
+              </a:rPr>
+              <a:t>“</a:t>
+            </a:r>
+          </a:p>
+        </p:txBody>
+      </p:sp>
+      <p:sp>
+        <p:nvSpPr>
+          <p:cNvPr id="13" name="TextBox 12"/>
+          <p:cNvSpPr txBox="1"/>
+          <p:nvPr/>
+        </p:nvSpPr>
+        <p:spPr>
+          <a:xfrm>
+            <a:off x="10600267" y="2599261"/>
+            <a:ext cx="609600" cy="584776"/>
+          </a:xfrm>
+          <a:prstGeom prst="rect">
+            <a:avLst/>
+          </a:prstGeom>
+        </p:spPr>
+        <p:txBody>
+          <a:bodyPr vert="horz" lIns="91440" tIns="45720" rIns="91440" bIns="45720" rtlCol="0" anchor="ctr">
+            <a:noAutofit/>
+          </a:bodyPr>
+          <a:lstStyle/>
+          <a:p>
+            <a:pPr lvl="0" algn="r"/>
+            <a:r>
+              <a:rPr lang="en-US" sz="8000" dirty="0">
+                <a:solidFill>
+                  <a:schemeClr val="tx1"/>
+                </a:solidFill>
+                <a:effectLst/>
+              </a:rPr>
+              <a:t>”</a:t>
+            </a:r>
+          </a:p>
+        </p:txBody>
+      </p:sp>
+      <p:cxnSp>
+        <p:nvCxnSpPr>
+          <p:cNvPr id="26" name="Straight Connector 25"/>
+          <p:cNvCxnSpPr/>
+          <p:nvPr/>
+        </p:nvCxnSpPr>
+        <p:spPr>
+          <a:xfrm>
+            <a:off x="1396169" y="3429000"/>
+            <a:ext cx="9407298" cy="0"/>
+          </a:xfrm>
+          <a:prstGeom prst="line">
+            <a:avLst/>
+          </a:prstGeom>
+          <a:ln w="15875"/>
+        </p:spPr>
+        <p:style>
+          <a:lnRef idx="2">
+            <a:schemeClr val="accent1"/>
+          </a:lnRef>
+          <a:fillRef idx="0">
+            <a:schemeClr val="accent1"/>
+          </a:fillRef>
+          <a:effectRef idx="1">
+            <a:schemeClr val="accent1"/>
+          </a:effectRef>
+          <a:fontRef idx="minor">
+            <a:schemeClr val="tx1"/>
+          </a:fontRef>
+        </p:style>
+      </p:cxnSp>
+    </p:spTree>
+    <p:extLst>
+      <p:ext uri="{BB962C8B-B14F-4D97-AF65-F5344CB8AC3E}">
+        <p14:creationId xmlns:p14="http://schemas.microsoft.com/office/powerpoint/2010/main" val="1313599885"/>
+      </p:ext>
+    </p:extLst>
+  </p:cSld>
+  <p:clrMapOvr>
+    <a:masterClrMapping/>
+  </p:clrMapOvr>
+</p:sldLayout>
+</file>
+
+<file path=ppt/slideLayouts/slideLayout15.xml><?xml version="1.0" encoding="utf-8"?>
+<p:sldLayout xmlns:a="http://schemas.openxmlformats.org/drawingml/2006/main" xmlns:r="http://schemas.openxmlformats.org/officeDocument/2006/relationships" xmlns:p="http://schemas.openxmlformats.org/presentationml/2006/main" preserve="1">
+  <p:cSld name="True or False">
+    <p:spTree>
+      <p:nvGrpSpPr>
+        <p:cNvPr id="1" name=""/>
+        <p:cNvGrpSpPr/>
+        <p:nvPr/>
+      </p:nvGrpSpPr>
+      <p:grpSpPr>
+        <a:xfrm>
+          <a:off x="0" y="0"/>
+          <a:ext cx="0" cy="0"/>
+          <a:chOff x="0" y="0"/>
+          <a:chExt cx="0" cy="0"/>
+        </a:xfrm>
+      </p:grpSpPr>
+      <p:sp>
+        <p:nvSpPr>
+          <p:cNvPr id="2" name="Title 1"/>
+          <p:cNvSpPr>
+            <a:spLocks noGrp="1"/>
+          </p:cNvSpPr>
+          <p:nvPr>
+            <p:ph type="title"/>
+          </p:nvPr>
+        </p:nvSpPr>
+        <p:spPr>
+          <a:xfrm>
+            <a:off x="1295401" y="982132"/>
+            <a:ext cx="9609666" cy="2243668"/>
+          </a:xfrm>
+        </p:spPr>
+        <p:txBody>
+          <a:bodyPr vert="horz" lIns="91440" tIns="45720" rIns="91440" bIns="45720" rtlCol="0" anchor="ctr">
+            <a:normAutofit/>
+          </a:bodyPr>
+          <a:lstStyle>
+            <a:lvl1pPr>
+              <a:defRPr lang="en-US" b="0" dirty="0"/>
+            </a:lvl1pPr>
+          </a:lstStyle>
+          <a:p>
+            <a:pPr marL="0" lvl="0"/>
+            <a:r>
+              <a:rPr lang="en-US" smtClean="0"/>
+              <a:t>Click to edit Master title style</a:t>
+            </a:r>
+            <a:endParaRPr lang="en-US" dirty="0"/>
+          </a:p>
+        </p:txBody>
+      </p:sp>
+      <p:sp>
+        <p:nvSpPr>
+          <p:cNvPr id="20" name="Text Placeholder 2"/>
+          <p:cNvSpPr>
+            <a:spLocks noGrp="1"/>
+          </p:cNvSpPr>
+          <p:nvPr>
+            <p:ph type="body" idx="13"/>
+          </p:nvPr>
+        </p:nvSpPr>
+        <p:spPr>
+          <a:xfrm>
+            <a:off x="1295401" y="3630168"/>
+            <a:ext cx="9609668" cy="841248"/>
+          </a:xfrm>
+        </p:spPr>
+        <p:txBody>
+          <a:bodyPr anchor="b">
+            <a:normAutofit/>
+          </a:bodyPr>
+          <a:lstStyle>
+            <a:lvl1pPr marL="0" indent="0" algn="l">
+              <a:spcBef>
+                <a:spcPts val="0"/>
+              </a:spcBef>
+              <a:buNone/>
+              <a:defRPr sz="2800">
+                <a:solidFill>
+                  <a:schemeClr val="tx1"/>
+                </a:solidFill>
+              </a:defRPr>
+            </a:lvl1pPr>
+            <a:lvl2pPr marL="457200" indent="0">
+              <a:buNone/>
+              <a:defRPr sz="1800">
+                <a:solidFill>
+                  <a:schemeClr val="tx1">
+                    <a:tint val="75000"/>
+                  </a:schemeClr>
+                </a:solidFill>
+              </a:defRPr>
+            </a:lvl2pPr>
+            <a:lvl3pPr marL="914400" indent="0">
+              <a:buNone/>
+              <a:defRPr sz="1600">
+                <a:solidFill>
+                  <a:schemeClr val="tx1">
+                    <a:tint val="75000"/>
+                  </a:schemeClr>
+                </a:solidFill>
+              </a:defRPr>
+            </a:lvl3pPr>
+            <a:lvl4pPr marL="1371600" indent="0">
+              <a:buNone/>
+              <a:defRPr sz="1400">
+                <a:solidFill>
+                  <a:schemeClr val="tx1">
+                    <a:tint val="75000"/>
+                  </a:schemeClr>
+                </a:solidFill>
+              </a:defRPr>
+            </a:lvl4pPr>
+            <a:lvl5pPr marL="1828800" indent="0">
+              <a:buNone/>
+              <a:defRPr sz="1400">
+                <a:solidFill>
+                  <a:schemeClr val="tx1">
+                    <a:tint val="75000"/>
+                  </a:schemeClr>
+                </a:solidFill>
+              </a:defRPr>
+            </a:lvl5pPr>
+            <a:lvl6pPr marL="2286000" indent="0">
+              <a:buNone/>
+              <a:defRPr sz="1400">
+                <a:solidFill>
+                  <a:schemeClr val="tx1">
+                    <a:tint val="75000"/>
+                  </a:schemeClr>
+                </a:solidFill>
+              </a:defRPr>
+            </a:lvl6pPr>
+            <a:lvl7pPr marL="2743200" indent="0">
+              <a:buNone/>
+              <a:defRPr sz="1400">
+                <a:solidFill>
+                  <a:schemeClr val="tx1">
+                    <a:tint val="75000"/>
+                  </a:schemeClr>
+                </a:solidFill>
+              </a:defRPr>
+            </a:lvl7pPr>
+            <a:lvl8pPr marL="3200400" indent="0">
+              <a:buNone/>
+              <a:defRPr sz="1400">
+                <a:solidFill>
+                  <a:schemeClr val="tx1">
+                    <a:tint val="75000"/>
+                  </a:schemeClr>
+                </a:solidFill>
+              </a:defRPr>
+            </a:lvl8pPr>
+            <a:lvl9pPr marL="3657600" indent="0">
+              <a:buNone/>
+              <a:defRPr sz="1400">
+                <a:solidFill>
+                  <a:schemeClr val="tx1">
+                    <a:tint val="75000"/>
+                  </a:schemeClr>
+                </a:solidFill>
+              </a:defRPr>
+            </a:lvl9pPr>
+          </a:lstStyle>
+          <a:p>
+            <a:pPr lvl="0"/>
+            <a:r>
+              <a:rPr lang="en-US" smtClean="0"/>
+              <a:t>Click to edit Master text styles</a:t>
+            </a:r>
+          </a:p>
+        </p:txBody>
+      </p:sp>
+      <p:sp>
+        <p:nvSpPr>
+          <p:cNvPr id="3" name="Text Placeholder 2"/>
+          <p:cNvSpPr>
+            <a:spLocks noGrp="1"/>
+          </p:cNvSpPr>
+          <p:nvPr>
+            <p:ph type="body" idx="1"/>
+          </p:nvPr>
+        </p:nvSpPr>
+        <p:spPr>
+          <a:xfrm>
+            <a:off x="1295400" y="4470399"/>
+            <a:ext cx="9609670" cy="1405467"/>
+          </a:xfrm>
+        </p:spPr>
+        <p:txBody>
+          <a:bodyPr anchor="t">
+            <a:normAutofit/>
+          </a:bodyPr>
+          <a:lstStyle>
+            <a:lvl1pPr marL="0" indent="0" algn="l">
+              <a:buNone/>
+              <a:defRPr sz="1800">
+                <a:solidFill>
+                  <a:schemeClr val="tx1"/>
+                </a:solidFill>
+              </a:defRPr>
+            </a:lvl1pPr>
+            <a:lvl2pPr marL="457200" indent="0">
+              <a:buNone/>
+              <a:defRPr sz="1800">
+                <a:solidFill>
+                  <a:schemeClr val="tx1">
+                    <a:tint val="75000"/>
+                  </a:schemeClr>
+                </a:solidFill>
+              </a:defRPr>
+            </a:lvl2pPr>
+            <a:lvl3pPr marL="914400" indent="0">
+              <a:buNone/>
+              <a:defRPr sz="1600">
+                <a:solidFill>
+                  <a:schemeClr val="tx1">
+                    <a:tint val="75000"/>
+                  </a:schemeClr>
+                </a:solidFill>
+              </a:defRPr>
+            </a:lvl3pPr>
+            <a:lvl4pPr marL="1371600" indent="0">
+              <a:buNone/>
+              <a:defRPr sz="1400">
+                <a:solidFill>
+                  <a:schemeClr val="tx1">
+                    <a:tint val="75000"/>
+                  </a:schemeClr>
+                </a:solidFill>
+              </a:defRPr>
+            </a:lvl4pPr>
+            <a:lvl5pPr marL="1828800" indent="0">
+              <a:buNone/>
+              <a:defRPr sz="1400">
+                <a:solidFill>
+                  <a:schemeClr val="tx1">
+                    <a:tint val="75000"/>
+                  </a:schemeClr>
+                </a:solidFill>
+              </a:defRPr>
+            </a:lvl5pPr>
+            <a:lvl6pPr marL="2286000" indent="0">
+              <a:buNone/>
+              <a:defRPr sz="1400">
+                <a:solidFill>
+                  <a:schemeClr val="tx1">
+                    <a:tint val="75000"/>
+                  </a:schemeClr>
+                </a:solidFill>
+              </a:defRPr>
+            </a:lvl6pPr>
+            <a:lvl7pPr marL="2743200" indent="0">
+              <a:buNone/>
+              <a:defRPr sz="1400">
+                <a:solidFill>
+                  <a:schemeClr val="tx1">
+                    <a:tint val="75000"/>
+                  </a:schemeClr>
+                </a:solidFill>
+              </a:defRPr>
+            </a:lvl7pPr>
+            <a:lvl8pPr marL="3200400" indent="0">
+              <a:buNone/>
+              <a:defRPr sz="1400">
+                <a:solidFill>
+                  <a:schemeClr val="tx1">
+                    <a:tint val="75000"/>
+                  </a:schemeClr>
+                </a:solidFill>
+              </a:defRPr>
+            </a:lvl8pPr>
+            <a:lvl9pPr marL="3657600" indent="0">
+              <a:buNone/>
+              <a:defRPr sz="1400">
+                <a:solidFill>
+                  <a:schemeClr val="tx1">
+                    <a:tint val="75000"/>
+                  </a:schemeClr>
+                </a:solidFill>
+              </a:defRPr>
+            </a:lvl9pPr>
+          </a:lstStyle>
+          <a:p>
+            <a:pPr lvl="0"/>
+            <a:r>
+              <a:rPr lang="en-US" smtClean="0"/>
+              <a:t>Click to edit Master text styles</a:t>
+            </a:r>
+          </a:p>
+        </p:txBody>
+      </p:sp>
+      <p:sp>
+        <p:nvSpPr>
+          <p:cNvPr id="4" name="Date Placeholder 3"/>
+          <p:cNvSpPr>
+            <a:spLocks noGrp="1"/>
+          </p:cNvSpPr>
+          <p:nvPr>
+            <p:ph type="dt" sz="half" idx="10"/>
+          </p:nvPr>
+        </p:nvSpPr>
+        <p:spPr/>
+        <p:txBody>
+          <a:bodyPr/>
+          <a:lstStyle/>
+          <a:p>
+            <a:fld id="{760FBDFE-C587-4B4C-A407-44438C67B59E}" type="datetimeFigureOut">
+              <a:rPr lang="zh-CN" altLang="en-US" smtClean="0"/>
+              <a:t>2019/12/20</a:t>
+            </a:fld>
+            <a:endParaRPr lang="zh-CN" altLang="en-US"/>
+          </a:p>
+        </p:txBody>
+      </p:sp>
+      <p:sp>
+        <p:nvSpPr>
+          <p:cNvPr id="5" name="Footer Placeholder 4"/>
+          <p:cNvSpPr>
+            <a:spLocks noGrp="1"/>
+          </p:cNvSpPr>
+          <p:nvPr>
+            <p:ph type="ftr" sz="quarter" idx="11"/>
+          </p:nvPr>
+        </p:nvSpPr>
+        <p:spPr/>
+        <p:txBody>
+          <a:bodyPr/>
+          <a:lstStyle/>
+          <a:p>
+            <a:endParaRPr lang="zh-CN" altLang="en-US"/>
+          </a:p>
+        </p:txBody>
+      </p:sp>
+      <p:sp>
+        <p:nvSpPr>
+          <p:cNvPr id="6" name="Slide Number Placeholder 5"/>
+          <p:cNvSpPr>
+            <a:spLocks noGrp="1"/>
+          </p:cNvSpPr>
+          <p:nvPr>
+            <p:ph type="sldNum" sz="quarter" idx="12"/>
+          </p:nvPr>
+        </p:nvSpPr>
+        <p:spPr/>
+        <p:txBody>
+          <a:bodyPr/>
+          <a:lstStyle/>
+          <a:p>
+            <a:fld id="{49AE70B2-8BF9-45C0-BB95-33D1B9D3A854}" type="slidenum">
+              <a:rPr lang="zh-CN" altLang="en-US" smtClean="0"/>
+              <a:t>‹#›</a:t>
+            </a:fld>
+            <a:endParaRPr lang="zh-CN" altLang="en-US"/>
+          </a:p>
+        </p:txBody>
+      </p:sp>
+      <p:cxnSp>
+        <p:nvCxnSpPr>
+          <p:cNvPr id="15" name="Straight Connector 14"/>
+          <p:cNvCxnSpPr/>
+          <p:nvPr/>
+        </p:nvCxnSpPr>
+        <p:spPr>
+          <a:xfrm>
+            <a:off x="1396169" y="3429000"/>
+            <a:ext cx="9407298" cy="0"/>
+          </a:xfrm>
+          <a:prstGeom prst="line">
+            <a:avLst/>
+          </a:prstGeom>
+          <a:ln w="15875"/>
+        </p:spPr>
+        <p:style>
+          <a:lnRef idx="2">
+            <a:schemeClr val="accent1"/>
+          </a:lnRef>
+          <a:fillRef idx="0">
+            <a:schemeClr val="accent1"/>
+          </a:fillRef>
+          <a:effectRef idx="1">
+            <a:schemeClr val="accent1"/>
+          </a:effectRef>
+          <a:fontRef idx="minor">
+            <a:schemeClr val="tx1"/>
+          </a:fontRef>
+        </p:style>
+      </p:cxnSp>
+    </p:spTree>
+    <p:extLst>
+      <p:ext uri="{BB962C8B-B14F-4D97-AF65-F5344CB8AC3E}">
+        <p14:creationId xmlns:p14="http://schemas.microsoft.com/office/powerpoint/2010/main" val="991373205"/>
+      </p:ext>
+    </p:extLst>
+  </p:cSld>
+  <p:clrMapOvr>
+    <a:masterClrMapping/>
+  </p:clrMapOvr>
+</p:sldLayout>
+</file>
+
+<file path=ppt/slideLayouts/slideLayout16.xml><?xml version="1.0" encoding="utf-8"?>
 <p:sldLayout xmlns:a="http://schemas.openxmlformats.org/drawingml/2006/main" xmlns:r="http://schemas.openxmlformats.org/officeDocument/2006/relationships" xmlns:p="http://schemas.openxmlformats.org/presentationml/2006/main" type="vertTx" preserve="1">
   <p:cSld name="Title and Vertical Text">
     <p:spTree>
@@ -1162,7 +3214,11 @@
         <p:spPr/>
         <p:txBody>
           <a:bodyPr/>
-          <a:lstStyle/>
+          <a:lstStyle>
+            <a:lvl1pPr algn="ctr">
+              <a:defRPr/>
+            </a:lvl1pPr>
+          </a:lstStyle>
           <a:p>
             <a:r>
               <a:rPr lang="en-US" smtClean="0"/>
@@ -1184,7 +3240,7 @@
         </p:nvSpPr>
         <p:spPr/>
         <p:txBody>
-          <a:bodyPr vert="eaVert"/>
+          <a:bodyPr vert="eaVert" anchor="t"/>
           <a:lstStyle/>
           <a:p>
             <a:pPr lvl="0"/>
@@ -1241,7 +3297,7 @@
           <a:p>
             <a:fld id="{760FBDFE-C587-4B4C-A407-44438C67B59E}" type="datetimeFigureOut">
               <a:rPr lang="zh-CN" altLang="en-US" smtClean="0"/>
-              <a:t>2019/12/19</a:t>
+              <a:t>2019/12/20</a:t>
             </a:fld>
             <a:endParaRPr lang="zh-CN" altLang="en-US"/>
           </a:p>
@@ -1289,10 +3345,41 @@
           </a:p>
         </p:txBody>
       </p:sp>
+      <p:cxnSp>
+        <p:nvCxnSpPr>
+          <p:cNvPr id="14" name="Straight Connector 13"/>
+          <p:cNvCxnSpPr/>
+          <p:nvPr/>
+        </p:nvCxnSpPr>
+        <p:spPr>
+          <a:xfrm>
+            <a:off x="1396169" y="2421466"/>
+            <a:ext cx="9407298" cy="0"/>
+          </a:xfrm>
+          <a:prstGeom prst="line">
+            <a:avLst/>
+          </a:prstGeom>
+          <a:ln w="15875"/>
+        </p:spPr>
+        <p:style>
+          <a:lnRef idx="2">
+            <a:schemeClr val="accent1"/>
+          </a:lnRef>
+          <a:fillRef idx="0">
+            <a:schemeClr val="accent1"/>
+          </a:fillRef>
+          <a:effectRef idx="1">
+            <a:schemeClr val="accent1"/>
+          </a:effectRef>
+          <a:fontRef idx="minor">
+            <a:schemeClr val="tx1"/>
+          </a:fontRef>
+        </p:style>
+      </p:cxnSp>
     </p:spTree>
     <p:extLst>
       <p:ext uri="{BB962C8B-B14F-4D97-AF65-F5344CB8AC3E}">
-        <p14:creationId xmlns:p14="http://schemas.microsoft.com/office/powerpoint/2010/main" val="2147349171"/>
+        <p14:creationId xmlns:p14="http://schemas.microsoft.com/office/powerpoint/2010/main" val="4104765816"/>
       </p:ext>
     </p:extLst>
   </p:cSld>
@@ -1302,7 +3389,7 @@
 </p:sldLayout>
 </file>
 
-<file path=ppt/slideLayouts/slideLayout11.xml><?xml version="1.0" encoding="utf-8"?>
+<file path=ppt/slideLayouts/slideLayout17.xml><?xml version="1.0" encoding="utf-8"?>
 <p:sldLayout xmlns:a="http://schemas.openxmlformats.org/drawingml/2006/main" xmlns:r="http://schemas.openxmlformats.org/officeDocument/2006/relationships" xmlns:p="http://schemas.openxmlformats.org/presentationml/2006/main" type="vertTitleAndTx" preserve="1">
   <p:cSld name="Vertical Title and Text">
     <p:spTree>
@@ -1331,8 +3418,8 @@
         </p:nvSpPr>
         <p:spPr>
           <a:xfrm>
-            <a:off x="8724900" y="533400"/>
-            <a:ext cx="2552700" cy="5638800"/>
+            <a:off x="8999356" y="982131"/>
+            <a:ext cx="1890895" cy="4893735"/>
           </a:xfrm>
         </p:spPr>
         <p:txBody>
@@ -1359,12 +3446,12 @@
         </p:nvSpPr>
         <p:spPr>
           <a:xfrm>
-            <a:off x="1066800" y="533400"/>
-            <a:ext cx="7505700" cy="5638800"/>
+            <a:off x="1295398" y="982132"/>
+            <a:ext cx="7433025" cy="4893734"/>
           </a:xfrm>
         </p:spPr>
         <p:txBody>
-          <a:bodyPr vert="eaVert"/>
+          <a:bodyPr vert="eaVert" anchor="t"/>
           <a:lstStyle/>
           <a:p>
             <a:pPr lvl="0"/>
@@ -1421,7 +3508,7 @@
           <a:p>
             <a:fld id="{760FBDFE-C587-4B4C-A407-44438C67B59E}" type="datetimeFigureOut">
               <a:rPr lang="zh-CN" altLang="en-US" smtClean="0"/>
-              <a:t>2019/12/19</a:t>
+              <a:t>2019/12/20</a:t>
             </a:fld>
             <a:endParaRPr lang="zh-CN" altLang="en-US"/>
           </a:p>
@@ -1469,10 +3556,41 @@
           </a:p>
         </p:txBody>
       </p:sp>
+      <p:cxnSp>
+        <p:nvCxnSpPr>
+          <p:cNvPr id="14" name="Straight Connector 13"/>
+          <p:cNvCxnSpPr/>
+          <p:nvPr/>
+        </p:nvCxnSpPr>
+        <p:spPr>
+          <a:xfrm>
+            <a:off x="8863890" y="990600"/>
+            <a:ext cx="0" cy="4876800"/>
+          </a:xfrm>
+          <a:prstGeom prst="line">
+            <a:avLst/>
+          </a:prstGeom>
+          <a:ln w="15875"/>
+        </p:spPr>
+        <p:style>
+          <a:lnRef idx="2">
+            <a:schemeClr val="accent1"/>
+          </a:lnRef>
+          <a:fillRef idx="0">
+            <a:schemeClr val="accent1"/>
+          </a:fillRef>
+          <a:effectRef idx="1">
+            <a:schemeClr val="accent1"/>
+          </a:effectRef>
+          <a:fontRef idx="minor">
+            <a:schemeClr val="tx1"/>
+          </a:fontRef>
+        </p:style>
+      </p:cxnSp>
     </p:spTree>
     <p:extLst>
       <p:ext uri="{BB962C8B-B14F-4D97-AF65-F5344CB8AC3E}">
-        <p14:creationId xmlns:p14="http://schemas.microsoft.com/office/powerpoint/2010/main" val="3215465639"/>
+        <p14:creationId xmlns:p14="http://schemas.microsoft.com/office/powerpoint/2010/main" val="740845744"/>
       </p:ext>
     </p:extLst>
   </p:cSld>
@@ -1482,7 +3600,7 @@
 </p:sldLayout>
 </file>
 
-<file path=ppt/slideLayouts/slideLayout12.xml><?xml version="1.0" encoding="utf-8"?>
+<file path=ppt/slideLayouts/slideLayout18.xml><?xml version="1.0" encoding="utf-8"?>
 <p:sldLayout xmlns:a="http://schemas.openxmlformats.org/drawingml/2006/main" xmlns:r="http://schemas.openxmlformats.org/officeDocument/2006/relationships" xmlns:p="http://schemas.openxmlformats.org/presentationml/2006/main" userDrawn="1">
   <p:cSld name="内容">
     <p:spTree>
@@ -1516,7 +3634,7 @@
           <a:p>
             <a:fld id="{760FBDFE-C587-4B4C-A407-44438C67B59E}" type="datetimeFigureOut">
               <a:rPr lang="zh-CN" altLang="en-US" smtClean="0"/>
-              <a:t>2019/12/19</a:t>
+              <a:t>2019/12/20</a:t>
             </a:fld>
             <a:endParaRPr lang="zh-CN" altLang="en-US"/>
           </a:p>
@@ -1623,7 +3741,7 @@
     </p:spTree>
     <p:extLst>
       <p:ext uri="{BB962C8B-B14F-4D97-AF65-F5344CB8AC3E}">
-        <p14:creationId xmlns:p14="http://schemas.microsoft.com/office/powerpoint/2010/main" val="415125851"/>
+        <p14:creationId xmlns:p14="http://schemas.microsoft.com/office/powerpoint/2010/main" val="108291694"/>
       </p:ext>
     </p:extLst>
   </p:cSld>
@@ -1650,6 +3768,37 @@
           <a:chExt cx="0" cy="0"/>
         </a:xfrm>
       </p:grpSpPr>
+      <p:cxnSp>
+        <p:nvCxnSpPr>
+          <p:cNvPr id="7" name="Straight Connector 6"/>
+          <p:cNvCxnSpPr/>
+          <p:nvPr/>
+        </p:nvCxnSpPr>
+        <p:spPr>
+          <a:xfrm>
+            <a:off x="1396169" y="2421466"/>
+            <a:ext cx="9407298" cy="0"/>
+          </a:xfrm>
+          <a:prstGeom prst="line">
+            <a:avLst/>
+          </a:prstGeom>
+          <a:ln w="15875"/>
+        </p:spPr>
+        <p:style>
+          <a:lnRef idx="2">
+            <a:schemeClr val="accent1"/>
+          </a:lnRef>
+          <a:fillRef idx="0">
+            <a:schemeClr val="accent1"/>
+          </a:fillRef>
+          <a:effectRef idx="1">
+            <a:schemeClr val="accent1"/>
+          </a:effectRef>
+          <a:fontRef idx="minor">
+            <a:schemeClr val="tx1"/>
+          </a:fontRef>
+        </p:style>
+      </p:cxnSp>
       <p:sp>
         <p:nvSpPr>
           <p:cNvPr id="2" name="Title 1"/>
@@ -1742,7 +3891,7 @@
           <a:p>
             <a:fld id="{760FBDFE-C587-4B4C-A407-44438C67B59E}" type="datetimeFigureOut">
               <a:rPr lang="zh-CN" altLang="en-US" smtClean="0"/>
-              <a:t>2019/12/19</a:t>
+              <a:t>2019/12/20</a:t>
             </a:fld>
             <a:endParaRPr lang="zh-CN" altLang="en-US"/>
           </a:p>
@@ -1793,7 +3942,7 @@
     </p:spTree>
     <p:extLst>
       <p:ext uri="{BB962C8B-B14F-4D97-AF65-F5344CB8AC3E}">
-        <p14:creationId xmlns:p14="http://schemas.microsoft.com/office/powerpoint/2010/main" val="2057159510"/>
+        <p14:creationId xmlns:p14="http://schemas.microsoft.com/office/powerpoint/2010/main" val="2830754623"/>
       </p:ext>
     </p:extLst>
   </p:cSld>
@@ -1804,7 +3953,7 @@
 </file>
 
 <file path=ppt/slideLayouts/slideLayout3.xml><?xml version="1.0" encoding="utf-8"?>
-<p:sldLayout xmlns:a="http://schemas.openxmlformats.org/drawingml/2006/main" xmlns:r="http://schemas.openxmlformats.org/officeDocument/2006/relationships" xmlns:p="http://schemas.openxmlformats.org/presentationml/2006/main" showMasterSp="0" type="secHead" preserve="1">
+<p:sldLayout xmlns:a="http://schemas.openxmlformats.org/drawingml/2006/main" xmlns:r="http://schemas.openxmlformats.org/officeDocument/2006/relationships" xmlns:p="http://schemas.openxmlformats.org/presentationml/2006/main" type="secHead" preserve="1">
   <p:cSld name="Section Header">
     <p:spTree>
       <p:nvGrpSpPr>
@@ -1822,87 +3971,27 @@
       </p:grpSpPr>
       <p:sp>
         <p:nvSpPr>
-          <p:cNvPr id="7" name="Rectangle 6"/>
-          <p:cNvSpPr/>
-          <p:nvPr/>
+          <p:cNvPr id="2" name="Title 1"/>
+          <p:cNvSpPr>
+            <a:spLocks noGrp="1"/>
+          </p:cNvSpPr>
+          <p:nvPr>
+            <p:ph type="title"/>
+          </p:nvPr>
         </p:nvSpPr>
         <p:spPr>
           <a:xfrm>
-            <a:off x="0" y="4917989"/>
-            <a:ext cx="12192000" cy="1940010"/>
-          </a:xfrm>
-          <a:prstGeom prst="rect">
-            <a:avLst/>
-          </a:prstGeom>
-          <a:blipFill dpi="0" rotWithShape="1">
-            <a:blip r:embed="rId2">
-              <a:alphaModFix amt="85000"/>
-              <a:lum bright="70000" contrast="-70000"/>
-              <a:extLst>
-                <a:ext uri="{BEBA8EAE-BF5A-486C-A8C5-ECC9F3942E4B}">
-                  <a14:imgProps xmlns:a14="http://schemas.microsoft.com/office/drawing/2010/main">
-                    <a14:imgLayer r:embed="rId3">
-                      <a14:imgEffect>
-                        <a14:sharpenSoften amount="61000"/>
-                      </a14:imgEffect>
-                    </a14:imgLayer>
-                  </a14:imgProps>
-                </a:ext>
-                <a:ext uri="{28A0092B-C50C-407E-A947-70E740481C1C}">
-                  <a14:useLocalDpi xmlns:a14="http://schemas.microsoft.com/office/drawing/2010/main" val="0"/>
-                </a:ext>
-              </a:extLst>
-            </a:blip>
-            <a:srcRect/>
-            <a:tile tx="0" ty="-704850" sx="92000" sy="89000" flip="xy" algn="ctr"/>
-          </a:blipFill>
-          <a:ln>
-            <a:noFill/>
-          </a:ln>
-        </p:spPr>
-        <p:style>
-          <a:lnRef idx="2">
-            <a:schemeClr val="accent1">
-              <a:shade val="50000"/>
-            </a:schemeClr>
-          </a:lnRef>
-          <a:fillRef idx="1">
-            <a:schemeClr val="accent1"/>
-          </a:fillRef>
-          <a:effectRef idx="0">
-            <a:schemeClr val="accent1"/>
-          </a:effectRef>
-          <a:fontRef idx="minor">
-            <a:schemeClr val="lt1"/>
-          </a:fontRef>
-        </p:style>
-      </p:sp>
-      <p:sp>
-        <p:nvSpPr>
-          <p:cNvPr id="2" name="Title 1"/>
-          <p:cNvSpPr>
-            <a:spLocks noGrp="1"/>
-          </p:cNvSpPr>
-          <p:nvPr>
-            <p:ph type="title"/>
-          </p:nvPr>
-        </p:nvSpPr>
-        <p:spPr>
-          <a:xfrm>
-            <a:off x="2167128" y="1225296"/>
-            <a:ext cx="9281160" cy="3520440"/>
+            <a:off x="2015069" y="1752606"/>
+            <a:ext cx="8158688" cy="1822514"/>
           </a:xfrm>
         </p:spPr>
         <p:txBody>
-          <a:bodyPr anchor="ctr">
+          <a:bodyPr anchor="b">
             <a:normAutofit/>
           </a:bodyPr>
           <a:lstStyle>
-            <a:lvl1pPr>
-              <a:lnSpc>
-                <a:spcPct val="80000"/>
-              </a:lnSpc>
-              <a:defRPr sz="8000" b="0"/>
+            <a:lvl1pPr algn="ctr">
+              <a:defRPr sz="4400" b="0" cap="none"/>
             </a:lvl1pPr>
           </a:lstStyle>
           <a:p>
@@ -1926,8 +4015,8 @@
         </p:nvSpPr>
         <p:spPr>
           <a:xfrm>
-            <a:off x="2165774" y="5020056"/>
-            <a:ext cx="9052560" cy="1066800"/>
+            <a:off x="2015067" y="3846051"/>
+            <a:ext cx="8158690" cy="954547"/>
           </a:xfrm>
         </p:spPr>
         <p:txBody>
@@ -1935,9 +4024,9 @@
             <a:normAutofit/>
           </a:bodyPr>
           <a:lstStyle>
-            <a:lvl1pPr marL="0" indent="0">
-              <a:buNone/>
-              <a:defRPr sz="2000">
+            <a:lvl1pPr marL="0" indent="0" algn="ctr">
+              <a:buNone/>
+              <a:defRPr sz="2400">
                 <a:solidFill>
                   <a:schemeClr val="tx1"/>
                 </a:solidFill>
@@ -2043,19 +4132,14 @@
             <p:ph type="dt" sz="half" idx="10"/>
           </p:nvPr>
         </p:nvSpPr>
-        <p:spPr>
-          <a:xfrm>
-            <a:off x="8593667" y="6272784"/>
-            <a:ext cx="2644309" cy="365125"/>
-          </a:xfrm>
-        </p:spPr>
+        <p:spPr/>
         <p:txBody>
           <a:bodyPr/>
           <a:lstStyle/>
           <a:p>
             <a:fld id="{760FBDFE-C587-4B4C-A407-44438C67B59E}" type="datetimeFigureOut">
               <a:rPr lang="zh-CN" altLang="en-US" smtClean="0"/>
-              <a:t>2019/12/19</a:t>
+              <a:t>2019/12/20</a:t>
             </a:fld>
             <a:endParaRPr lang="zh-CN" altLang="en-US"/>
           </a:p>
@@ -2071,12 +4155,7 @@
             <p:ph type="ftr" sz="quarter" idx="11"/>
           </p:nvPr>
         </p:nvSpPr>
-        <p:spPr>
-          <a:xfrm>
-            <a:off x="2182708" y="6272784"/>
-            <a:ext cx="6327648" cy="365125"/>
-          </a:xfrm>
-        </p:spPr>
+        <p:spPr/>
         <p:txBody>
           <a:bodyPr/>
           <a:lstStyle/>
@@ -2085,90 +4164,6 @@
           </a:p>
         </p:txBody>
       </p:sp>
-      <p:grpSp>
-        <p:nvGrpSpPr>
-          <p:cNvPr id="8" name="Group 7"/>
-          <p:cNvGrpSpPr/>
-          <p:nvPr/>
-        </p:nvGrpSpPr>
-        <p:grpSpPr>
-          <a:xfrm>
-            <a:off x="897399" y="2325848"/>
-            <a:ext cx="1080904" cy="1080902"/>
-            <a:chOff x="9685338" y="4460675"/>
-            <a:chExt cx="1080904" cy="1080902"/>
-          </a:xfrm>
-        </p:grpSpPr>
-        <p:sp>
-          <p:nvSpPr>
-            <p:cNvPr id="9" name="Oval 8"/>
-            <p:cNvSpPr/>
-            <p:nvPr/>
-          </p:nvSpPr>
-          <p:spPr>
-            <a:xfrm>
-              <a:off x="9685338" y="4460675"/>
-              <a:ext cx="1080904" cy="1080902"/>
-            </a:xfrm>
-            <a:prstGeom prst="ellipse">
-              <a:avLst/>
-            </a:prstGeom>
-            <a:blipFill dpi="0" rotWithShape="1">
-              <a:blip r:embed="rId4">
-                <a:duotone>
-                  <a:schemeClr val="accent1">
-                    <a:shade val="45000"/>
-                    <a:satMod val="135000"/>
-                  </a:schemeClr>
-                  <a:prstClr val="white"/>
-                </a:duotone>
-                <a:extLst>
-                  <a:ext uri="{BEBA8EAE-BF5A-486C-A8C5-ECC9F3942E4B}">
-                    <a14:imgProps xmlns:a14="http://schemas.microsoft.com/office/drawing/2010/main">
-                      <a14:imgLayer r:embed="rId5">
-                        <a14:imgEffect>
-                          <a14:saturation sat="95000"/>
-                        </a14:imgEffect>
-                      </a14:imgLayer>
-                    </a14:imgProps>
-                  </a:ext>
-                </a:extLst>
-              </a:blip>
-              <a:srcRect/>
-              <a:tile tx="0" ty="0" sx="85000" sy="85000" flip="none" algn="tl"/>
-            </a:blipFill>
-            <a:ln w="25400" cap="flat" cmpd="sng" algn="ctr">
-              <a:noFill/>
-              <a:prstDash val="solid"/>
-            </a:ln>
-            <a:effectLst/>
-          </p:spPr>
-        </p:sp>
-        <p:sp>
-          <p:nvSpPr>
-            <p:cNvPr id="10" name="Oval 9"/>
-            <p:cNvSpPr/>
-            <p:nvPr/>
-          </p:nvSpPr>
-          <p:spPr>
-            <a:xfrm>
-              <a:off x="9793429" y="4568765"/>
-              <a:ext cx="864723" cy="864722"/>
-            </a:xfrm>
-            <a:prstGeom prst="ellipse">
-              <a:avLst/>
-            </a:prstGeom>
-            <a:noFill/>
-            <a:ln w="25400" cap="flat" cmpd="sng" algn="ctr">
-              <a:solidFill>
-                <a:sysClr val="window" lastClr="FFFFFF"/>
-              </a:solidFill>
-              <a:prstDash val="solid"/>
-            </a:ln>
-            <a:effectLst/>
-          </p:spPr>
-        </p:sp>
-      </p:grpSp>
       <p:sp>
         <p:nvSpPr>
           <p:cNvPr id="6" name="Slide Number Placeholder 5"/>
@@ -2179,19 +4174,10 @@
             <p:ph type="sldNum" sz="quarter" idx="12"/>
           </p:nvPr>
         </p:nvSpPr>
-        <p:spPr>
-          <a:xfrm>
-            <a:off x="843702" y="2506133"/>
-            <a:ext cx="1188298" cy="720332"/>
-          </a:xfrm>
-        </p:spPr>
+        <p:spPr/>
         <p:txBody>
           <a:bodyPr/>
-          <a:lstStyle>
-            <a:lvl1pPr>
-              <a:defRPr sz="2800"/>
-            </a:lvl1pPr>
-          </a:lstStyle>
+          <a:lstStyle/>
           <a:p>
             <a:fld id="{49AE70B2-8BF9-45C0-BB95-33D1B9D3A854}" type="slidenum">
               <a:rPr lang="zh-CN" altLang="en-US" smtClean="0"/>
@@ -2201,10 +4187,41 @@
           </a:p>
         </p:txBody>
       </p:sp>
+      <p:cxnSp>
+        <p:nvCxnSpPr>
+          <p:cNvPr id="16" name="Straight Connector 15"/>
+          <p:cNvCxnSpPr/>
+          <p:nvPr/>
+        </p:nvCxnSpPr>
+        <p:spPr>
+          <a:xfrm>
+            <a:off x="2012723" y="3710585"/>
+            <a:ext cx="8163380" cy="0"/>
+          </a:xfrm>
+          <a:prstGeom prst="line">
+            <a:avLst/>
+          </a:prstGeom>
+          <a:ln w="15875"/>
+        </p:spPr>
+        <p:style>
+          <a:lnRef idx="2">
+            <a:schemeClr val="accent1"/>
+          </a:lnRef>
+          <a:fillRef idx="0">
+            <a:schemeClr val="accent1"/>
+          </a:fillRef>
+          <a:effectRef idx="1">
+            <a:schemeClr val="accent1"/>
+          </a:effectRef>
+          <a:fontRef idx="minor">
+            <a:schemeClr val="tx1"/>
+          </a:fontRef>
+        </p:style>
+      </p:cxnSp>
     </p:spTree>
     <p:extLst>
       <p:ext uri="{BB962C8B-B14F-4D97-AF65-F5344CB8AC3E}">
-        <p14:creationId xmlns:p14="http://schemas.microsoft.com/office/powerpoint/2010/main" val="319556859"/>
+        <p14:creationId xmlns:p14="http://schemas.microsoft.com/office/powerpoint/2010/main" val="430519478"/>
       </p:ext>
     </p:extLst>
   </p:cSld>
@@ -2231,6 +4248,37 @@
           <a:chExt cx="0" cy="0"/>
         </a:xfrm>
       </p:grpSpPr>
+      <p:cxnSp>
+        <p:nvCxnSpPr>
+          <p:cNvPr id="8" name="Straight Connector 7"/>
+          <p:cNvCxnSpPr/>
+          <p:nvPr/>
+        </p:nvCxnSpPr>
+        <p:spPr>
+          <a:xfrm>
+            <a:off x="1396169" y="2421466"/>
+            <a:ext cx="9407298" cy="0"/>
+          </a:xfrm>
+          <a:prstGeom prst="line">
+            <a:avLst/>
+          </a:prstGeom>
+          <a:ln w="15875"/>
+        </p:spPr>
+        <p:style>
+          <a:lnRef idx="2">
+            <a:schemeClr val="accent1"/>
+          </a:lnRef>
+          <a:fillRef idx="0">
+            <a:schemeClr val="accent1"/>
+          </a:fillRef>
+          <a:effectRef idx="1">
+            <a:schemeClr val="accent1"/>
+          </a:effectRef>
+          <a:fontRef idx="minor">
+            <a:schemeClr val="tx1"/>
+          </a:fontRef>
+        </p:style>
+      </p:cxnSp>
       <p:sp>
         <p:nvSpPr>
           <p:cNvPr id="2" name="Title 1"/>
@@ -2266,41 +4314,15 @@
         </p:nvSpPr>
         <p:spPr>
           <a:xfrm>
-            <a:off x="1069848" y="2194560"/>
-            <a:ext cx="4754880" cy="3977640"/>
+            <a:off x="1298448" y="2560320"/>
+            <a:ext cx="4718304" cy="3310128"/>
           </a:xfrm>
         </p:spPr>
         <p:txBody>
-          <a:bodyPr/>
-          <a:lstStyle>
-            <a:lvl1pPr>
-              <a:defRPr sz="2000"/>
-            </a:lvl1pPr>
-            <a:lvl2pPr>
-              <a:defRPr sz="1800"/>
-            </a:lvl2pPr>
-            <a:lvl3pPr>
-              <a:defRPr sz="1600"/>
-            </a:lvl3pPr>
-            <a:lvl4pPr>
-              <a:defRPr sz="1600"/>
-            </a:lvl4pPr>
-            <a:lvl5pPr>
-              <a:defRPr sz="1600"/>
-            </a:lvl5pPr>
-            <a:lvl6pPr>
-              <a:defRPr sz="1600"/>
-            </a:lvl6pPr>
-            <a:lvl7pPr>
-              <a:defRPr sz="1600"/>
-            </a:lvl7pPr>
-            <a:lvl8pPr>
-              <a:defRPr sz="1600"/>
-            </a:lvl8pPr>
-            <a:lvl9pPr>
-              <a:defRPr sz="1600"/>
-            </a:lvl9pPr>
-          </a:lstStyle>
+          <a:bodyPr>
+            <a:normAutofit/>
+          </a:bodyPr>
+          <a:lstStyle/>
           <a:p>
             <a:pPr lvl="0"/>
             <a:r>
@@ -2351,41 +4373,15 @@
         </p:nvSpPr>
         <p:spPr>
           <a:xfrm>
-            <a:off x="6364224" y="2194560"/>
-            <a:ext cx="4754880" cy="3977640"/>
+            <a:off x="6181344" y="2560320"/>
+            <a:ext cx="4718304" cy="3310128"/>
           </a:xfrm>
         </p:spPr>
         <p:txBody>
-          <a:bodyPr/>
-          <a:lstStyle>
-            <a:lvl1pPr>
-              <a:defRPr sz="2000"/>
-            </a:lvl1pPr>
-            <a:lvl2pPr>
-              <a:defRPr sz="1800"/>
-            </a:lvl2pPr>
-            <a:lvl3pPr>
-              <a:defRPr sz="1600"/>
-            </a:lvl3pPr>
-            <a:lvl4pPr>
-              <a:defRPr sz="1600"/>
-            </a:lvl4pPr>
-            <a:lvl5pPr>
-              <a:defRPr sz="1600"/>
-            </a:lvl5pPr>
-            <a:lvl6pPr>
-              <a:defRPr sz="1600"/>
-            </a:lvl6pPr>
-            <a:lvl7pPr>
-              <a:defRPr sz="1600"/>
-            </a:lvl7pPr>
-            <a:lvl8pPr>
-              <a:defRPr sz="1600"/>
-            </a:lvl8pPr>
-            <a:lvl9pPr>
-              <a:defRPr sz="1600"/>
-            </a:lvl9pPr>
-          </a:lstStyle>
+          <a:bodyPr>
+            <a:normAutofit/>
+          </a:bodyPr>
+          <a:lstStyle/>
           <a:p>
             <a:pPr lvl="0"/>
             <a:r>
@@ -2441,7 +4437,7 @@
           <a:p>
             <a:fld id="{760FBDFE-C587-4B4C-A407-44438C67B59E}" type="datetimeFigureOut">
               <a:rPr lang="zh-CN" altLang="en-US" smtClean="0"/>
-              <a:t>2019/12/19</a:t>
+              <a:t>2019/12/20</a:t>
             </a:fld>
             <a:endParaRPr lang="zh-CN" altLang="en-US"/>
           </a:p>
@@ -2492,7 +4488,7 @@
     </p:spTree>
     <p:extLst>
       <p:ext uri="{BB962C8B-B14F-4D97-AF65-F5344CB8AC3E}">
-        <p14:creationId xmlns:p14="http://schemas.microsoft.com/office/powerpoint/2010/main" val="573730131"/>
+        <p14:creationId xmlns:p14="http://schemas.microsoft.com/office/powerpoint/2010/main" val="3325123227"/>
       </p:ext>
     </p:extLst>
   </p:cSld>
@@ -2521,7 +4517,7 @@
       </p:grpSpPr>
       <p:sp>
         <p:nvSpPr>
-          <p:cNvPr id="10" name="Title 9"/>
+          <p:cNvPr id="2" name="Title 1"/>
           <p:cNvSpPr>
             <a:spLocks noGrp="1"/>
           </p:cNvSpPr>
@@ -2532,7 +4528,11 @@
         <p:spPr/>
         <p:txBody>
           <a:bodyPr/>
-          <a:lstStyle/>
+          <a:lstStyle>
+            <a:lvl1pPr>
+              <a:defRPr/>
+            </a:lvl1pPr>
+          </a:lstStyle>
           <a:p>
             <a:r>
               <a:rPr lang="en-US" smtClean="0"/>
@@ -2554,22 +4554,26 @@
         </p:nvSpPr>
         <p:spPr>
           <a:xfrm>
-            <a:off x="1066800" y="2048256"/>
-            <a:ext cx="4754880" cy="640080"/>
+            <a:off x="1295400" y="2658533"/>
+            <a:ext cx="4718304" cy="576262"/>
           </a:xfrm>
         </p:spPr>
         <p:txBody>
-          <a:bodyPr anchor="ctr">
-            <a:normAutofit/>
+          <a:bodyPr anchor="b">
+            <a:noAutofit/>
           </a:bodyPr>
           <a:lstStyle>
             <a:lvl1pPr marL="0" indent="0">
-              <a:buNone/>
-              <a:defRPr sz="2000" b="1">
-                <a:solidFill>
-                  <a:schemeClr val="accent1">
-                    <a:lumMod val="75000"/>
-                  </a:schemeClr>
+              <a:spcBef>
+                <a:spcPts val="672"/>
+              </a:spcBef>
+              <a:spcAft>
+                <a:spcPts val="600"/>
+              </a:spcAft>
+              <a:buNone/>
+              <a:defRPr sz="2800" b="0">
+                <a:solidFill>
+                  <a:schemeClr val="accent1"/>
                 </a:solidFill>
               </a:defRPr>
             </a:lvl1pPr>
@@ -2627,41 +4631,15 @@
         </p:nvSpPr>
         <p:spPr>
           <a:xfrm>
-            <a:off x="1069848" y="2743200"/>
-            <a:ext cx="4754880" cy="3291840"/>
+            <a:off x="1295400" y="3243262"/>
+            <a:ext cx="4718304" cy="2632605"/>
           </a:xfrm>
         </p:spPr>
         <p:txBody>
-          <a:bodyPr/>
-          <a:lstStyle>
-            <a:lvl1pPr>
-              <a:defRPr sz="2000"/>
-            </a:lvl1pPr>
-            <a:lvl2pPr>
-              <a:defRPr sz="1800"/>
-            </a:lvl2pPr>
-            <a:lvl3pPr>
-              <a:defRPr sz="1600"/>
-            </a:lvl3pPr>
-            <a:lvl4pPr>
-              <a:defRPr sz="1600"/>
-            </a:lvl4pPr>
-            <a:lvl5pPr>
-              <a:defRPr sz="1600"/>
-            </a:lvl5pPr>
-            <a:lvl6pPr>
-              <a:defRPr sz="1600"/>
-            </a:lvl6pPr>
-            <a:lvl7pPr>
-              <a:defRPr sz="1600"/>
-            </a:lvl7pPr>
-            <a:lvl8pPr>
-              <a:defRPr sz="1600"/>
-            </a:lvl8pPr>
-            <a:lvl9pPr>
-              <a:defRPr sz="1600"/>
-            </a:lvl9pPr>
-          </a:lstStyle>
+          <a:bodyPr anchor="t">
+            <a:normAutofit/>
+          </a:bodyPr>
+          <a:lstStyle/>
           <a:p>
             <a:pPr lvl="0"/>
             <a:r>
@@ -2712,22 +4690,26 @@
         </p:nvSpPr>
         <p:spPr>
           <a:xfrm>
-            <a:off x="6364224" y="2048256"/>
-            <a:ext cx="4754880" cy="640080"/>
+            <a:off x="6180670" y="2658533"/>
+            <a:ext cx="4718304" cy="576262"/>
           </a:xfrm>
         </p:spPr>
         <p:txBody>
-          <a:bodyPr anchor="ctr">
-            <a:normAutofit/>
+          <a:bodyPr anchor="b">
+            <a:noAutofit/>
           </a:bodyPr>
           <a:lstStyle>
             <a:lvl1pPr marL="0" indent="0">
-              <a:buNone/>
-              <a:defRPr sz="2000" b="1">
-                <a:solidFill>
-                  <a:schemeClr val="accent1">
-                    <a:lumMod val="75000"/>
-                  </a:schemeClr>
+              <a:spcBef>
+                <a:spcPts val="672"/>
+              </a:spcBef>
+              <a:spcAft>
+                <a:spcPts val="600"/>
+              </a:spcAft>
+              <a:buNone/>
+              <a:defRPr sz="2800" b="0">
+                <a:solidFill>
+                  <a:schemeClr val="accent1"/>
                 </a:solidFill>
               </a:defRPr>
             </a:lvl1pPr>
@@ -2785,41 +4767,15 @@
         </p:nvSpPr>
         <p:spPr>
           <a:xfrm>
-            <a:off x="6364224" y="2743200"/>
-            <a:ext cx="4754880" cy="3291840"/>
+            <a:off x="6180670" y="3243262"/>
+            <a:ext cx="4718304" cy="2632605"/>
           </a:xfrm>
         </p:spPr>
         <p:txBody>
-          <a:bodyPr/>
-          <a:lstStyle>
-            <a:lvl1pPr>
-              <a:defRPr sz="2000"/>
-            </a:lvl1pPr>
-            <a:lvl2pPr>
-              <a:defRPr sz="1800"/>
-            </a:lvl2pPr>
-            <a:lvl3pPr>
-              <a:defRPr sz="1600"/>
-            </a:lvl3pPr>
-            <a:lvl4pPr>
-              <a:defRPr sz="1600"/>
-            </a:lvl4pPr>
-            <a:lvl5pPr>
-              <a:defRPr sz="1600"/>
-            </a:lvl5pPr>
-            <a:lvl6pPr>
-              <a:defRPr sz="1600"/>
-            </a:lvl6pPr>
-            <a:lvl7pPr>
-              <a:defRPr sz="1600"/>
-            </a:lvl7pPr>
-            <a:lvl8pPr>
-              <a:defRPr sz="1600"/>
-            </a:lvl8pPr>
-            <a:lvl9pPr>
-              <a:defRPr sz="1600"/>
-            </a:lvl9pPr>
-          </a:lstStyle>
+          <a:bodyPr anchor="t">
+            <a:normAutofit/>
+          </a:bodyPr>
+          <a:lstStyle/>
           <a:p>
             <a:pPr lvl="0"/>
             <a:r>
@@ -2875,7 +4831,7 @@
           <a:p>
             <a:fld id="{760FBDFE-C587-4B4C-A407-44438C67B59E}" type="datetimeFigureOut">
               <a:rPr lang="zh-CN" altLang="en-US" smtClean="0"/>
-              <a:t>2019/12/19</a:t>
+              <a:t>2019/12/20</a:t>
             </a:fld>
             <a:endParaRPr lang="zh-CN" altLang="en-US"/>
           </a:p>
@@ -2923,10 +4879,41 @@
           </a:p>
         </p:txBody>
       </p:sp>
+      <p:cxnSp>
+        <p:nvCxnSpPr>
+          <p:cNvPr id="18" name="Straight Connector 17"/>
+          <p:cNvCxnSpPr/>
+          <p:nvPr/>
+        </p:nvCxnSpPr>
+        <p:spPr>
+          <a:xfrm>
+            <a:off x="1396169" y="2421466"/>
+            <a:ext cx="9407298" cy="0"/>
+          </a:xfrm>
+          <a:prstGeom prst="line">
+            <a:avLst/>
+          </a:prstGeom>
+          <a:ln w="15875"/>
+        </p:spPr>
+        <p:style>
+          <a:lnRef idx="2">
+            <a:schemeClr val="accent1"/>
+          </a:lnRef>
+          <a:fillRef idx="0">
+            <a:schemeClr val="accent1"/>
+          </a:fillRef>
+          <a:effectRef idx="1">
+            <a:schemeClr val="accent1"/>
+          </a:effectRef>
+          <a:fontRef idx="minor">
+            <a:schemeClr val="tx1"/>
+          </a:fontRef>
+        </p:style>
+      </p:cxnSp>
     </p:spTree>
     <p:extLst>
       <p:ext uri="{BB962C8B-B14F-4D97-AF65-F5344CB8AC3E}">
-        <p14:creationId xmlns:p14="http://schemas.microsoft.com/office/powerpoint/2010/main" val="3217926192"/>
+        <p14:creationId xmlns:p14="http://schemas.microsoft.com/office/powerpoint/2010/main" val="3137566165"/>
       </p:ext>
     </p:extLst>
   </p:cSld>
@@ -2955,7 +4942,7 @@
       </p:grpSpPr>
       <p:sp>
         <p:nvSpPr>
-          <p:cNvPr id="6" name="Title 5"/>
+          <p:cNvPr id="2" name="Title 1"/>
           <p:cNvSpPr>
             <a:spLocks noGrp="1"/>
           </p:cNvSpPr>
@@ -2993,7 +4980,7 @@
           <a:p>
             <a:fld id="{760FBDFE-C587-4B4C-A407-44438C67B59E}" type="datetimeFigureOut">
               <a:rPr lang="zh-CN" altLang="en-US" smtClean="0"/>
-              <a:t>2019/12/19</a:t>
+              <a:t>2019/12/20</a:t>
             </a:fld>
             <a:endParaRPr lang="zh-CN" altLang="en-US"/>
           </a:p>
@@ -3041,10 +5028,41 @@
           </a:p>
         </p:txBody>
       </p:sp>
+      <p:cxnSp>
+        <p:nvCxnSpPr>
+          <p:cNvPr id="14" name="Straight Connector 13"/>
+          <p:cNvCxnSpPr/>
+          <p:nvPr/>
+        </p:nvCxnSpPr>
+        <p:spPr>
+          <a:xfrm>
+            <a:off x="1396169" y="2421466"/>
+            <a:ext cx="9407298" cy="0"/>
+          </a:xfrm>
+          <a:prstGeom prst="line">
+            <a:avLst/>
+          </a:prstGeom>
+          <a:ln w="15875"/>
+        </p:spPr>
+        <p:style>
+          <a:lnRef idx="2">
+            <a:schemeClr val="accent1"/>
+          </a:lnRef>
+          <a:fillRef idx="0">
+            <a:schemeClr val="accent1"/>
+          </a:fillRef>
+          <a:effectRef idx="1">
+            <a:schemeClr val="accent1"/>
+          </a:effectRef>
+          <a:fontRef idx="minor">
+            <a:schemeClr val="tx1"/>
+          </a:fontRef>
+        </p:style>
+      </p:cxnSp>
     </p:spTree>
     <p:extLst>
       <p:ext uri="{BB962C8B-B14F-4D97-AF65-F5344CB8AC3E}">
-        <p14:creationId xmlns:p14="http://schemas.microsoft.com/office/powerpoint/2010/main" val="3153833156"/>
+        <p14:creationId xmlns:p14="http://schemas.microsoft.com/office/powerpoint/2010/main" val="181777344"/>
       </p:ext>
     </p:extLst>
   </p:cSld>
@@ -3088,7 +5106,7 @@
           <a:p>
             <a:fld id="{760FBDFE-C587-4B4C-A407-44438C67B59E}" type="datetimeFigureOut">
               <a:rPr lang="zh-CN" altLang="en-US" smtClean="0"/>
-              <a:t>2019/12/19</a:t>
+              <a:t>2019/12/20</a:t>
             </a:fld>
             <a:endParaRPr lang="zh-CN" altLang="en-US"/>
           </a:p>
@@ -3139,7 +5157,7 @@
     </p:spTree>
     <p:extLst>
       <p:ext uri="{BB962C8B-B14F-4D97-AF65-F5344CB8AC3E}">
-        <p14:creationId xmlns:p14="http://schemas.microsoft.com/office/powerpoint/2010/main" val="2814333571"/>
+        <p14:creationId xmlns:p14="http://schemas.microsoft.com/office/powerpoint/2010/main" val="901283246"/>
       </p:ext>
     </p:extLst>
   </p:cSld>
@@ -3150,7 +5168,7 @@
 </file>
 
 <file path=ppt/slideLayouts/slideLayout8.xml><?xml version="1.0" encoding="utf-8"?>
-<p:sldLayout xmlns:a="http://schemas.openxmlformats.org/drawingml/2006/main" xmlns:r="http://schemas.openxmlformats.org/officeDocument/2006/relationships" xmlns:p="http://schemas.openxmlformats.org/presentationml/2006/main" showMasterSp="0" type="objTx" preserve="1">
+<p:sldLayout xmlns:a="http://schemas.openxmlformats.org/drawingml/2006/main" xmlns:r="http://schemas.openxmlformats.org/officeDocument/2006/relationships" xmlns:p="http://schemas.openxmlformats.org/presentationml/2006/main" type="objTx" preserve="1">
   <p:cSld name="Content with Caption">
     <p:spTree>
       <p:nvGrpSpPr>
@@ -3168,75 +5186,18 @@
       </p:grpSpPr>
       <p:sp>
         <p:nvSpPr>
-          <p:cNvPr id="8" name="Rectangle 7"/>
-          <p:cNvSpPr/>
-          <p:nvPr/>
+          <p:cNvPr id="2" name="Title 1"/>
+          <p:cNvSpPr>
+            <a:spLocks noGrp="1"/>
+          </p:cNvSpPr>
+          <p:nvPr>
+            <p:ph type="title"/>
+          </p:nvPr>
         </p:nvSpPr>
         <p:spPr>
           <a:xfrm>
-            <a:off x="8303740" y="0"/>
-            <a:ext cx="3888259" cy="6857999"/>
-          </a:xfrm>
-          <a:prstGeom prst="rect">
-            <a:avLst/>
-          </a:prstGeom>
-          <a:blipFill dpi="0" rotWithShape="1">
-            <a:blip r:embed="rId2">
-              <a:alphaModFix amt="60000"/>
-              <a:lum bright="70000" contrast="-70000"/>
-              <a:extLst>
-                <a:ext uri="{BEBA8EAE-BF5A-486C-A8C5-ECC9F3942E4B}">
-                  <a14:imgProps xmlns:a14="http://schemas.microsoft.com/office/drawing/2010/main">
-                    <a14:imgLayer r:embed="rId3">
-                      <a14:imgEffect>
-                        <a14:sharpenSoften amount="61000"/>
-                      </a14:imgEffect>
-                    </a14:imgLayer>
-                  </a14:imgProps>
-                </a:ext>
-                <a:ext uri="{28A0092B-C50C-407E-A947-70E740481C1C}">
-                  <a14:useLocalDpi xmlns:a14="http://schemas.microsoft.com/office/drawing/2010/main" val="0"/>
-                </a:ext>
-              </a:extLst>
-            </a:blip>
-            <a:srcRect/>
-            <a:tile tx="0" ty="-704850" sx="92000" sy="89000" flip="xy" algn="ctr"/>
-          </a:blipFill>
-          <a:ln>
-            <a:noFill/>
-          </a:ln>
-        </p:spPr>
-        <p:style>
-          <a:lnRef idx="2">
-            <a:schemeClr val="accent1">
-              <a:shade val="50000"/>
-            </a:schemeClr>
-          </a:lnRef>
-          <a:fillRef idx="1">
-            <a:schemeClr val="accent1"/>
-          </a:fillRef>
-          <a:effectRef idx="0">
-            <a:schemeClr val="accent1"/>
-          </a:effectRef>
-          <a:fontRef idx="minor">
-            <a:schemeClr val="lt1"/>
-          </a:fontRef>
-        </p:style>
-      </p:sp>
-      <p:sp>
-        <p:nvSpPr>
-          <p:cNvPr id="2" name="Title 1"/>
-          <p:cNvSpPr>
-            <a:spLocks noGrp="1"/>
-          </p:cNvSpPr>
-          <p:nvPr>
-            <p:ph type="title"/>
-          </p:nvPr>
-        </p:nvSpPr>
-        <p:spPr>
-          <a:xfrm>
-            <a:off x="8549640" y="685800"/>
-            <a:ext cx="3200400" cy="1737360"/>
+            <a:off x="1293811" y="1388534"/>
+            <a:ext cx="3718455" cy="1371600"/>
           </a:xfrm>
         </p:spPr>
         <p:txBody>
@@ -3244,8 +5205,8 @@
             <a:normAutofit/>
           </a:bodyPr>
           <a:lstStyle>
-            <a:lvl1pPr>
-              <a:defRPr sz="3200" b="1"/>
+            <a:lvl1pPr algn="ctr">
+              <a:defRPr sz="2400" b="0"/>
             </a:lvl1pPr>
           </a:lstStyle>
           <a:p>
@@ -3269,41 +5230,15 @@
         </p:nvSpPr>
         <p:spPr>
           <a:xfrm>
-            <a:off x="838200" y="685800"/>
-            <a:ext cx="6711696" cy="5020056"/>
+            <a:off x="5418668" y="982131"/>
+            <a:ext cx="5469466" cy="4893735"/>
           </a:xfrm>
         </p:spPr>
         <p:txBody>
-          <a:bodyPr/>
-          <a:lstStyle>
-            <a:lvl1pPr>
-              <a:defRPr sz="2000"/>
-            </a:lvl1pPr>
-            <a:lvl2pPr>
-              <a:defRPr sz="1800"/>
-            </a:lvl2pPr>
-            <a:lvl3pPr>
-              <a:defRPr sz="1600"/>
-            </a:lvl3pPr>
-            <a:lvl4pPr>
-              <a:defRPr sz="1600"/>
-            </a:lvl4pPr>
-            <a:lvl5pPr>
-              <a:defRPr sz="1600"/>
-            </a:lvl5pPr>
-            <a:lvl6pPr>
-              <a:defRPr sz="1600"/>
-            </a:lvl6pPr>
-            <a:lvl7pPr>
-              <a:defRPr sz="1600"/>
-            </a:lvl7pPr>
-            <a:lvl8pPr>
-              <a:defRPr sz="1600"/>
-            </a:lvl8pPr>
-            <a:lvl9pPr>
-              <a:defRPr sz="1600"/>
-            </a:lvl9pPr>
-          </a:lstStyle>
+          <a:bodyPr anchor="ctr">
+            <a:normAutofit/>
+          </a:bodyPr>
+          <a:lstStyle/>
           <a:p>
             <a:pPr lvl="0"/>
             <a:r>
@@ -3354,30 +5289,18 @@
         </p:nvSpPr>
         <p:spPr>
           <a:xfrm>
-            <a:off x="8549640" y="2423160"/>
-            <a:ext cx="3200400" cy="3291840"/>
+            <a:off x="1293811" y="3031065"/>
+            <a:ext cx="3718455" cy="2438404"/>
           </a:xfrm>
         </p:spPr>
         <p:txBody>
-          <a:bodyPr>
+          <a:bodyPr anchor="t">
             <a:normAutofit/>
           </a:bodyPr>
           <a:lstStyle>
-            <a:lvl1pPr marL="0" indent="0">
-              <a:lnSpc>
-                <a:spcPct val="100000"/>
-              </a:lnSpc>
-              <a:spcBef>
-                <a:spcPts val="1000"/>
-              </a:spcBef>
-              <a:buNone/>
-              <a:defRPr sz="1400">
-                <a:solidFill>
-                  <a:schemeClr val="accent1">
-                    <a:lumMod val="75000"/>
-                  </a:schemeClr>
-                </a:solidFill>
-              </a:defRPr>
+            <a:lvl1pPr marL="0" indent="0" algn="ctr">
+              <a:buNone/>
+              <a:defRPr sz="1600"/>
             </a:lvl1pPr>
             <a:lvl2pPr marL="457200" indent="0">
               <a:buNone/>
@@ -3438,7 +5361,7 @@
           <a:p>
             <a:fld id="{760FBDFE-C587-4B4C-A407-44438C67B59E}" type="datetimeFigureOut">
               <a:rPr lang="zh-CN" altLang="en-US" smtClean="0"/>
-              <a:t>2019/12/19</a:t>
+              <a:t>2019/12/20</a:t>
             </a:fld>
             <a:endParaRPr lang="zh-CN" altLang="en-US"/>
           </a:p>
@@ -3463,95 +5386,6 @@
           </a:p>
         </p:txBody>
       </p:sp>
-      <p:grpSp>
-        <p:nvGrpSpPr>
-          <p:cNvPr id="9" name="Group 8"/>
-          <p:cNvGrpSpPr>
-            <a:grpSpLocks noChangeAspect="1"/>
-          </p:cNvGrpSpPr>
-          <p:nvPr/>
-        </p:nvGrpSpPr>
-        <p:grpSpPr>
-          <a:xfrm>
-            <a:off x="11401725" y="6229681"/>
-            <a:ext cx="457200" cy="457200"/>
-            <a:chOff x="11361456" y="6195813"/>
-            <a:chExt cx="548640" cy="548640"/>
-          </a:xfrm>
-        </p:grpSpPr>
-        <p:sp>
-          <p:nvSpPr>
-            <p:cNvPr id="10" name="Oval 9"/>
-            <p:cNvSpPr/>
-            <p:nvPr/>
-          </p:nvSpPr>
-          <p:spPr>
-            <a:xfrm>
-              <a:off x="11361456" y="6195813"/>
-              <a:ext cx="548640" cy="548640"/>
-            </a:xfrm>
-            <a:prstGeom prst="ellipse">
-              <a:avLst/>
-            </a:prstGeom>
-            <a:blipFill dpi="0" rotWithShape="1">
-              <a:blip r:embed="rId4">
-                <a:duotone>
-                  <a:schemeClr val="accent1">
-                    <a:shade val="45000"/>
-                    <a:satMod val="135000"/>
-                  </a:schemeClr>
-                  <a:prstClr val="white"/>
-                </a:duotone>
-                <a:extLst>
-                  <a:ext uri="{BEBA8EAE-BF5A-486C-A8C5-ECC9F3942E4B}">
-                    <a14:imgProps xmlns:a14="http://schemas.microsoft.com/office/drawing/2010/main">
-                      <a14:imgLayer r:embed="rId5">
-                        <a14:imgEffect>
-                          <a14:saturation sat="95000"/>
-                        </a14:imgEffect>
-                        <a14:imgEffect>
-                          <a14:brightnessContrast bright="-40000" contrast="20000"/>
-                        </a14:imgEffect>
-                      </a14:imgLayer>
-                    </a14:imgProps>
-                  </a:ext>
-                </a:extLst>
-              </a:blip>
-              <a:srcRect/>
-              <a:tile tx="50800" ty="0" sx="85000" sy="85000" flip="none" algn="tl"/>
-            </a:blipFill>
-            <a:ln w="25400" cap="flat" cmpd="sng" algn="ctr">
-              <a:noFill/>
-              <a:prstDash val="solid"/>
-            </a:ln>
-            <a:effectLst/>
-          </p:spPr>
-        </p:sp>
-        <p:sp>
-          <p:nvSpPr>
-            <p:cNvPr id="11" name="Oval 10"/>
-            <p:cNvSpPr/>
-            <p:nvPr/>
-          </p:nvSpPr>
-          <p:spPr>
-            <a:xfrm>
-              <a:off x="11396488" y="6230844"/>
-              <a:ext cx="478576" cy="478578"/>
-            </a:xfrm>
-            <a:prstGeom prst="ellipse">
-              <a:avLst/>
-            </a:prstGeom>
-            <a:noFill/>
-            <a:ln w="12700" cap="flat" cmpd="sng" algn="ctr">
-              <a:solidFill>
-                <a:sysClr val="window" lastClr="FFFFFF"/>
-              </a:solidFill>
-              <a:prstDash val="solid"/>
-            </a:ln>
-            <a:effectLst/>
-          </p:spPr>
-        </p:sp>
-      </p:grpSp>
       <p:sp>
         <p:nvSpPr>
           <p:cNvPr id="7" name="Slide Number Placeholder 6"/>
@@ -3575,10 +5409,41 @@
           </a:p>
         </p:txBody>
       </p:sp>
+      <p:cxnSp>
+        <p:nvCxnSpPr>
+          <p:cNvPr id="16" name="Straight Connector 15"/>
+          <p:cNvCxnSpPr/>
+          <p:nvPr/>
+        </p:nvCxnSpPr>
+        <p:spPr>
+          <a:xfrm>
+            <a:off x="1396169" y="2912533"/>
+            <a:ext cx="3514498" cy="0"/>
+          </a:xfrm>
+          <a:prstGeom prst="line">
+            <a:avLst/>
+          </a:prstGeom>
+          <a:ln w="15875"/>
+        </p:spPr>
+        <p:style>
+          <a:lnRef idx="2">
+            <a:schemeClr val="accent1"/>
+          </a:lnRef>
+          <a:fillRef idx="0">
+            <a:schemeClr val="accent1"/>
+          </a:fillRef>
+          <a:effectRef idx="1">
+            <a:schemeClr val="accent1"/>
+          </a:effectRef>
+          <a:fontRef idx="minor">
+            <a:schemeClr val="tx1"/>
+          </a:fontRef>
+        </p:style>
+      </p:cxnSp>
     </p:spTree>
     <p:extLst>
       <p:ext uri="{BB962C8B-B14F-4D97-AF65-F5344CB8AC3E}">
-        <p14:creationId xmlns:p14="http://schemas.microsoft.com/office/powerpoint/2010/main" val="1837254465"/>
+        <p14:creationId xmlns:p14="http://schemas.microsoft.com/office/powerpoint/2010/main" val="1634524039"/>
       </p:ext>
     </p:extLst>
   </p:cSld>
@@ -3589,7 +5454,7 @@
 </file>
 
 <file path=ppt/slideLayouts/slideLayout9.xml><?xml version="1.0" encoding="utf-8"?>
-<p:sldLayout xmlns:a="http://schemas.openxmlformats.org/drawingml/2006/main" xmlns:r="http://schemas.openxmlformats.org/officeDocument/2006/relationships" xmlns:p="http://schemas.openxmlformats.org/presentationml/2006/main" showMasterSp="0" type="picTx" preserve="1">
+<p:sldLayout xmlns:a="http://schemas.openxmlformats.org/drawingml/2006/main" xmlns:r="http://schemas.openxmlformats.org/officeDocument/2006/relationships" xmlns:p="http://schemas.openxmlformats.org/presentationml/2006/main" type="picTx" preserve="1">
   <p:cSld name="Picture with Caption">
     <p:spTree>
       <p:nvGrpSpPr>
@@ -3607,75 +5472,18 @@
       </p:grpSpPr>
       <p:sp>
         <p:nvSpPr>
-          <p:cNvPr id="11" name="Rectangle 10"/>
-          <p:cNvSpPr/>
-          <p:nvPr/>
+          <p:cNvPr id="2" name="Title 1"/>
+          <p:cNvSpPr>
+            <a:spLocks noGrp="1"/>
+          </p:cNvSpPr>
+          <p:nvPr>
+            <p:ph type="title"/>
+          </p:nvPr>
         </p:nvSpPr>
         <p:spPr>
           <a:xfrm>
-            <a:off x="8303740" y="0"/>
-            <a:ext cx="3888259" cy="6857999"/>
-          </a:xfrm>
-          <a:prstGeom prst="rect">
-            <a:avLst/>
-          </a:prstGeom>
-          <a:blipFill dpi="0" rotWithShape="1">
-            <a:blip r:embed="rId2">
-              <a:alphaModFix amt="60000"/>
-              <a:lum bright="70000" contrast="-70000"/>
-              <a:extLst>
-                <a:ext uri="{BEBA8EAE-BF5A-486C-A8C5-ECC9F3942E4B}">
-                  <a14:imgProps xmlns:a14="http://schemas.microsoft.com/office/drawing/2010/main">
-                    <a14:imgLayer r:embed="rId3">
-                      <a14:imgEffect>
-                        <a14:sharpenSoften amount="61000"/>
-                      </a14:imgEffect>
-                    </a14:imgLayer>
-                  </a14:imgProps>
-                </a:ext>
-                <a:ext uri="{28A0092B-C50C-407E-A947-70E740481C1C}">
-                  <a14:useLocalDpi xmlns:a14="http://schemas.microsoft.com/office/drawing/2010/main" val="0"/>
-                </a:ext>
-              </a:extLst>
-            </a:blip>
-            <a:srcRect/>
-            <a:tile tx="0" ty="-704850" sx="92000" sy="89000" flip="xy" algn="ctr"/>
-          </a:blipFill>
-          <a:ln>
-            <a:noFill/>
-          </a:ln>
-        </p:spPr>
-        <p:style>
-          <a:lnRef idx="2">
-            <a:schemeClr val="accent1">
-              <a:shade val="50000"/>
-            </a:schemeClr>
-          </a:lnRef>
-          <a:fillRef idx="1">
-            <a:schemeClr val="accent1"/>
-          </a:fillRef>
-          <a:effectRef idx="0">
-            <a:schemeClr val="accent1"/>
-          </a:effectRef>
-          <a:fontRef idx="minor">
-            <a:schemeClr val="lt1"/>
-          </a:fontRef>
-        </p:style>
-      </p:sp>
-      <p:sp>
-        <p:nvSpPr>
-          <p:cNvPr id="2" name="Title 1"/>
-          <p:cNvSpPr>
-            <a:spLocks noGrp="1"/>
-          </p:cNvSpPr>
-          <p:nvPr>
-            <p:ph type="title"/>
-          </p:nvPr>
-        </p:nvSpPr>
-        <p:spPr>
-          <a:xfrm>
-            <a:off x="8549640" y="685800"/>
-            <a:ext cx="3200400" cy="1737360"/>
+            <a:off x="1295399" y="1883832"/>
+            <a:ext cx="6241816" cy="1371600"/>
           </a:xfrm>
         </p:spPr>
         <p:txBody>
@@ -3683,8 +5491,8 @@
             <a:normAutofit/>
           </a:bodyPr>
           <a:lstStyle>
-            <a:lvl1pPr>
-              <a:defRPr sz="3200" b="1"/>
+            <a:lvl1pPr algn="ctr">
+              <a:defRPr sz="2800" b="0"/>
             </a:lvl1pPr>
           </a:lstStyle>
           <a:p>
@@ -3698,7 +5506,7 @@
       </p:sp>
       <p:sp>
         <p:nvSpPr>
-          <p:cNvPr id="3" name="Picture Placeholder 2"/>
+          <p:cNvPr id="17" name="Picture Placeholder 2"/>
           <p:cNvSpPr>
             <a:spLocks noGrp="1" noChangeAspect="1"/>
           </p:cNvSpPr>
@@ -3708,101 +5516,106 @@
         </p:nvSpPr>
         <p:spPr>
           <a:xfrm>
-            <a:off x="0" y="0"/>
-            <a:ext cx="8303740" cy="6858000"/>
+            <a:off x="8094831" y="1041400"/>
+            <a:ext cx="3063347" cy="4775200"/>
           </a:xfrm>
-          <a:solidFill>
-            <a:schemeClr val="tx2">
-              <a:lumMod val="20000"/>
-              <a:lumOff val="80000"/>
-            </a:schemeClr>
-          </a:solidFill>
+          <a:prstGeom prst="roundRect">
+            <a:avLst>
+              <a:gd name="adj" fmla="val 0"/>
+            </a:avLst>
+          </a:prstGeom>
+          <a:ln w="57150" cmpd="thickThin">
+            <a:solidFill>
+              <a:schemeClr val="tx1">
+                <a:lumMod val="50000"/>
+                <a:lumOff val="50000"/>
+              </a:schemeClr>
+            </a:solidFill>
+            <a:miter lim="800000"/>
+          </a:ln>
+          <a:effectLst>
+            <a:innerShdw blurRad="57150" dist="38100" dir="14460000">
+              <a:srgbClr val="000000">
+                <a:alpha val="70000"/>
+              </a:srgbClr>
+            </a:innerShdw>
+          </a:effectLst>
         </p:spPr>
         <p:txBody>
-          <a:bodyPr anchor="t"/>
-          <a:lstStyle>
-            <a:lvl1pPr marL="0" indent="0">
-              <a:buNone/>
-              <a:defRPr sz="3200"/>
-            </a:lvl1pPr>
-            <a:lvl2pPr marL="457200" indent="0">
-              <a:buNone/>
-              <a:defRPr sz="2800"/>
-            </a:lvl2pPr>
-            <a:lvl3pPr marL="914400" indent="0">
-              <a:buNone/>
-              <a:defRPr sz="2400"/>
-            </a:lvl3pPr>
-            <a:lvl4pPr marL="1371600" indent="0">
-              <a:buNone/>
-              <a:defRPr sz="2000"/>
-            </a:lvl4pPr>
-            <a:lvl5pPr marL="1828800" indent="0">
-              <a:buNone/>
-              <a:defRPr sz="2000"/>
-            </a:lvl5pPr>
-            <a:lvl6pPr marL="2286000" indent="0">
-              <a:buNone/>
-              <a:defRPr sz="2000"/>
-            </a:lvl6pPr>
-            <a:lvl7pPr marL="2743200" indent="0">
-              <a:buNone/>
-              <a:defRPr sz="2000"/>
-            </a:lvl7pPr>
-            <a:lvl8pPr marL="3200400" indent="0">
-              <a:buNone/>
-              <a:defRPr sz="2000"/>
-            </a:lvl8pPr>
-            <a:lvl9pPr marL="3657600" indent="0">
-              <a:buNone/>
-              <a:defRPr sz="2000"/>
-            </a:lvl9pPr>
-          </a:lstStyle>
-          <a:p>
-            <a:r>
-              <a:rPr lang="en-US" smtClean="0"/>
-              <a:t>Click icon to add picture</a:t>
-            </a:r>
-            <a:endParaRPr lang="en-US" dirty="0"/>
-          </a:p>
-        </p:txBody>
-      </p:sp>
-      <p:sp>
-        <p:nvSpPr>
-          <p:cNvPr id="4" name="Text Placeholder 3"/>
-          <p:cNvSpPr>
-            <a:spLocks noGrp="1"/>
-          </p:cNvSpPr>
-          <p:nvPr>
-            <p:ph type="body" sz="half" idx="2"/>
-          </p:nvPr>
-        </p:nvSpPr>
-        <p:spPr>
-          <a:xfrm>
-            <a:off x="8549640" y="2423160"/>
-            <a:ext cx="3200400" cy="3291840"/>
-          </a:xfrm>
-        </p:spPr>
-        <p:txBody>
-          <a:bodyPr>
+          <a:bodyPr anchor="t">
             <a:normAutofit/>
           </a:bodyPr>
           <a:lstStyle>
-            <a:lvl1pPr marL="0" indent="0">
-              <a:lnSpc>
-                <a:spcPct val="100000"/>
-              </a:lnSpc>
-              <a:spcBef>
-                <a:spcPts val="1000"/>
-              </a:spcBef>
-              <a:buNone/>
-              <a:defRPr sz="1400">
-                <a:solidFill>
-                  <a:schemeClr val="accent1">
-                    <a:lumMod val="75000"/>
-                  </a:schemeClr>
-                </a:solidFill>
-              </a:defRPr>
+            <a:lvl1pPr marL="0" indent="0" algn="ctr">
+              <a:buNone/>
+              <a:defRPr sz="1600"/>
+            </a:lvl1pPr>
+            <a:lvl2pPr marL="457200" indent="0">
+              <a:buNone/>
+              <a:defRPr sz="1600"/>
+            </a:lvl2pPr>
+            <a:lvl3pPr marL="914400" indent="0">
+              <a:buNone/>
+              <a:defRPr sz="1600"/>
+            </a:lvl3pPr>
+            <a:lvl4pPr marL="1371600" indent="0">
+              <a:buNone/>
+              <a:defRPr sz="1600"/>
+            </a:lvl4pPr>
+            <a:lvl5pPr marL="1828800" indent="0">
+              <a:buNone/>
+              <a:defRPr sz="1600"/>
+            </a:lvl5pPr>
+            <a:lvl6pPr marL="2286000" indent="0">
+              <a:buNone/>
+              <a:defRPr sz="1600"/>
+            </a:lvl6pPr>
+            <a:lvl7pPr marL="2743200" indent="0">
+              <a:buNone/>
+              <a:defRPr sz="1600"/>
+            </a:lvl7pPr>
+            <a:lvl8pPr marL="3200400" indent="0">
+              <a:buNone/>
+              <a:defRPr sz="1600"/>
+            </a:lvl8pPr>
+            <a:lvl9pPr marL="3657600" indent="0">
+              <a:buNone/>
+              <a:defRPr sz="1600"/>
+            </a:lvl9pPr>
+          </a:lstStyle>
+          <a:p>
+            <a:r>
+              <a:rPr lang="en-US" smtClean="0"/>
+              <a:t>Click icon to add picture</a:t>
+            </a:r>
+            <a:endParaRPr lang="en-US" dirty="0"/>
+          </a:p>
+        </p:txBody>
+      </p:sp>
+      <p:sp>
+        <p:nvSpPr>
+          <p:cNvPr id="4" name="Text Placeholder 3"/>
+          <p:cNvSpPr>
+            <a:spLocks noGrp="1"/>
+          </p:cNvSpPr>
+          <p:nvPr>
+            <p:ph type="body" sz="half" idx="2"/>
+          </p:nvPr>
+        </p:nvSpPr>
+        <p:spPr>
+          <a:xfrm>
+            <a:off x="1295399" y="3255432"/>
+            <a:ext cx="6241816" cy="1828800"/>
+          </a:xfrm>
+        </p:spPr>
+        <p:txBody>
+          <a:bodyPr anchor="t">
+            <a:normAutofit/>
+          </a:bodyPr>
+          <a:lstStyle>
+            <a:lvl1pPr marL="0" indent="0" algn="ctr">
+              <a:buNone/>
+              <a:defRPr sz="1800"/>
             </a:lvl1pPr>
             <a:lvl2pPr marL="457200" indent="0">
               <a:buNone/>
@@ -3863,101 +5676,31 @@
           <a:p>
             <a:fld id="{760FBDFE-C587-4B4C-A407-44438C67B59E}" type="datetimeFigureOut">
               <a:rPr lang="zh-CN" altLang="en-US" smtClean="0"/>
-              <a:t>2019/12/19</a:t>
+              <a:t>2019/12/20</a:t>
             </a:fld>
             <a:endParaRPr lang="zh-CN" altLang="en-US"/>
           </a:p>
         </p:txBody>
       </p:sp>
-      <p:grpSp>
-        <p:nvGrpSpPr>
-          <p:cNvPr id="8" name="Group 7"/>
-          <p:cNvGrpSpPr>
-            <a:grpSpLocks noChangeAspect="1"/>
-          </p:cNvGrpSpPr>
-          <p:nvPr/>
-        </p:nvGrpSpPr>
-        <p:grpSpPr>
-          <a:xfrm>
-            <a:off x="11401725" y="6229681"/>
-            <a:ext cx="457200" cy="457200"/>
-            <a:chOff x="11361456" y="6195813"/>
-            <a:chExt cx="548640" cy="548640"/>
-          </a:xfrm>
-        </p:grpSpPr>
-        <p:sp>
-          <p:nvSpPr>
-            <p:cNvPr id="9" name="Oval 8"/>
-            <p:cNvSpPr/>
-            <p:nvPr/>
-          </p:nvSpPr>
-          <p:spPr>
-            <a:xfrm>
-              <a:off x="11361456" y="6195813"/>
-              <a:ext cx="548640" cy="548640"/>
-            </a:xfrm>
-            <a:prstGeom prst="ellipse">
-              <a:avLst/>
-            </a:prstGeom>
-            <a:blipFill dpi="0" rotWithShape="1">
-              <a:blip r:embed="rId4">
-                <a:duotone>
-                  <a:schemeClr val="accent1">
-                    <a:shade val="45000"/>
-                    <a:satMod val="135000"/>
-                  </a:schemeClr>
-                  <a:prstClr val="white"/>
-                </a:duotone>
-                <a:extLst>
-                  <a:ext uri="{BEBA8EAE-BF5A-486C-A8C5-ECC9F3942E4B}">
-                    <a14:imgProps xmlns:a14="http://schemas.microsoft.com/office/drawing/2010/main">
-                      <a14:imgLayer r:embed="rId5">
-                        <a14:imgEffect>
-                          <a14:saturation sat="95000"/>
-                        </a14:imgEffect>
-                        <a14:imgEffect>
-                          <a14:brightnessContrast bright="-40000" contrast="20000"/>
-                        </a14:imgEffect>
-                      </a14:imgLayer>
-                    </a14:imgProps>
-                  </a:ext>
-                </a:extLst>
-              </a:blip>
-              <a:srcRect/>
-              <a:tile tx="50800" ty="0" sx="85000" sy="85000" flip="none" algn="tl"/>
-            </a:blipFill>
-            <a:ln w="25400" cap="flat" cmpd="sng" algn="ctr">
-              <a:noFill/>
-              <a:prstDash val="solid"/>
-            </a:ln>
-            <a:effectLst/>
-          </p:spPr>
-        </p:sp>
-        <p:sp>
-          <p:nvSpPr>
-            <p:cNvPr id="10" name="Oval 9"/>
-            <p:cNvSpPr/>
-            <p:nvPr/>
-          </p:nvSpPr>
-          <p:spPr>
-            <a:xfrm>
-              <a:off x="11396488" y="6230844"/>
-              <a:ext cx="478576" cy="478578"/>
-            </a:xfrm>
-            <a:prstGeom prst="ellipse">
-              <a:avLst/>
-            </a:prstGeom>
-            <a:noFill/>
-            <a:ln w="12700" cap="flat" cmpd="sng" algn="ctr">
-              <a:solidFill>
-                <a:sysClr val="window" lastClr="FFFFFF"/>
-              </a:solidFill>
-              <a:prstDash val="solid"/>
-            </a:ln>
-            <a:effectLst/>
-          </p:spPr>
-        </p:sp>
-      </p:grpSp>
+      <p:sp>
+        <p:nvSpPr>
+          <p:cNvPr id="6" name="Footer Placeholder 5"/>
+          <p:cNvSpPr>
+            <a:spLocks noGrp="1"/>
+          </p:cNvSpPr>
+          <p:nvPr>
+            <p:ph type="ftr" sz="quarter" idx="11"/>
+          </p:nvPr>
+        </p:nvSpPr>
+        <p:spPr/>
+        <p:txBody>
+          <a:bodyPr/>
+          <a:lstStyle/>
+          <a:p>
+            <a:endParaRPr lang="en-US" dirty="0"/>
+          </a:p>
+        </p:txBody>
+      </p:sp>
       <p:sp>
         <p:nvSpPr>
           <p:cNvPr id="7" name="Slide Number Placeholder 6"/>
@@ -3984,7 +5727,7 @@
     </p:spTree>
     <p:extLst>
       <p:ext uri="{BB962C8B-B14F-4D97-AF65-F5344CB8AC3E}">
-        <p14:creationId xmlns:p14="http://schemas.microsoft.com/office/powerpoint/2010/main" val="321481221"/>
+        <p14:creationId xmlns:p14="http://schemas.microsoft.com/office/powerpoint/2010/main" val="2103642556"/>
       </p:ext>
     </p:extLst>
   </p:cSld>
@@ -3998,7 +5741,7 @@
 <p:sldMaster xmlns:a="http://schemas.openxmlformats.org/drawingml/2006/main" xmlns:r="http://schemas.openxmlformats.org/officeDocument/2006/relationships" xmlns:p="http://schemas.openxmlformats.org/presentationml/2006/main">
   <p:cSld>
     <p:bg>
-      <p:bgRef idx="1001">
+      <p:bgRef idx="1003">
         <a:schemeClr val="bg1"/>
       </p:bgRef>
     </p:bg>
@@ -4016,589 +5759,696 @@
           <a:chExt cx="0" cy="0"/>
         </a:xfrm>
       </p:grpSpPr>
-      <p:sp>
-        <p:nvSpPr>
-          <p:cNvPr id="2" name="Title Placeholder 1"/>
-          <p:cNvSpPr>
-            <a:spLocks noGrp="1"/>
-          </p:cNvSpPr>
-          <p:nvPr>
-            <p:ph type="title"/>
-          </p:nvPr>
-        </p:nvSpPr>
-        <p:spPr>
-          <a:xfrm>
-            <a:off x="1069848" y="484632"/>
-            <a:ext cx="10058400" cy="1609344"/>
-          </a:xfrm>
-          <a:prstGeom prst="rect">
-            <a:avLst/>
-          </a:prstGeom>
-        </p:spPr>
-        <p:txBody>
-          <a:bodyPr vert="horz" lIns="91440" tIns="45720" rIns="91440" bIns="45720" rtlCol="0" anchor="ctr">
-            <a:normAutofit/>
-          </a:bodyPr>
-          <a:lstStyle/>
-          <a:p>
-            <a:r>
-              <a:rPr lang="en-US" smtClean="0"/>
-              <a:t>Click to edit Master title style</a:t>
-            </a:r>
-            <a:endParaRPr lang="en-US" dirty="0"/>
-          </a:p>
-        </p:txBody>
-      </p:sp>
-      <p:sp>
-        <p:nvSpPr>
-          <p:cNvPr id="3" name="Text Placeholder 2"/>
-          <p:cNvSpPr>
-            <a:spLocks noGrp="1"/>
-          </p:cNvSpPr>
-          <p:nvPr>
-            <p:ph type="body" idx="1"/>
-          </p:nvPr>
-        </p:nvSpPr>
-        <p:spPr>
-          <a:xfrm>
-            <a:off x="1069848" y="2121408"/>
-            <a:ext cx="10058400" cy="4050792"/>
-          </a:xfrm>
-          <a:prstGeom prst="rect">
-            <a:avLst/>
-          </a:prstGeom>
-        </p:spPr>
-        <p:txBody>
-          <a:bodyPr vert="horz" lIns="91440" tIns="45720" rIns="91440" bIns="45720" rtlCol="0">
-            <a:normAutofit/>
-          </a:bodyPr>
-          <a:lstStyle/>
-          <a:p>
-            <a:pPr lvl="0"/>
-            <a:r>
-              <a:rPr lang="en-US" smtClean="0"/>
-              <a:t>Click to edit Master text styles</a:t>
-            </a:r>
-          </a:p>
-          <a:p>
-            <a:pPr lvl="1"/>
-            <a:r>
-              <a:rPr lang="en-US" smtClean="0"/>
-              <a:t>Second level</a:t>
-            </a:r>
-          </a:p>
-          <a:p>
-            <a:pPr lvl="2"/>
-            <a:r>
-              <a:rPr lang="en-US" smtClean="0"/>
-              <a:t>Third level</a:t>
-            </a:r>
-          </a:p>
-          <a:p>
-            <a:pPr lvl="3"/>
-            <a:r>
-              <a:rPr lang="en-US" smtClean="0"/>
-              <a:t>Fourth level</a:t>
-            </a:r>
-          </a:p>
-          <a:p>
-            <a:pPr lvl="4"/>
-            <a:r>
-              <a:rPr lang="en-US" smtClean="0"/>
-              <a:t>Fifth level</a:t>
-            </a:r>
-            <a:endParaRPr lang="en-US" dirty="0"/>
-          </a:p>
-        </p:txBody>
-      </p:sp>
-      <p:sp>
-        <p:nvSpPr>
-          <p:cNvPr id="4" name="Date Placeholder 3"/>
-          <p:cNvSpPr>
-            <a:spLocks noGrp="1"/>
-          </p:cNvSpPr>
-          <p:nvPr>
-            <p:ph type="dt" sz="half" idx="2"/>
-          </p:nvPr>
-        </p:nvSpPr>
-        <p:spPr>
-          <a:xfrm>
-            <a:off x="7964424" y="6272784"/>
-            <a:ext cx="3273552" cy="365125"/>
-          </a:xfrm>
-          <a:prstGeom prst="rect">
-            <a:avLst/>
-          </a:prstGeom>
-        </p:spPr>
-        <p:txBody>
-          <a:bodyPr vert="horz" lIns="91440" tIns="45720" rIns="91440" bIns="45720" rtlCol="0" anchor="ctr"/>
-          <a:lstStyle>
-            <a:lvl1pPr algn="r">
-              <a:defRPr sz="1100">
-                <a:solidFill>
-                  <a:schemeClr val="tx2"/>
-                </a:solidFill>
-              </a:defRPr>
-            </a:lvl1pPr>
-          </a:lstStyle>
-          <a:p>
-            <a:fld id="{760FBDFE-C587-4B4C-A407-44438C67B59E}" type="datetimeFigureOut">
-              <a:rPr lang="zh-CN" altLang="en-US" smtClean="0"/>
-              <a:t>2019/12/19</a:t>
-            </a:fld>
-            <a:endParaRPr lang="zh-CN" altLang="en-US"/>
-          </a:p>
-        </p:txBody>
-      </p:sp>
-      <p:sp>
-        <p:nvSpPr>
-          <p:cNvPr id="5" name="Footer Placeholder 4"/>
-          <p:cNvSpPr>
-            <a:spLocks noGrp="1"/>
-          </p:cNvSpPr>
-          <p:nvPr>
-            <p:ph type="ftr" sz="quarter" idx="3"/>
-          </p:nvPr>
-        </p:nvSpPr>
-        <p:spPr>
-          <a:xfrm>
-            <a:off x="1088136" y="6272784"/>
-            <a:ext cx="6327648" cy="365125"/>
-          </a:xfrm>
-          <a:prstGeom prst="rect">
-            <a:avLst/>
-          </a:prstGeom>
-        </p:spPr>
-        <p:txBody>
-          <a:bodyPr vert="horz" lIns="91440" tIns="45720" rIns="91440" bIns="45720" rtlCol="0" anchor="ctr"/>
-          <a:lstStyle>
-            <a:lvl1pPr algn="l">
-              <a:defRPr sz="1100">
-                <a:solidFill>
-                  <a:schemeClr val="tx2"/>
-                </a:solidFill>
-              </a:defRPr>
-            </a:lvl1pPr>
-          </a:lstStyle>
-          <a:p>
-            <a:endParaRPr lang="zh-CN" altLang="en-US"/>
-          </a:p>
-        </p:txBody>
-      </p:sp>
       <p:grpSp>
         <p:nvGrpSpPr>
           <p:cNvPr id="7" name="Group 6"/>
-          <p:cNvGrpSpPr>
-            <a:grpSpLocks noChangeAspect="1"/>
-          </p:cNvGrpSpPr>
+          <p:cNvGrpSpPr/>
           <p:nvPr/>
         </p:nvGrpSpPr>
         <p:grpSpPr>
           <a:xfrm>
-            <a:off x="11401725" y="6229681"/>
-            <a:ext cx="457200" cy="457200"/>
-            <a:chOff x="11361456" y="6195813"/>
-            <a:chExt cx="548640" cy="548640"/>
+            <a:off x="-15736" y="0"/>
+            <a:ext cx="12229962" cy="6856214"/>
+            <a:chOff x="-15736" y="0"/>
+            <a:chExt cx="12229962" cy="6856214"/>
           </a:xfrm>
         </p:grpSpPr>
-        <p:sp>
-          <p:nvSpPr>
-            <p:cNvPr id="8" name="Oval 7"/>
-            <p:cNvSpPr/>
+        <p:pic>
+          <p:nvPicPr>
+            <p:cNvPr id="8" name="Picture 7" descr="HD-PanelContent.png"/>
+            <p:cNvPicPr>
+              <a:picLocks noChangeAspect="1"/>
+            </p:cNvPicPr>
             <p:nvPr/>
-          </p:nvSpPr>
-          <p:spPr>
-            <a:xfrm>
-              <a:off x="11361456" y="6195813"/>
-              <a:ext cx="548640" cy="548640"/>
-            </a:xfrm>
-            <a:prstGeom prst="ellipse">
-              <a:avLst/>
-            </a:prstGeom>
-            <a:blipFill dpi="0" rotWithShape="1">
-              <a:blip r:embed="rId14">
-                <a:duotone>
-                  <a:schemeClr val="accent1">
-                    <a:shade val="45000"/>
-                    <a:satMod val="135000"/>
-                  </a:schemeClr>
-                  <a:prstClr val="white"/>
-                </a:duotone>
-                <a:extLst>
-                  <a:ext uri="{BEBA8EAE-BF5A-486C-A8C5-ECC9F3942E4B}">
-                    <a14:imgProps xmlns:a14="http://schemas.microsoft.com/office/drawing/2010/main">
-                      <a14:imgLayer r:embed="rId15">
-                        <a14:imgEffect>
-                          <a14:saturation sat="95000"/>
-                        </a14:imgEffect>
-                        <a14:imgEffect>
-                          <a14:brightnessContrast bright="-40000" contrast="20000"/>
-                        </a14:imgEffect>
-                      </a14:imgLayer>
-                    </a14:imgProps>
-                  </a:ext>
-                </a:extLst>
-              </a:blip>
-              <a:srcRect/>
-              <a:tile tx="50800" ty="0" sx="85000" sy="85000" flip="none" algn="tl"/>
-            </a:blipFill>
-            <a:ln w="25400" cap="flat" cmpd="sng" algn="ctr">
-              <a:noFill/>
-              <a:prstDash val="solid"/>
-            </a:ln>
-            <a:effectLst/>
-          </p:spPr>
-        </p:sp>
-        <p:sp>
-          <p:nvSpPr>
-            <p:cNvPr id="9" name="Oval 8"/>
-            <p:cNvSpPr/>
-            <p:nvPr/>
-          </p:nvSpPr>
-          <p:spPr>
-            <a:xfrm>
-              <a:off x="11396488" y="6230844"/>
-              <a:ext cx="478576" cy="478578"/>
-            </a:xfrm>
-            <a:prstGeom prst="ellipse">
-              <a:avLst/>
-            </a:prstGeom>
-            <a:noFill/>
-            <a:ln w="12700" cap="flat" cmpd="sng" algn="ctr">
-              <a:solidFill>
-                <a:srgbClr val="FFFFFF"/>
-              </a:solidFill>
-              <a:prstDash val="solid"/>
-            </a:ln>
-            <a:effectLst/>
-          </p:spPr>
-        </p:sp>
-      </p:grpSp>
-      <p:sp>
-        <p:nvSpPr>
-          <p:cNvPr id="6" name="Slide Number Placeholder 5"/>
-          <p:cNvSpPr>
-            <a:spLocks noGrp="1"/>
-          </p:cNvSpPr>
-          <p:nvPr>
-            <p:ph type="sldNum" sz="quarter" idx="4"/>
-          </p:nvPr>
-        </p:nvSpPr>
-        <p:spPr>
-          <a:xfrm>
-            <a:off x="11311128" y="6272784"/>
-            <a:ext cx="640080" cy="365125"/>
-          </a:xfrm>
-          <a:prstGeom prst="rect">
-            <a:avLst/>
-          </a:prstGeom>
-        </p:spPr>
-        <p:txBody>
-          <a:bodyPr vert="horz" lIns="91440" tIns="45720" rIns="91440" bIns="45720" rtlCol="0" anchor="ctr"/>
-          <a:lstStyle>
-            <a:lvl1pPr algn="ctr">
-              <a:defRPr sz="1400" b="1">
-                <a:solidFill>
-                  <a:srgbClr val="FFFFFF"/>
-                </a:solidFill>
-                <a:latin typeface="+mj-lt"/>
-              </a:defRPr>
-            </a:lvl1pPr>
-          </a:lstStyle>
-          <a:p>
-            <a:fld id="{49AE70B2-8BF9-45C0-BB95-33D1B9D3A854}" type="slidenum">
-              <a:rPr lang="zh-CN" altLang="en-US" smtClean="0"/>
-              <a:t>‹#›</a:t>
-            </a:fld>
-            <a:endParaRPr lang="zh-CN" altLang="en-US"/>
-          </a:p>
-        </p:txBody>
-      </p:sp>
-    </p:spTree>
-    <p:extLst>
-      <p:ext uri="{BB962C8B-B14F-4D97-AF65-F5344CB8AC3E}">
-        <p14:creationId xmlns:p14="http://schemas.microsoft.com/office/powerpoint/2010/main" val="2527889035"/>
-      </p:ext>
-    </p:extLst>
-  </p:cSld>
-  <p:clrMap bg1="lt1" tx1="dk1" bg2="lt2" tx2="dk2" accent1="accent1" accent2="accent2" accent3="accent3" accent4="accent4" accent5="accent5" accent6="accent6" hlink="hlink" folHlink="folHlink"/>
-  <p:sldLayoutIdLst>
-    <p:sldLayoutId id="2147484142" r:id="rId1"/>
-    <p:sldLayoutId id="2147484143" r:id="rId2"/>
-    <p:sldLayoutId id="2147484144" r:id="rId3"/>
-    <p:sldLayoutId id="2147484145" r:id="rId4"/>
-    <p:sldLayoutId id="2147484146" r:id="rId5"/>
-    <p:sldLayoutId id="2147484147" r:id="rId6"/>
-    <p:sldLayoutId id="2147484148" r:id="rId7"/>
-    <p:sldLayoutId id="2147484149" r:id="rId8"/>
-    <p:sldLayoutId id="2147484150" r:id="rId9"/>
-    <p:sldLayoutId id="2147484151" r:id="rId10"/>
-    <p:sldLayoutId id="2147484152" r:id="rId11"/>
-    <p:sldLayoutId id="2147484153" r:id="rId12"/>
-  </p:sldLayoutIdLst>
-  <p:txStyles>
-    <p:titleStyle>
-      <a:lvl1pPr algn="l" defTabSz="914400" rtl="0" eaLnBrk="1" latinLnBrk="0" hangingPunct="1">
-        <a:lnSpc>
-          <a:spcPct val="90000"/>
-        </a:lnSpc>
-        <a:spcBef>
-          <a:spcPct val="0"/>
-        </a:spcBef>
-        <a:buNone/>
-        <a:defRPr sz="5400" kern="1200" cap="all" baseline="0">
-          <a:blipFill>
-            <a:blip r:embed="rId16">
+          </p:nvPicPr>
+          <p:blipFill>
+            <a:blip r:embed="rId20">
               <a:extLst>
                 <a:ext uri="{28A0092B-C50C-407E-A947-70E740481C1C}">
                   <a14:useLocalDpi xmlns:a14="http://schemas.microsoft.com/office/drawing/2010/main" val="0"/>
                 </a:ext>
               </a:extLst>
             </a:blip>
-            <a:tile tx="6350" ty="-127000" sx="65000" sy="64000" flip="none" algn="tl"/>
-          </a:blipFill>
+            <a:stretch>
+              <a:fillRect/>
+            </a:stretch>
+          </p:blipFill>
+          <p:spPr>
+            <a:xfrm>
+              <a:off x="0" y="0"/>
+              <a:ext cx="12188825" cy="6856214"/>
+            </a:xfrm>
+            <a:prstGeom prst="rect">
+              <a:avLst/>
+            </a:prstGeom>
+          </p:spPr>
+        </p:pic>
+        <p:sp>
+          <p:nvSpPr>
+            <p:cNvPr id="9" name="Rectangle 8"/>
+            <p:cNvSpPr/>
+            <p:nvPr/>
+          </p:nvSpPr>
+          <p:spPr>
+            <a:xfrm>
+              <a:off x="608012" y="609600"/>
+              <a:ext cx="10972800" cy="5638800"/>
+            </a:xfrm>
+            <a:prstGeom prst="rect">
+              <a:avLst/>
+            </a:prstGeom>
+            <a:noFill/>
+            <a:ln w="15875" cap="flat">
+              <a:miter lim="800000"/>
+            </a:ln>
+          </p:spPr>
+          <p:style>
+            <a:lnRef idx="1">
+              <a:schemeClr val="accent1"/>
+            </a:lnRef>
+            <a:fillRef idx="3">
+              <a:schemeClr val="accent1"/>
+            </a:fillRef>
+            <a:effectRef idx="2">
+              <a:schemeClr val="accent1"/>
+            </a:effectRef>
+            <a:fontRef idx="minor">
+              <a:schemeClr val="lt1"/>
+            </a:fontRef>
+          </p:style>
+        </p:sp>
+        <p:pic>
+          <p:nvPicPr>
+            <p:cNvPr id="10" name="Picture 9" descr="HDRibbonContent-UniformTrim.png"/>
+            <p:cNvPicPr>
+              <a:picLocks noChangeAspect="1"/>
+            </p:cNvPicPr>
+            <p:nvPr/>
+          </p:nvPicPr>
+          <p:blipFill rotWithShape="1">
+            <a:blip r:embed="rId21">
+              <a:extLst>
+                <a:ext uri="{28A0092B-C50C-407E-A947-70E740481C1C}">
+                  <a14:useLocalDpi xmlns:a14="http://schemas.microsoft.com/office/drawing/2010/main" val="0"/>
+                </a:ext>
+              </a:extLst>
+            </a:blip>
+            <a:srcRect/>
+            <a:stretch/>
+          </p:blipFill>
+          <p:spPr>
+            <a:xfrm>
+              <a:off x="-15736" y="3153832"/>
+              <a:ext cx="777240" cy="606425"/>
+            </a:xfrm>
+            <a:prstGeom prst="rect">
+              <a:avLst/>
+            </a:prstGeom>
+          </p:spPr>
+        </p:pic>
+        <p:pic>
+          <p:nvPicPr>
+            <p:cNvPr id="11" name="Picture 10" descr="HDRibbonContent-UniformTrim.png"/>
+            <p:cNvPicPr>
+              <a:picLocks noChangeAspect="1"/>
+            </p:cNvPicPr>
+            <p:nvPr/>
+          </p:nvPicPr>
+          <p:blipFill rotWithShape="1">
+            <a:blip r:embed="rId21">
+              <a:extLst>
+                <a:ext uri="{28A0092B-C50C-407E-A947-70E740481C1C}">
+                  <a14:useLocalDpi xmlns:a14="http://schemas.microsoft.com/office/drawing/2010/main" val="0"/>
+                </a:ext>
+              </a:extLst>
+            </a:blip>
+            <a:srcRect/>
+            <a:stretch/>
+          </p:blipFill>
+          <p:spPr>
+            <a:xfrm>
+              <a:off x="11436986" y="3153832"/>
+              <a:ext cx="777240" cy="606425"/>
+            </a:xfrm>
+            <a:prstGeom prst="rect">
+              <a:avLst/>
+            </a:prstGeom>
+          </p:spPr>
+        </p:pic>
+      </p:grpSp>
+      <p:sp>
+        <p:nvSpPr>
+          <p:cNvPr id="2" name="Title Placeholder 1"/>
+          <p:cNvSpPr>
+            <a:spLocks noGrp="1"/>
+          </p:cNvSpPr>
+          <p:nvPr>
+            <p:ph type="title"/>
+          </p:nvPr>
+        </p:nvSpPr>
+        <p:spPr>
+          <a:xfrm>
+            <a:off x="1295402" y="982132"/>
+            <a:ext cx="9601196" cy="1303867"/>
+          </a:xfrm>
+          <a:prstGeom prst="rect">
+            <a:avLst/>
+          </a:prstGeom>
+          <a:effectLst/>
+        </p:spPr>
+        <p:txBody>
+          <a:bodyPr vert="horz" lIns="91440" tIns="45720" rIns="91440" bIns="45720" rtlCol="0" anchor="ctr">
+            <a:normAutofit/>
+          </a:bodyPr>
+          <a:lstStyle/>
+          <a:p>
+            <a:r>
+              <a:rPr lang="en-US" smtClean="0"/>
+              <a:t>Click to edit Master title style</a:t>
+            </a:r>
+            <a:endParaRPr lang="en-US" dirty="0"/>
+          </a:p>
+        </p:txBody>
+      </p:sp>
+      <p:sp>
+        <p:nvSpPr>
+          <p:cNvPr id="3" name="Text Placeholder 2"/>
+          <p:cNvSpPr>
+            <a:spLocks noGrp="1"/>
+          </p:cNvSpPr>
+          <p:nvPr>
+            <p:ph type="body" idx="1"/>
+          </p:nvPr>
+        </p:nvSpPr>
+        <p:spPr>
+          <a:xfrm>
+            <a:off x="1295401" y="2556932"/>
+            <a:ext cx="9601196" cy="3318936"/>
+          </a:xfrm>
+          <a:prstGeom prst="rect">
+            <a:avLst/>
+          </a:prstGeom>
+        </p:spPr>
+        <p:txBody>
+          <a:bodyPr vert="horz" lIns="91440" tIns="45720" rIns="91440" bIns="45720" rtlCol="0" anchor="t">
+            <a:normAutofit/>
+          </a:bodyPr>
+          <a:lstStyle/>
+          <a:p>
+            <a:pPr lvl="0"/>
+            <a:r>
+              <a:rPr lang="en-US" smtClean="0"/>
+              <a:t>Click to edit Master text styles</a:t>
+            </a:r>
+          </a:p>
+          <a:p>
+            <a:pPr lvl="1"/>
+            <a:r>
+              <a:rPr lang="en-US" smtClean="0"/>
+              <a:t>Second level</a:t>
+            </a:r>
+          </a:p>
+          <a:p>
+            <a:pPr lvl="2"/>
+            <a:r>
+              <a:rPr lang="en-US" smtClean="0"/>
+              <a:t>Third level</a:t>
+            </a:r>
+          </a:p>
+          <a:p>
+            <a:pPr lvl="3"/>
+            <a:r>
+              <a:rPr lang="en-US" smtClean="0"/>
+              <a:t>Fourth level</a:t>
+            </a:r>
+          </a:p>
+          <a:p>
+            <a:pPr lvl="4"/>
+            <a:r>
+              <a:rPr lang="en-US" smtClean="0"/>
+              <a:t>Fifth level</a:t>
+            </a:r>
+            <a:endParaRPr lang="en-US" dirty="0"/>
+          </a:p>
+        </p:txBody>
+      </p:sp>
+      <p:sp>
+        <p:nvSpPr>
+          <p:cNvPr id="4" name="Date Placeholder 3"/>
+          <p:cNvSpPr>
+            <a:spLocks noGrp="1"/>
+          </p:cNvSpPr>
+          <p:nvPr>
+            <p:ph type="dt" sz="half" idx="2"/>
+          </p:nvPr>
+        </p:nvSpPr>
+        <p:spPr>
+          <a:xfrm>
+            <a:off x="8677501" y="5969000"/>
+            <a:ext cx="1600200" cy="279400"/>
+          </a:xfrm>
+          <a:prstGeom prst="rect">
+            <a:avLst/>
+          </a:prstGeom>
+        </p:spPr>
+        <p:txBody>
+          <a:bodyPr vert="horz" lIns="91440" tIns="45720" rIns="91440" bIns="45720" rtlCol="0" anchor="ctr"/>
+          <a:lstStyle>
+            <a:lvl1pPr algn="r">
+              <a:defRPr sz="1000" b="0" i="0">
+                <a:solidFill>
+                  <a:schemeClr val="tx1"/>
+                </a:solidFill>
+                <a:effectLst/>
+                <a:latin typeface="+mn-lt"/>
+              </a:defRPr>
+            </a:lvl1pPr>
+          </a:lstStyle>
+          <a:p>
+            <a:fld id="{760FBDFE-C587-4B4C-A407-44438C67B59E}" type="datetimeFigureOut">
+              <a:rPr lang="zh-CN" altLang="en-US" smtClean="0"/>
+              <a:t>2019/12/20</a:t>
+            </a:fld>
+            <a:endParaRPr lang="zh-CN" altLang="en-US"/>
+          </a:p>
+        </p:txBody>
+      </p:sp>
+      <p:sp>
+        <p:nvSpPr>
+          <p:cNvPr id="5" name="Footer Placeholder 4"/>
+          <p:cNvSpPr>
+            <a:spLocks noGrp="1"/>
+          </p:cNvSpPr>
+          <p:nvPr>
+            <p:ph type="ftr" sz="quarter" idx="3"/>
+          </p:nvPr>
+        </p:nvSpPr>
+        <p:spPr>
+          <a:xfrm>
+            <a:off x="1295401" y="5969000"/>
+            <a:ext cx="7305900" cy="279400"/>
+          </a:xfrm>
+          <a:prstGeom prst="rect">
+            <a:avLst/>
+          </a:prstGeom>
+        </p:spPr>
+        <p:txBody>
+          <a:bodyPr vert="horz" lIns="91440" tIns="45720" rIns="91440" bIns="45720" rtlCol="0" anchor="ctr"/>
+          <a:lstStyle>
+            <a:lvl1pPr algn="l">
+              <a:defRPr sz="1000" b="0" i="0">
+                <a:solidFill>
+                  <a:schemeClr val="tx1"/>
+                </a:solidFill>
+                <a:effectLst/>
+                <a:latin typeface="+mn-lt"/>
+              </a:defRPr>
+            </a:lvl1pPr>
+          </a:lstStyle>
+          <a:p>
+            <a:endParaRPr lang="zh-CN" altLang="en-US"/>
+          </a:p>
+        </p:txBody>
+      </p:sp>
+      <p:sp>
+        <p:nvSpPr>
+          <p:cNvPr id="6" name="Slide Number Placeholder 5"/>
+          <p:cNvSpPr>
+            <a:spLocks noGrp="1"/>
+          </p:cNvSpPr>
+          <p:nvPr>
+            <p:ph type="sldNum" sz="quarter" idx="4"/>
+          </p:nvPr>
+        </p:nvSpPr>
+        <p:spPr>
+          <a:xfrm>
+            <a:off x="10353901" y="5969000"/>
+            <a:ext cx="542697" cy="279400"/>
+          </a:xfrm>
+          <a:prstGeom prst="rect">
+            <a:avLst/>
+          </a:prstGeom>
+        </p:spPr>
+        <p:txBody>
+          <a:bodyPr vert="horz" lIns="91440" tIns="45720" rIns="91440" bIns="45720" rtlCol="0" anchor="ctr"/>
+          <a:lstStyle>
+            <a:lvl1pPr algn="r">
+              <a:defRPr sz="1000" b="0" i="0">
+                <a:solidFill>
+                  <a:schemeClr val="tx1"/>
+                </a:solidFill>
+                <a:effectLst/>
+                <a:latin typeface="+mn-lt"/>
+              </a:defRPr>
+            </a:lvl1pPr>
+          </a:lstStyle>
+          <a:p>
+            <a:fld id="{49AE70B2-8BF9-45C0-BB95-33D1B9D3A854}" type="slidenum">
+              <a:rPr lang="zh-CN" altLang="en-US" smtClean="0"/>
+              <a:t>‹#›</a:t>
+            </a:fld>
+            <a:endParaRPr lang="zh-CN" altLang="en-US"/>
+          </a:p>
+        </p:txBody>
+      </p:sp>
+    </p:spTree>
+    <p:extLst>
+      <p:ext uri="{BB962C8B-B14F-4D97-AF65-F5344CB8AC3E}">
+        <p14:creationId xmlns:p14="http://schemas.microsoft.com/office/powerpoint/2010/main" val="3254838632"/>
+      </p:ext>
+    </p:extLst>
+  </p:cSld>
+  <p:clrMap bg1="lt1" tx1="dk1" bg2="lt2" tx2="dk2" accent1="accent1" accent2="accent2" accent3="accent3" accent4="accent4" accent5="accent5" accent6="accent6" hlink="hlink" folHlink="folHlink"/>
+  <p:sldLayoutIdLst>
+    <p:sldLayoutId id="2147484155" r:id="rId1"/>
+    <p:sldLayoutId id="2147484156" r:id="rId2"/>
+    <p:sldLayoutId id="2147484157" r:id="rId3"/>
+    <p:sldLayoutId id="2147484158" r:id="rId4"/>
+    <p:sldLayoutId id="2147484159" r:id="rId5"/>
+    <p:sldLayoutId id="2147484160" r:id="rId6"/>
+    <p:sldLayoutId id="2147484161" r:id="rId7"/>
+    <p:sldLayoutId id="2147484162" r:id="rId8"/>
+    <p:sldLayoutId id="2147484163" r:id="rId9"/>
+    <p:sldLayoutId id="2147484164" r:id="rId10"/>
+    <p:sldLayoutId id="2147484165" r:id="rId11"/>
+    <p:sldLayoutId id="2147484166" r:id="rId12"/>
+    <p:sldLayoutId id="2147484167" r:id="rId13"/>
+    <p:sldLayoutId id="2147484168" r:id="rId14"/>
+    <p:sldLayoutId id="2147484169" r:id="rId15"/>
+    <p:sldLayoutId id="2147484170" r:id="rId16"/>
+    <p:sldLayoutId id="2147484171" r:id="rId17"/>
+    <p:sldLayoutId id="2147484172" r:id="rId18"/>
+  </p:sldLayoutIdLst>
+  <p:txStyles>
+    <p:titleStyle>
+      <a:lvl1pPr algn="ctr" defTabSz="457200" rtl="0" eaLnBrk="1" latinLnBrk="0" hangingPunct="1">
+        <a:spcBef>
+          <a:spcPct val="0"/>
+        </a:spcBef>
+        <a:buNone/>
+        <a:defRPr sz="4400" kern="1200" cap="none">
+          <a:ln w="3175" cmpd="sng">
+            <a:noFill/>
+          </a:ln>
+          <a:solidFill>
+            <a:schemeClr val="tx1">
+              <a:lumMod val="85000"/>
+              <a:lumOff val="15000"/>
+            </a:schemeClr>
+          </a:solidFill>
+          <a:effectLst/>
           <a:latin typeface="+mj-lt"/>
           <a:ea typeface="+mj-ea"/>
           <a:cs typeface="+mj-cs"/>
         </a:defRPr>
       </a:lvl1pPr>
+      <a:lvl2pPr eaLnBrk="1" hangingPunct="1">
+        <a:defRPr>
+          <a:solidFill>
+            <a:schemeClr val="tx2"/>
+          </a:solidFill>
+        </a:defRPr>
+      </a:lvl2pPr>
+      <a:lvl3pPr eaLnBrk="1" hangingPunct="1">
+        <a:defRPr>
+          <a:solidFill>
+            <a:schemeClr val="tx2"/>
+          </a:solidFill>
+        </a:defRPr>
+      </a:lvl3pPr>
+      <a:lvl4pPr eaLnBrk="1" hangingPunct="1">
+        <a:defRPr>
+          <a:solidFill>
+            <a:schemeClr val="tx2"/>
+          </a:solidFill>
+        </a:defRPr>
+      </a:lvl4pPr>
+      <a:lvl5pPr eaLnBrk="1" hangingPunct="1">
+        <a:defRPr>
+          <a:solidFill>
+            <a:schemeClr val="tx2"/>
+          </a:solidFill>
+        </a:defRPr>
+      </a:lvl5pPr>
+      <a:lvl6pPr eaLnBrk="1" hangingPunct="1">
+        <a:defRPr>
+          <a:solidFill>
+            <a:schemeClr val="tx2"/>
+          </a:solidFill>
+        </a:defRPr>
+      </a:lvl6pPr>
+      <a:lvl7pPr eaLnBrk="1" hangingPunct="1">
+        <a:defRPr>
+          <a:solidFill>
+            <a:schemeClr val="tx2"/>
+          </a:solidFill>
+        </a:defRPr>
+      </a:lvl7pPr>
+      <a:lvl8pPr eaLnBrk="1" hangingPunct="1">
+        <a:defRPr>
+          <a:solidFill>
+            <a:schemeClr val="tx2"/>
+          </a:solidFill>
+        </a:defRPr>
+      </a:lvl8pPr>
+      <a:lvl9pPr eaLnBrk="1" hangingPunct="1">
+        <a:defRPr>
+          <a:solidFill>
+            <a:schemeClr val="tx2"/>
+          </a:solidFill>
+        </a:defRPr>
+      </a:lvl9pPr>
     </p:titleStyle>
     <p:bodyStyle>
-      <a:lvl1pPr marL="182880" indent="-182880" algn="l" defTabSz="914400" rtl="0" eaLnBrk="1" latinLnBrk="0" hangingPunct="1">
-        <a:lnSpc>
-          <a:spcPct val="90000"/>
-        </a:lnSpc>
+      <a:lvl1pPr marL="285750" indent="-285750" algn="l" defTabSz="457200" rtl="0" eaLnBrk="1" latinLnBrk="0" hangingPunct="1">
         <a:spcBef>
-          <a:spcPts val="1200"/>
+          <a:spcPct val="20000"/>
         </a:spcBef>
+        <a:spcAft>
+          <a:spcPts val="600"/>
+        </a:spcAft>
         <a:buClr>
-          <a:schemeClr val="accent1">
-            <a:lumMod val="75000"/>
-          </a:schemeClr>
+          <a:schemeClr val="accent1"/>
         </a:buClr>
-        <a:buSzPct val="85000"/>
-        <a:buFont typeface="Wingdings" pitchFamily="2" charset="2"/>
-        <a:buChar char="§"/>
-        <a:defRPr sz="2000" kern="1200">
+        <a:buSzPct val="115000"/>
+        <a:buFont typeface="Arial"/>
+        <a:buChar char="•"/>
+        <a:defRPr sz="2400" kern="1200" cap="none">
           <a:solidFill>
-            <a:schemeClr val="tx1"/>
+            <a:schemeClr val="tx1">
+              <a:lumMod val="85000"/>
+              <a:lumOff val="15000"/>
+            </a:schemeClr>
           </a:solidFill>
+          <a:effectLst/>
           <a:latin typeface="+mn-lt"/>
           <a:ea typeface="+mn-ea"/>
           <a:cs typeface="+mn-cs"/>
         </a:defRPr>
       </a:lvl1pPr>
-      <a:lvl2pPr marL="457200" indent="-182880" algn="l" defTabSz="914400" rtl="0" eaLnBrk="1" latinLnBrk="0" hangingPunct="1">
-        <a:lnSpc>
-          <a:spcPct val="90000"/>
-        </a:lnSpc>
+      <a:lvl2pPr marL="742950" indent="-285750" algn="l" defTabSz="457200" rtl="0" eaLnBrk="1" latinLnBrk="0" hangingPunct="1">
         <a:spcBef>
-          <a:spcPts val="400"/>
+          <a:spcPct val="20000"/>
         </a:spcBef>
         <a:spcAft>
-          <a:spcPts val="200"/>
+          <a:spcPts val="600"/>
         </a:spcAft>
         <a:buClr>
-          <a:schemeClr val="accent1">
-            <a:lumMod val="75000"/>
-          </a:schemeClr>
+          <a:schemeClr val="accent1"/>
         </a:buClr>
-        <a:buSzPct val="85000"/>
-        <a:buFont typeface="Wingdings" pitchFamily="2" charset="2"/>
-        <a:buChar char="§"/>
-        <a:defRPr sz="1800" kern="1200">
+        <a:buSzPct val="115000"/>
+        <a:buFont typeface="Arial"/>
+        <a:buChar char="•"/>
+        <a:defRPr sz="2000" kern="1200" cap="none">
           <a:solidFill>
-            <a:schemeClr val="tx1"/>
+            <a:schemeClr val="tx1">
+              <a:lumMod val="85000"/>
+              <a:lumOff val="15000"/>
+            </a:schemeClr>
           </a:solidFill>
+          <a:effectLst/>
           <a:latin typeface="+mn-lt"/>
           <a:ea typeface="+mn-ea"/>
           <a:cs typeface="+mn-cs"/>
         </a:defRPr>
       </a:lvl2pPr>
-      <a:lvl3pPr marL="731520" indent="-182880" algn="l" defTabSz="914400" rtl="0" eaLnBrk="1" latinLnBrk="0" hangingPunct="1">
-        <a:lnSpc>
-          <a:spcPct val="90000"/>
-        </a:lnSpc>
+      <a:lvl3pPr marL="1200150" indent="-285750" algn="l" defTabSz="457200" rtl="0" eaLnBrk="1" latinLnBrk="0" hangingPunct="1">
         <a:spcBef>
-          <a:spcPts val="400"/>
+          <a:spcPct val="20000"/>
         </a:spcBef>
         <a:spcAft>
-          <a:spcPts val="200"/>
+          <a:spcPts val="600"/>
         </a:spcAft>
         <a:buClr>
-          <a:schemeClr val="accent1">
-            <a:lumMod val="75000"/>
-          </a:schemeClr>
+          <a:schemeClr val="accent1"/>
         </a:buClr>
-        <a:buSzPct val="85000"/>
-        <a:buFont typeface="Wingdings" pitchFamily="2" charset="2"/>
-        <a:buChar char="§"/>
-        <a:defRPr sz="1600" kern="1200">
+        <a:buSzPct val="115000"/>
+        <a:buFont typeface="Arial"/>
+        <a:buChar char="•"/>
+        <a:defRPr sz="1800" kern="1200" cap="none">
           <a:solidFill>
-            <a:schemeClr val="tx1"/>
+            <a:schemeClr val="tx1">
+              <a:lumMod val="85000"/>
+              <a:lumOff val="15000"/>
+            </a:schemeClr>
           </a:solidFill>
+          <a:effectLst/>
           <a:latin typeface="+mn-lt"/>
           <a:ea typeface="+mn-ea"/>
           <a:cs typeface="+mn-cs"/>
         </a:defRPr>
       </a:lvl3pPr>
-      <a:lvl4pPr marL="1005840" indent="-182880" algn="l" defTabSz="914400" rtl="0" eaLnBrk="1" latinLnBrk="0" hangingPunct="1">
-        <a:lnSpc>
-          <a:spcPct val="90000"/>
-        </a:lnSpc>
+      <a:lvl4pPr marL="1543050" indent="-171450" algn="l" defTabSz="457200" rtl="0" eaLnBrk="1" latinLnBrk="0" hangingPunct="1">
         <a:spcBef>
-          <a:spcPts val="400"/>
+          <a:spcPct val="20000"/>
         </a:spcBef>
         <a:spcAft>
-          <a:spcPts val="200"/>
+          <a:spcPts val="600"/>
         </a:spcAft>
         <a:buClr>
-          <a:schemeClr val="accent1">
-            <a:lumMod val="75000"/>
-          </a:schemeClr>
+          <a:schemeClr val="accent1"/>
         </a:buClr>
-        <a:buSzPct val="85000"/>
-        <a:buFont typeface="Wingdings" pitchFamily="2" charset="2"/>
-        <a:buChar char="§"/>
-        <a:defRPr sz="1600" kern="1200">
+        <a:buSzPct val="115000"/>
+        <a:buFont typeface="Arial"/>
+        <a:buChar char="•"/>
+        <a:defRPr sz="1600" kern="1200" cap="none">
           <a:solidFill>
-            <a:schemeClr val="tx1"/>
+            <a:schemeClr val="tx1">
+              <a:lumMod val="85000"/>
+              <a:lumOff val="15000"/>
+            </a:schemeClr>
           </a:solidFill>
+          <a:effectLst/>
           <a:latin typeface="+mn-lt"/>
           <a:ea typeface="+mn-ea"/>
           <a:cs typeface="+mn-cs"/>
         </a:defRPr>
       </a:lvl4pPr>
-      <a:lvl5pPr marL="1280160" indent="-182880" algn="l" defTabSz="914400" rtl="0" eaLnBrk="1" latinLnBrk="0" hangingPunct="1">
-        <a:lnSpc>
-          <a:spcPct val="90000"/>
-        </a:lnSpc>
+      <a:lvl5pPr marL="2000250" indent="-171450" algn="l" defTabSz="457200" rtl="0" eaLnBrk="1" latinLnBrk="0" hangingPunct="1">
         <a:spcBef>
-          <a:spcPts val="400"/>
+          <a:spcPct val="20000"/>
         </a:spcBef>
         <a:spcAft>
-          <a:spcPts val="200"/>
+          <a:spcPts val="600"/>
         </a:spcAft>
         <a:buClr>
-          <a:schemeClr val="accent1">
-            <a:lumMod val="75000"/>
-          </a:schemeClr>
+          <a:schemeClr val="accent1"/>
         </a:buClr>
-        <a:buSzPct val="85000"/>
-        <a:buFont typeface="Wingdings" pitchFamily="2" charset="2"/>
-        <a:buChar char="§"/>
-        <a:defRPr sz="1600" kern="1200">
+        <a:buSzPct val="115000"/>
+        <a:buFont typeface="Arial"/>
+        <a:buChar char="•"/>
+        <a:defRPr sz="1400" kern="1200" cap="none">
           <a:solidFill>
-            <a:schemeClr val="tx1"/>
+            <a:schemeClr val="tx1">
+              <a:lumMod val="85000"/>
+              <a:lumOff val="15000"/>
+            </a:schemeClr>
           </a:solidFill>
+          <a:effectLst/>
           <a:latin typeface="+mn-lt"/>
           <a:ea typeface="+mn-ea"/>
           <a:cs typeface="+mn-cs"/>
         </a:defRPr>
       </a:lvl5pPr>
-      <a:lvl6pPr marL="1600000" indent="-228600" algn="l" defTabSz="914400" rtl="0" eaLnBrk="1" latinLnBrk="0" hangingPunct="1">
-        <a:lnSpc>
-          <a:spcPct val="90000"/>
-        </a:lnSpc>
+      <a:lvl6pPr marL="2514600" indent="-228600" algn="l" defTabSz="457200" rtl="0" eaLnBrk="1" latinLnBrk="0" hangingPunct="1">
         <a:spcBef>
-          <a:spcPts val="400"/>
+          <a:spcPct val="20000"/>
         </a:spcBef>
         <a:spcAft>
-          <a:spcPts val="200"/>
+          <a:spcPts val="600"/>
         </a:spcAft>
         <a:buClr>
-          <a:schemeClr val="accent1">
-            <a:lumMod val="75000"/>
-          </a:schemeClr>
+          <a:schemeClr val="accent1"/>
         </a:buClr>
-        <a:buSzPct val="85000"/>
-        <a:buFont typeface="Wingdings" pitchFamily="2" charset="2"/>
-        <a:buChar char="§"/>
-        <a:defRPr sz="1600" kern="1200">
+        <a:buSzPct val="115000"/>
+        <a:buFont typeface="Arial"/>
+        <a:buChar char="•"/>
+        <a:defRPr sz="1400" kern="1200" cap="none">
           <a:solidFill>
-            <a:schemeClr val="tx1"/>
+            <a:schemeClr val="tx1">
+              <a:lumMod val="85000"/>
+              <a:lumOff val="15000"/>
+            </a:schemeClr>
           </a:solidFill>
+          <a:effectLst/>
           <a:latin typeface="+mn-lt"/>
           <a:ea typeface="+mn-ea"/>
           <a:cs typeface="+mn-cs"/>
         </a:defRPr>
       </a:lvl6pPr>
-      <a:lvl7pPr marL="1900000" indent="-228600" algn="l" defTabSz="914400" rtl="0" eaLnBrk="1" latinLnBrk="0" hangingPunct="1">
-        <a:lnSpc>
-          <a:spcPct val="90000"/>
-        </a:lnSpc>
+      <a:lvl7pPr marL="2971800" indent="-228600" algn="l" defTabSz="457200" rtl="0" eaLnBrk="1" latinLnBrk="0" hangingPunct="1">
         <a:spcBef>
-          <a:spcPts val="400"/>
+          <a:spcPct val="20000"/>
         </a:spcBef>
         <a:spcAft>
-          <a:spcPts val="200"/>
+          <a:spcPts val="600"/>
         </a:spcAft>
         <a:buClr>
-          <a:schemeClr val="accent1">
-            <a:lumMod val="75000"/>
-          </a:schemeClr>
+          <a:schemeClr val="accent1"/>
         </a:buClr>
-        <a:buSzPct val="85000"/>
-        <a:buFont typeface="Wingdings" pitchFamily="2" charset="2"/>
-        <a:buChar char="§"/>
-        <a:defRPr sz="1600" kern="1200">
+        <a:buSzPct val="115000"/>
+        <a:buFont typeface="Arial"/>
+        <a:buChar char="•"/>
+        <a:defRPr sz="1400" kern="1200" cap="none">
           <a:solidFill>
-            <a:schemeClr val="tx1"/>
+            <a:schemeClr val="tx1">
+              <a:lumMod val="85000"/>
+              <a:lumOff val="15000"/>
+            </a:schemeClr>
           </a:solidFill>
+          <a:effectLst/>
           <a:latin typeface="+mn-lt"/>
           <a:ea typeface="+mn-ea"/>
           <a:cs typeface="+mn-cs"/>
         </a:defRPr>
       </a:lvl7pPr>
-      <a:lvl8pPr marL="2200000" indent="-228600" algn="l" defTabSz="914400" rtl="0" eaLnBrk="1" latinLnBrk="0" hangingPunct="1">
-        <a:lnSpc>
-          <a:spcPct val="90000"/>
-        </a:lnSpc>
+      <a:lvl8pPr marL="3429000" indent="-228600" algn="l" defTabSz="457200" rtl="0" eaLnBrk="1" latinLnBrk="0" hangingPunct="1">
         <a:spcBef>
-          <a:spcPts val="400"/>
+          <a:spcPct val="20000"/>
         </a:spcBef>
         <a:spcAft>
-          <a:spcPts val="200"/>
+          <a:spcPts val="600"/>
         </a:spcAft>
         <a:buClr>
-          <a:schemeClr val="accent1">
-            <a:lumMod val="75000"/>
-          </a:schemeClr>
+          <a:schemeClr val="accent1"/>
         </a:buClr>
-        <a:buSzPct val="85000"/>
-        <a:buFont typeface="Wingdings" pitchFamily="2" charset="2"/>
-        <a:buChar char="§"/>
-        <a:defRPr sz="1600" kern="1200">
+        <a:buSzPct val="115000"/>
+        <a:buFont typeface="Arial"/>
+        <a:buChar char="•"/>
+        <a:defRPr sz="1400" kern="1200" cap="none">
           <a:solidFill>
-            <a:schemeClr val="tx1"/>
+            <a:schemeClr val="tx1">
+              <a:lumMod val="85000"/>
+              <a:lumOff val="15000"/>
+            </a:schemeClr>
           </a:solidFill>
+          <a:effectLst/>
           <a:latin typeface="+mn-lt"/>
           <a:ea typeface="+mn-ea"/>
           <a:cs typeface="+mn-cs"/>
         </a:defRPr>
       </a:lvl8pPr>
-      <a:lvl9pPr marL="2500000" indent="-228600" algn="l" defTabSz="914400" rtl="0" eaLnBrk="1" latinLnBrk="0" hangingPunct="1">
-        <a:lnSpc>
-          <a:spcPct val="90000"/>
-        </a:lnSpc>
+      <a:lvl9pPr marL="3886200" indent="-228600" algn="l" defTabSz="457200" rtl="0" eaLnBrk="1" latinLnBrk="0" hangingPunct="1">
         <a:spcBef>
-          <a:spcPts val="400"/>
+          <a:spcPct val="20000"/>
         </a:spcBef>
         <a:spcAft>
-          <a:spcPts val="200"/>
+          <a:spcPts val="600"/>
         </a:spcAft>
         <a:buClr>
-          <a:schemeClr val="accent1">
-            <a:lumMod val="75000"/>
-          </a:schemeClr>
+          <a:schemeClr val="accent1"/>
         </a:buClr>
-        <a:buSzPct val="85000"/>
-        <a:buFont typeface="Wingdings" pitchFamily="2" charset="2"/>
-        <a:buChar char="§"/>
-        <a:defRPr sz="1600" kern="1200">
+        <a:buSzPct val="115000"/>
+        <a:buFont typeface="Arial"/>
+        <a:buChar char="•"/>
+        <a:defRPr sz="1400" kern="1200" cap="none">
           <a:solidFill>
-            <a:schemeClr val="tx1"/>
+            <a:schemeClr val="tx1">
+              <a:lumMod val="85000"/>
+              <a:lumOff val="15000"/>
+            </a:schemeClr>
           </a:solidFill>
+          <a:effectLst/>
           <a:latin typeface="+mn-lt"/>
           <a:ea typeface="+mn-ea"/>
           <a:cs typeface="+mn-cs"/>
@@ -4609,7 +6459,7 @@
       <a:defPPr>
         <a:defRPr lang="en-US"/>
       </a:defPPr>
-      <a:lvl1pPr marL="0" algn="l" defTabSz="914400" rtl="0" eaLnBrk="1" latinLnBrk="0" hangingPunct="1">
+      <a:lvl1pPr marL="0" algn="l" defTabSz="457200" rtl="0" eaLnBrk="1" latinLnBrk="0" hangingPunct="1">
         <a:defRPr sz="1800" kern="1200">
           <a:solidFill>
             <a:schemeClr val="tx1"/>
@@ -4619,7 +6469,7 @@
           <a:cs typeface="+mn-cs"/>
         </a:defRPr>
       </a:lvl1pPr>
-      <a:lvl2pPr marL="457200" algn="l" defTabSz="914400" rtl="0" eaLnBrk="1" latinLnBrk="0" hangingPunct="1">
+      <a:lvl2pPr marL="457200" algn="l" defTabSz="457200" rtl="0" eaLnBrk="1" latinLnBrk="0" hangingPunct="1">
         <a:defRPr sz="1800" kern="1200">
           <a:solidFill>
             <a:schemeClr val="tx1"/>
@@ -4629,7 +6479,7 @@
           <a:cs typeface="+mn-cs"/>
         </a:defRPr>
       </a:lvl2pPr>
-      <a:lvl3pPr marL="914400" algn="l" defTabSz="914400" rtl="0" eaLnBrk="1" latinLnBrk="0" hangingPunct="1">
+      <a:lvl3pPr marL="914400" algn="l" defTabSz="457200" rtl="0" eaLnBrk="1" latinLnBrk="0" hangingPunct="1">
         <a:defRPr sz="1800" kern="1200">
           <a:solidFill>
             <a:schemeClr val="tx1"/>
@@ -4639,7 +6489,7 @@
           <a:cs typeface="+mn-cs"/>
         </a:defRPr>
       </a:lvl3pPr>
-      <a:lvl4pPr marL="1371600" algn="l" defTabSz="914400" rtl="0" eaLnBrk="1" latinLnBrk="0" hangingPunct="1">
+      <a:lvl4pPr marL="1371600" algn="l" defTabSz="457200" rtl="0" eaLnBrk="1" latinLnBrk="0" hangingPunct="1">
         <a:defRPr sz="1800" kern="1200">
           <a:solidFill>
             <a:schemeClr val="tx1"/>
@@ -4649,7 +6499,7 @@
           <a:cs typeface="+mn-cs"/>
         </a:defRPr>
       </a:lvl4pPr>
-      <a:lvl5pPr marL="1828800" algn="l" defTabSz="914400" rtl="0" eaLnBrk="1" latinLnBrk="0" hangingPunct="1">
+      <a:lvl5pPr marL="1828800" algn="l" defTabSz="457200" rtl="0" eaLnBrk="1" latinLnBrk="0" hangingPunct="1">
         <a:defRPr sz="1800" kern="1200">
           <a:solidFill>
             <a:schemeClr val="tx1"/>
@@ -4659,7 +6509,7 @@
           <a:cs typeface="+mn-cs"/>
         </a:defRPr>
       </a:lvl5pPr>
-      <a:lvl6pPr marL="2286000" algn="l" defTabSz="914400" rtl="0" eaLnBrk="1" latinLnBrk="0" hangingPunct="1">
+      <a:lvl6pPr marL="2286000" algn="l" defTabSz="457200" rtl="0" eaLnBrk="1" latinLnBrk="0" hangingPunct="1">
         <a:defRPr sz="1800" kern="1200">
           <a:solidFill>
             <a:schemeClr val="tx1"/>
@@ -4669,7 +6519,7 @@
           <a:cs typeface="+mn-cs"/>
         </a:defRPr>
       </a:lvl6pPr>
-      <a:lvl7pPr marL="2743200" algn="l" defTabSz="914400" rtl="0" eaLnBrk="1" latinLnBrk="0" hangingPunct="1">
+      <a:lvl7pPr marL="2743200" algn="l" defTabSz="457200" rtl="0" eaLnBrk="1" latinLnBrk="0" hangingPunct="1">
         <a:defRPr sz="1800" kern="1200">
           <a:solidFill>
             <a:schemeClr val="tx1"/>
@@ -4679,7 +6529,7 @@
           <a:cs typeface="+mn-cs"/>
         </a:defRPr>
       </a:lvl7pPr>
-      <a:lvl8pPr marL="3200400" algn="l" defTabSz="914400" rtl="0" eaLnBrk="1" latinLnBrk="0" hangingPunct="1">
+      <a:lvl8pPr marL="3200400" algn="l" defTabSz="457200" rtl="0" eaLnBrk="1" latinLnBrk="0" hangingPunct="1">
         <a:defRPr sz="1800" kern="1200">
           <a:solidFill>
             <a:schemeClr val="tx1"/>
@@ -4689,7 +6539,7 @@
           <a:cs typeface="+mn-cs"/>
         </a:defRPr>
       </a:lvl8pPr>
-      <a:lvl9pPr marL="3657600" algn="l" defTabSz="914400" rtl="0" eaLnBrk="1" latinLnBrk="0" hangingPunct="1">
+      <a:lvl9pPr marL="3657600" algn="l" defTabSz="457200" rtl="0" eaLnBrk="1" latinLnBrk="0" hangingPunct="1">
         <a:defRPr sz="1800" kern="1200">
           <a:solidFill>
             <a:schemeClr val="tx1"/>
@@ -4707,14 +6557,6 @@
 <file path=ppt/slides/slide1.xml><?xml version="1.0" encoding="utf-8"?>
 <p:sld xmlns:a="http://schemas.openxmlformats.org/drawingml/2006/main" xmlns:r="http://schemas.openxmlformats.org/officeDocument/2006/relationships" xmlns:p="http://schemas.openxmlformats.org/presentationml/2006/main">
   <p:cSld>
-    <p:bg>
-      <p:bgPr>
-        <a:solidFill>
-          <a:schemeClr val="bg1"/>
-        </a:solidFill>
-        <a:effectLst/>
-      </p:bgPr>
-    </p:bg>
     <p:spTree>
       <p:nvGrpSpPr>
         <p:cNvPr id="1" name=""/>
@@ -4731,7 +6573,7 @@
       </p:grpSpPr>
       <p:sp>
         <p:nvSpPr>
-          <p:cNvPr id="2" name="标题 1"/>
+          <p:cNvPr id="2" name="Title 1"/>
           <p:cNvSpPr>
             <a:spLocks noGrp="1"/>
           </p:cNvSpPr>
@@ -4747,129 +6589,184 @@
           <a:lstStyle/>
           <a:p>
             <a:r>
-              <a:rPr lang="en-US" altLang="zh-CN" b="1" dirty="0" smtClean="0"/>
+              <a:rPr lang="en-US" altLang="zh-CN" i="1" dirty="0" smtClean="0">
+                <a:ln w="500">
+                  <a:solidFill>
+                    <a:schemeClr val="tx2">
+                      <a:shade val="20000"/>
+                      <a:satMod val="120000"/>
+                    </a:schemeClr>
+                  </a:solidFill>
+                </a:ln>
+                <a:gradFill>
+                  <a:gsLst>
+                    <a:gs pos="0">
+                      <a:schemeClr val="accent4">
+                        <a:tint val="13000"/>
+                      </a:schemeClr>
+                    </a:gs>
+                    <a:gs pos="10000">
+                      <a:schemeClr val="accent4">
+                        <a:tint val="20000"/>
+                      </a:schemeClr>
+                    </a:gs>
+                    <a:gs pos="49000">
+                      <a:schemeClr val="accent4">
+                        <a:tint val="70000"/>
+                      </a:schemeClr>
+                    </a:gs>
+                    <a:gs pos="50000">
+                      <a:schemeClr val="accent4">
+                        <a:tint val="97000"/>
+                      </a:schemeClr>
+                    </a:gs>
+                    <a:gs pos="100000">
+                      <a:schemeClr val="accent4">
+                        <a:tint val="20000"/>
+                      </a:schemeClr>
+                    </a:gs>
+                  </a:gsLst>
+                  <a:lin ang="5400000" scaled="1"/>
+                </a:gradFill>
+              </a:rPr>
+              <a:t>Online shopping Site </a:t>
+            </a:r>
+            <a:r>
+              <a:rPr lang="en-US" altLang="zh-CN" i="1" dirty="0">
+                <a:ln w="500">
+                  <a:solidFill>
+                    <a:schemeClr val="tx2">
+                      <a:shade val="20000"/>
+                      <a:satMod val="120000"/>
+                    </a:schemeClr>
+                  </a:solidFill>
+                </a:ln>
+                <a:gradFill>
+                  <a:gsLst>
+                    <a:gs pos="0">
+                      <a:schemeClr val="accent4">
+                        <a:tint val="13000"/>
+                      </a:schemeClr>
+                    </a:gs>
+                    <a:gs pos="10000">
+                      <a:schemeClr val="accent4">
+                        <a:tint val="20000"/>
+                      </a:schemeClr>
+                    </a:gs>
+                    <a:gs pos="49000">
+                      <a:schemeClr val="accent4">
+                        <a:tint val="70000"/>
+                      </a:schemeClr>
+                    </a:gs>
+                    <a:gs pos="50000">
+                      <a:schemeClr val="accent4">
+                        <a:tint val="97000"/>
+                      </a:schemeClr>
+                    </a:gs>
+                    <a:gs pos="100000">
+                      <a:schemeClr val="accent4">
+                        <a:tint val="20000"/>
+                      </a:schemeClr>
+                    </a:gs>
+                  </a:gsLst>
+                  <a:lin ang="5400000" scaled="1"/>
+                </a:gradFill>
+              </a:rPr>
               <a:t/>
             </a:r>
             <a:br>
-              <a:rPr lang="en-US" altLang="zh-CN" b="1" dirty="0" smtClean="0"/>
+              <a:rPr lang="en-US" altLang="zh-CN" i="1" dirty="0">
+                <a:ln w="500">
+                  <a:solidFill>
+                    <a:schemeClr val="tx2">
+                      <a:shade val="20000"/>
+                      <a:satMod val="120000"/>
+                    </a:schemeClr>
+                  </a:solidFill>
+                </a:ln>
+                <a:gradFill>
+                  <a:gsLst>
+                    <a:gs pos="0">
+                      <a:schemeClr val="accent4">
+                        <a:tint val="13000"/>
+                      </a:schemeClr>
+                    </a:gs>
+                    <a:gs pos="10000">
+                      <a:schemeClr val="accent4">
+                        <a:tint val="20000"/>
+                      </a:schemeClr>
+                    </a:gs>
+                    <a:gs pos="49000">
+                      <a:schemeClr val="accent4">
+                        <a:tint val="70000"/>
+                      </a:schemeClr>
+                    </a:gs>
+                    <a:gs pos="50000">
+                      <a:schemeClr val="accent4">
+                        <a:tint val="97000"/>
+                      </a:schemeClr>
+                    </a:gs>
+                    <a:gs pos="100000">
+                      <a:schemeClr val="accent4">
+                        <a:tint val="20000"/>
+                      </a:schemeClr>
+                    </a:gs>
+                  </a:gsLst>
+                  <a:lin ang="5400000" scaled="1"/>
+                </a:gradFill>
+              </a:rPr>
             </a:br>
-            <a:r>
-              <a:rPr lang="en-US" altLang="zh-CN" b="1" dirty="0" smtClean="0"/>
-              <a:t> </a:t>
-            </a:r>
-            <a:br>
-              <a:rPr lang="en-US" altLang="zh-CN" b="1" dirty="0" smtClean="0"/>
-            </a:br>
-            <a:endParaRPr lang="en-US" altLang="zh-CN" dirty="0"/>
-          </a:p>
-        </p:txBody>
-      </p:sp>
-      <p:sp>
-        <p:nvSpPr>
-          <p:cNvPr id="5" name="Picture Placeholder 4"/>
-          <p:cNvSpPr>
-            <a:spLocks noGrp="1"/>
-          </p:cNvSpPr>
+            <a:endParaRPr lang="fr-FR" dirty="0"/>
+          </a:p>
+        </p:txBody>
+      </p:sp>
+      <p:pic>
+        <p:nvPicPr>
+          <p:cNvPr id="5" name="Picture Placeholder 5"/>
+          <p:cNvPicPr>
+            <a:picLocks noGrp="1" noChangeAspect="1"/>
+          </p:cNvPicPr>
           <p:nvPr>
             <p:ph type="pic" idx="1"/>
           </p:nvPr>
-        </p:nvSpPr>
-        <p:spPr/>
-      </p:sp>
-      <p:sp>
-        <p:nvSpPr>
-          <p:cNvPr id="3" name="副标题 2"/>
-          <p:cNvSpPr>
-            <a:spLocks noGrp="1"/>
-          </p:cNvSpPr>
-          <p:nvPr>
-            <p:ph type="body" sz="half" idx="2"/>
-          </p:nvPr>
-        </p:nvSpPr>
+        </p:nvPicPr>
+        <p:blipFill rotWithShape="1">
+          <a:blip r:embed="rId2">
+            <a:extLst>
+              <a:ext uri="{28A0092B-C50C-407E-A947-70E740481C1C}">
+                <a14:useLocalDpi xmlns:a14="http://schemas.microsoft.com/office/drawing/2010/main" val="0"/>
+              </a:ext>
+            </a:extLst>
+          </a:blip>
+          <a:srcRect l="15944" r="15944"/>
+          <a:stretch/>
+        </p:blipFill>
         <p:spPr>
           <a:xfrm>
-            <a:off x="4703012" y="2722418"/>
-            <a:ext cx="1032770" cy="249382"/>
+            <a:off x="110818" y="62345"/>
+            <a:ext cx="8160346" cy="6507864"/>
           </a:xfrm>
-          <a:ln>
-            <a:noFill/>
-          </a:ln>
         </p:spPr>
-        <p:txBody>
-          <a:bodyPr>
-            <a:noAutofit/>
-          </a:bodyPr>
-          <a:lstStyle/>
-          <a:p>
-            <a:pPr>
-              <a:spcBef>
-                <a:spcPct val="0"/>
-              </a:spcBef>
-            </a:pPr>
-            <a:endParaRPr lang="en-US" altLang="zh-CN" sz="1800" b="1" i="1" cap="all" dirty="0">
-              <a:ln w="500">
-                <a:solidFill>
-                  <a:schemeClr val="tx2">
-                    <a:shade val="20000"/>
-                    <a:satMod val="120000"/>
-                  </a:schemeClr>
-                </a:solidFill>
-              </a:ln>
-              <a:gradFill>
-                <a:gsLst>
-                  <a:gs pos="0">
-                    <a:schemeClr val="accent4">
-                      <a:tint val="13000"/>
-                    </a:schemeClr>
-                  </a:gs>
-                  <a:gs pos="10000">
-                    <a:schemeClr val="accent4">
-                      <a:tint val="20000"/>
-                    </a:schemeClr>
-                  </a:gs>
-                  <a:gs pos="49000">
-                    <a:schemeClr val="accent4">
-                      <a:tint val="70000"/>
-                    </a:schemeClr>
-                  </a:gs>
-                  <a:gs pos="50000">
-                    <a:schemeClr val="accent4">
-                      <a:tint val="97000"/>
-                    </a:schemeClr>
-                  </a:gs>
-                  <a:gs pos="100000">
-                    <a:schemeClr val="accent4">
-                      <a:tint val="20000"/>
-                    </a:schemeClr>
-                  </a:gs>
-                </a:gsLst>
-                <a:lin ang="5400000" scaled="1"/>
-              </a:gradFill>
-            </a:endParaRPr>
-          </a:p>
-        </p:txBody>
-      </p:sp>
-      <p:sp>
-        <p:nvSpPr>
-          <p:cNvPr id="4" name="矩形 3"/>
-          <p:cNvSpPr/>
-          <p:nvPr/>
+      </p:pic>
+      <p:sp>
+        <p:nvSpPr>
+          <p:cNvPr id="4" name="Text Placeholder 3"/>
+          <p:cNvSpPr>
+            <a:spLocks noGrp="1"/>
+          </p:cNvSpPr>
+          <p:nvPr>
+            <p:ph type="body" sz="half" idx="2"/>
+          </p:nvPr>
         </p:nvSpPr>
         <p:spPr>
           <a:xfrm>
-            <a:off x="8596744" y="5348316"/>
-            <a:ext cx="2206338" cy="923330"/>
+            <a:off x="8549640" y="2423160"/>
+            <a:ext cx="3200400" cy="787631"/>
           </a:xfrm>
-          <a:prstGeom prst="rect">
-            <a:avLst/>
-          </a:prstGeom>
-          <a:solidFill>
-            <a:schemeClr val="bg1"/>
-          </a:solidFill>
         </p:spPr>
         <p:txBody>
-          <a:bodyPr wrap="square">
-            <a:spAutoFit/>
+          <a:bodyPr>
+            <a:normAutofit fontScale="62500" lnSpcReduction="20000"/>
           </a:bodyPr>
           <a:lstStyle/>
           <a:p>
@@ -5148,92 +7045,21 @@
               <a:t>2017080108</a:t>
             </a:r>
           </a:p>
-        </p:txBody>
-      </p:sp>
-      <p:sp>
-        <p:nvSpPr>
-          <p:cNvPr id="8" name="Rectangle 7"/>
-          <p:cNvSpPr/>
-          <p:nvPr/>
-        </p:nvSpPr>
-        <p:spPr>
-          <a:xfrm>
-            <a:off x="6623303" y="438788"/>
-            <a:ext cx="4036939" cy="369332"/>
-          </a:xfrm>
-          <a:prstGeom prst="rect">
-            <a:avLst/>
-          </a:prstGeom>
-        </p:spPr>
-        <p:txBody>
-          <a:bodyPr wrap="none">
-            <a:spAutoFit/>
-          </a:bodyPr>
-          <a:lstStyle/>
-          <a:p>
-            <a:pPr>
-              <a:spcBef>
-                <a:spcPct val="0"/>
-              </a:spcBef>
-            </a:pPr>
-            <a:r>
-              <a:rPr lang="en-US" altLang="zh-CN" b="1" i="1" cap="all" dirty="0">
-                <a:ln w="500">
-                  <a:solidFill>
-                    <a:schemeClr val="tx2">
-                      <a:shade val="20000"/>
-                      <a:satMod val="120000"/>
-                    </a:schemeClr>
-                  </a:solidFill>
-                </a:ln>
-                <a:gradFill>
-                  <a:gsLst>
-                    <a:gs pos="0">
-                      <a:schemeClr val="accent4">
-                        <a:tint val="13000"/>
-                      </a:schemeClr>
-                    </a:gs>
-                    <a:gs pos="10000">
-                      <a:schemeClr val="accent4">
-                        <a:tint val="20000"/>
-                      </a:schemeClr>
-                    </a:gs>
-                    <a:gs pos="49000">
-                      <a:schemeClr val="accent4">
-                        <a:tint val="70000"/>
-                      </a:schemeClr>
-                    </a:gs>
-                    <a:gs pos="50000">
-                      <a:schemeClr val="accent4">
-                        <a:tint val="97000"/>
-                      </a:schemeClr>
-                    </a:gs>
-                    <a:gs pos="100000">
-                      <a:schemeClr val="accent4">
-                        <a:tint val="20000"/>
-                      </a:schemeClr>
-                    </a:gs>
-                  </a:gsLst>
-                  <a:lin ang="5400000" scaled="1"/>
-                </a:gradFill>
-              </a:rPr>
-              <a:t>Online shopping for Women Site </a:t>
-            </a:r>
+          <a:p>
+            <a:endParaRPr lang="fr-FR" dirty="0"/>
           </a:p>
         </p:txBody>
       </p:sp>
     </p:spTree>
+    <p:extLst>
+      <p:ext uri="{BB962C8B-B14F-4D97-AF65-F5344CB8AC3E}">
+        <p14:creationId xmlns:p14="http://schemas.microsoft.com/office/powerpoint/2010/main" val="3828117435"/>
+      </p:ext>
+    </p:extLst>
   </p:cSld>
   <p:clrMapOvr>
     <a:masterClrMapping/>
   </p:clrMapOvr>
-  <p:timing>
-    <p:tnLst>
-      <p:par>
-        <p:cTn id="1" dur="indefinite" restart="never" nodeType="tmRoot"/>
-      </p:par>
-    </p:tnLst>
-  </p:timing>
 </p:sld>
 </file>
 
@@ -5814,13 +7640,13 @@
         </p:nvSpPr>
         <p:spPr>
           <a:xfrm>
-            <a:off x="751114" y="385355"/>
-            <a:ext cx="9656064" cy="1143000"/>
+            <a:off x="751114" y="385354"/>
+            <a:ext cx="9656064" cy="1765563"/>
           </a:xfrm>
         </p:spPr>
         <p:txBody>
           <a:bodyPr>
-            <a:normAutofit fontScale="90000"/>
+            <a:normAutofit/>
           </a:bodyPr>
           <a:lstStyle/>
           <a:p>
@@ -5859,8 +7685,8 @@
         </p:nvSpPr>
         <p:spPr>
           <a:xfrm>
-            <a:off x="0" y="1292225"/>
-            <a:ext cx="10224655" cy="4552950"/>
+            <a:off x="592282" y="2431473"/>
+            <a:ext cx="10931236" cy="3413702"/>
           </a:xfrm>
         </p:spPr>
         <p:txBody>
@@ -5869,6 +7695,7 @@
           </a:bodyPr>
           <a:lstStyle/>
           <a:p>
+            <a:pPr lvl="1"/>
             <a:r>
               <a:rPr lang="en-US" dirty="0" smtClean="0"/>
               <a:t>Zack </a:t>
@@ -5955,7 +7782,7 @@
         <p:spPr/>
         <p:txBody>
           <a:bodyPr>
-            <a:normAutofit/>
+            <a:normAutofit fontScale="92500"/>
           </a:bodyPr>
           <a:lstStyle/>
           <a:p>
@@ -6069,7 +7896,7 @@
         </p:nvSpPr>
         <p:spPr>
           <a:xfrm>
-            <a:off x="488372" y="748311"/>
+            <a:off x="966353" y="873002"/>
             <a:ext cx="8801101" cy="1080490"/>
           </a:xfrm>
         </p:spPr>
@@ -6374,7 +8201,7 @@
         </p:nvSpPr>
         <p:spPr>
           <a:xfrm>
-            <a:off x="457200" y="0"/>
+            <a:off x="800100" y="675409"/>
             <a:ext cx="8011391" cy="10372070"/>
           </a:xfrm>
           <a:prstGeom prst="rect">
@@ -7171,7 +8998,7 @@
         <p:spPr/>
         <p:txBody>
           <a:bodyPr>
-            <a:normAutofit/>
+            <a:normAutofit fontScale="90000"/>
           </a:bodyPr>
           <a:lstStyle/>
           <a:p>
@@ -7194,7 +9021,7 @@
         </p:nvSpPr>
         <p:spPr>
           <a:xfrm>
-            <a:off x="311728" y="1930400"/>
+            <a:off x="1163783" y="2285999"/>
             <a:ext cx="8634845" cy="2031325"/>
           </a:xfrm>
           <a:prstGeom prst="rect">
@@ -7217,7 +9044,7 @@
             <a:endParaRPr lang="en-US" dirty="0" smtClean="0"/>
           </a:p>
           <a:p>
-            <a:pPr marL="285750" indent="-285750">
+            <a:pPr marL="742950" lvl="1" indent="-285750">
               <a:spcBef>
                 <a:spcPct val="0"/>
               </a:spcBef>
@@ -7339,7 +9166,7 @@
         </p:nvSpPr>
         <p:spPr>
           <a:xfrm>
-            <a:off x="523007" y="453482"/>
+            <a:off x="907471" y="962636"/>
             <a:ext cx="6864929" cy="5693866"/>
           </a:xfrm>
           <a:prstGeom prst="rect">
@@ -7726,7 +9553,7 @@
         </p:nvSpPr>
         <p:spPr>
           <a:xfrm>
-            <a:off x="270163" y="467592"/>
+            <a:off x="841663" y="1111828"/>
             <a:ext cx="11107881" cy="5746172"/>
           </a:xfrm>
         </p:spPr>
@@ -7734,12 +9561,12 @@
           <a:bodyPr/>
           <a:lstStyle/>
           <a:p>
-            <a:pPr>
+            <a:pPr lvl="1">
               <a:buFont typeface="Wingdings" panose="05000000000000000000" pitchFamily="2" charset="2"/>
               <a:buChar char="Ø"/>
             </a:pPr>
             <a:r>
-              <a:rPr lang="en-US" sz="2800" b="1" cap="all" dirty="0">
+              <a:rPr lang="en-US" b="1" cap="all" dirty="0">
                 <a:ln w="500">
                   <a:solidFill>
                     <a:schemeClr val="tx2">
@@ -7985,9 +9812,9 @@
 </file>
 
 <file path=ppt/theme/theme1.xml><?xml version="1.0" encoding="utf-8"?>
-<a:theme xmlns:a="http://schemas.openxmlformats.org/drawingml/2006/main" name="Wood Type">
+<a:theme xmlns:a="http://schemas.openxmlformats.org/drawingml/2006/main" name="Organic">
   <a:themeElements>
-    <a:clrScheme name="Wood Type">
+    <a:clrScheme name="Organic">
       <a:dk1>
         <a:sysClr val="windowText" lastClr="000000"/>
       </a:dk1>
@@ -7995,54 +9822,52 @@
         <a:sysClr val="window" lastClr="FFFFFF"/>
       </a:lt1>
       <a:dk2>
-        <a:srgbClr val="696464"/>
+        <a:srgbClr val="212121"/>
       </a:dk2>
       <a:lt2>
-        <a:srgbClr val="E9E5DC"/>
+        <a:srgbClr val="DADADA"/>
       </a:lt2>
       <a:accent1>
-        <a:srgbClr val="D34817"/>
+        <a:srgbClr val="83992A"/>
       </a:accent1>
       <a:accent2>
-        <a:srgbClr val="9B2D1F"/>
+        <a:srgbClr val="3C9770"/>
       </a:accent2>
       <a:accent3>
-        <a:srgbClr val="A28E6A"/>
+        <a:srgbClr val="44709D"/>
       </a:accent3>
       <a:accent4>
-        <a:srgbClr val="956251"/>
+        <a:srgbClr val="A23C33"/>
       </a:accent4>
       <a:accent5>
-        <a:srgbClr val="918485"/>
+        <a:srgbClr val="D97828"/>
       </a:accent5>
       <a:accent6>
-        <a:srgbClr val="855D5D"/>
+        <a:srgbClr val="DEB340"/>
       </a:accent6>
       <a:hlink>
-        <a:srgbClr val="CC9900"/>
+        <a:srgbClr val="A8BF4D"/>
       </a:hlink>
       <a:folHlink>
-        <a:srgbClr val="96A9A9"/>
+        <a:srgbClr val="B4CA80"/>
       </a:folHlink>
     </a:clrScheme>
-    <a:fontScheme name="Wood Type">
+    <a:fontScheme name="Organic">
       <a:majorFont>
-        <a:latin typeface="Rockwell Condensed" panose="02060603050405020104"/>
+        <a:latin typeface="Garamond" panose="02020404030301010803"/>
         <a:ea typeface=""/>
         <a:cs typeface=""/>
-        <a:font script="Grek" typeface="Cambria"/>
-        <a:font script="Cyrl" typeface="Cambria"/>
-        <a:font script="Jpan" typeface="HG明朝B"/>
-        <a:font script="Hang" typeface="바탕"/>
-        <a:font script="Hans" typeface="方正姚体"/>
+        <a:font script="Jpan" typeface="ＭＳ Ｐゴシック"/>
+        <a:font script="Hang" typeface="돋움"/>
+        <a:font script="Hans" typeface="方正舒体"/>
         <a:font script="Hant" typeface="微軟正黑體"/>
-        <a:font script="Arab" typeface="Times New Roman"/>
-        <a:font script="Hebr" typeface="David"/>
-        <a:font script="Thai" typeface="JasmineUPC"/>
+        <a:font script="Arab" typeface="Arial"/>
+        <a:font script="Hebr" typeface="Arial"/>
+        <a:font script="Thai" typeface="Cordia New"/>
         <a:font script="Ethi" typeface="Nyala"/>
         <a:font script="Beng" typeface="Vrinda"/>
         <a:font script="Gujr" typeface="Shruti"/>
-        <a:font script="Khmr" typeface="MoolBoran"/>
+        <a:font script="Khmr" typeface="DaunPenh"/>
         <a:font script="Knda" typeface="Tunga"/>
         <a:font script="Guru" typeface="Raavi"/>
         <a:font script="Cans" typeface="Euphemia"/>
@@ -8061,20 +9886,19 @@
         <a:font script="Mong" typeface="Mongolian Baiti"/>
         <a:font script="Viet" typeface="Arial"/>
         <a:font script="Uigh" typeface="Microsoft Uighur"/>
+        <a:font script="Geor" typeface="Sylfaen"/>
       </a:majorFont>
       <a:minorFont>
-        <a:latin typeface="Rockwell" panose="02060603020205020403"/>
+        <a:latin typeface="Garamond" panose="02020404030301010803"/>
         <a:ea typeface=""/>
         <a:cs typeface=""/>
-        <a:font script="Grek" typeface="Cambria"/>
-        <a:font script="Cyrl" typeface="Cambria"/>
-        <a:font script="Jpan" typeface="HG明朝B"/>
+        <a:font script="Jpan" typeface="ＭＳ Ｐ明朝"/>
         <a:font script="Hang" typeface="바탕"/>
-        <a:font script="Hans" typeface="方正姚体"/>
-        <a:font script="Hant" typeface="標楷體"/>
+        <a:font script="Hans" typeface="方正舒体"/>
+        <a:font script="Hant" typeface="新細明體"/>
         <a:font script="Arab" typeface="Times New Roman"/>
-        <a:font script="Hebr" typeface="David"/>
-        <a:font script="Thai" typeface="JasmineUPC"/>
+        <a:font script="Hebr" typeface="Times New Roman"/>
+        <a:font script="Thai" typeface="Angsana New"/>
         <a:font script="Ethi" typeface="Nyala"/>
         <a:font script="Beng" typeface="Vrinda"/>
         <a:font script="Gujr" typeface="Shruti"/>
@@ -8097,57 +9921,62 @@
         <a:font script="Mong" typeface="Mongolian Baiti"/>
         <a:font script="Viet" typeface="Times New Roman"/>
         <a:font script="Uigh" typeface="Microsoft Uighur"/>
+        <a:font script="Geor" typeface="Sylfaen"/>
       </a:minorFont>
     </a:fontScheme>
-    <a:fmtScheme name="Wood Type">
+    <a:fmtScheme name="Organic">
       <a:fillStyleLst>
         <a:solidFill>
           <a:schemeClr val="phClr"/>
         </a:solidFill>
-        <a:blipFill rotWithShape="1">
+        <a:gradFill rotWithShape="1">
+          <a:gsLst>
+            <a:gs pos="0">
+              <a:schemeClr val="phClr">
+                <a:tint val="60000"/>
+                <a:lumMod val="110000"/>
+              </a:schemeClr>
+            </a:gs>
+            <a:gs pos="100000">
+              <a:schemeClr val="phClr">
+                <a:tint val="82000"/>
+              </a:schemeClr>
+            </a:gs>
+          </a:gsLst>
+          <a:lin ang="5400000" scaled="0"/>
+        </a:gradFill>
+        <a:blipFill>
           <a:blip xmlns:r="http://schemas.openxmlformats.org/officeDocument/2006/relationships" r:embed="rId1">
             <a:duotone>
               <a:schemeClr val="phClr">
-                <a:tint val="70000"/>
-                <a:shade val="63000"/>
+                <a:shade val="74000"/>
+                <a:satMod val="130000"/>
+                <a:lumMod val="90000"/>
               </a:schemeClr>
               <a:schemeClr val="phClr">
-                <a:tint val="10000"/>
-                <a:satMod val="150000"/>
+                <a:tint val="94000"/>
+                <a:satMod val="120000"/>
+                <a:lumMod val="104000"/>
               </a:schemeClr>
             </a:duotone>
           </a:blip>
-          <a:tile tx="0" ty="0" sx="60000" sy="59000" flip="none" algn="tl"/>
-        </a:blipFill>
-        <a:blipFill rotWithShape="1">
-          <a:blip xmlns:r="http://schemas.openxmlformats.org/officeDocument/2006/relationships" r:embed="rId1">
-            <a:duotone>
-              <a:schemeClr val="phClr">
-                <a:shade val="36000"/>
-                <a:satMod val="120000"/>
-              </a:schemeClr>
-              <a:schemeClr val="phClr">
-                <a:tint val="40000"/>
-              </a:schemeClr>
-            </a:duotone>
-          </a:blip>
-          <a:tile tx="0" ty="0" sx="60000" sy="59000" flip="none" algn="tl"/>
+          <a:tile tx="0" ty="0" sx="100000" sy="100000" flip="none" algn="tl"/>
         </a:blipFill>
       </a:fillStyleLst>
       <a:lnStyleLst>
-        <a:ln w="6350" cap="flat" cmpd="sng" algn="ctr">
+        <a:ln w="9525" cap="flat" cmpd="sng" algn="ctr">
           <a:solidFill>
             <a:schemeClr val="phClr"/>
           </a:solidFill>
           <a:prstDash val="solid"/>
         </a:ln>
-        <a:ln w="12700" cap="flat" cmpd="sng" algn="ctr">
+        <a:ln w="15875" cap="flat" cmpd="sng" algn="ctr">
           <a:solidFill>
             <a:schemeClr val="phClr"/>
           </a:solidFill>
           <a:prstDash val="solid"/>
         </a:ln>
-        <a:ln w="19050" cap="flat" cmpd="sng" algn="ctr">
+        <a:ln w="25400" cap="flat" cmpd="sng" algn="ctr">
           <a:solidFill>
             <a:schemeClr val="phClr"/>
           </a:solidFill>
@@ -8160,17 +9989,20 @@
         </a:effectStyle>
         <a:effectStyle>
           <a:effectLst>
-            <a:softEdge rad="12700"/>
+            <a:innerShdw blurRad="25400" dist="12700" dir="13500000">
+              <a:srgbClr val="000000">
+                <a:alpha val="45000"/>
+              </a:srgbClr>
+            </a:innerShdw>
           </a:effectLst>
         </a:effectStyle>
         <a:effectStyle>
           <a:effectLst>
-            <a:outerShdw blurRad="50800" dist="19050" dir="5400000" algn="tl" rotWithShape="0">
+            <a:outerShdw blurRad="38100" dist="25400" dir="5400000" rotWithShape="0">
               <a:srgbClr val="000000">
                 <a:alpha val="60000"/>
               </a:srgbClr>
             </a:outerShdw>
-            <a:softEdge rad="12700"/>
           </a:effectLst>
         </a:effectStyle>
       </a:effectStyleLst>
@@ -8178,27 +10010,26 @@
         <a:solidFill>
           <a:schemeClr val="phClr"/>
         </a:solidFill>
-        <a:solidFill>
-          <a:schemeClr val="phClr">
-            <a:shade val="97000"/>
-            <a:satMod val="150000"/>
-          </a:schemeClr>
-        </a:solidFill>
-        <a:blipFill rotWithShape="1">
-          <a:blip xmlns:r="http://schemas.openxmlformats.org/officeDocument/2006/relationships" r:embed="rId1">
-            <a:duotone>
+        <a:gradFill rotWithShape="1">
+          <a:gsLst>
+            <a:gs pos="0">
               <a:schemeClr val="phClr">
-                <a:tint val="75000"/>
-                <a:shade val="58000"/>
-                <a:satMod val="120000"/>
+                <a:tint val="90000"/>
+                <a:lumMod val="110000"/>
               </a:schemeClr>
+            </a:gs>
+            <a:gs pos="100000">
               <a:schemeClr val="phClr">
-                <a:tint val="50000"/>
-                <a:shade val="96000"/>
+                <a:shade val="88000"/>
+                <a:lumMod val="98000"/>
               </a:schemeClr>
-            </a:duotone>
-          </a:blip>
-          <a:tile tx="0" ty="0" sx="100000" sy="100000" flip="none" algn="tl"/>
+            </a:gs>
+          </a:gsLst>
+          <a:lin ang="5400000" scaled="0"/>
+        </a:gradFill>
+        <a:blipFill>
+          <a:blip xmlns:r="http://schemas.openxmlformats.org/officeDocument/2006/relationships" r:embed="rId2"/>
+          <a:stretch/>
         </a:blipFill>
       </a:bgFillStyleLst>
     </a:fmtScheme>
@@ -8207,7 +10038,7 @@
   <a:extraClrSchemeLst/>
   <a:extLst>
     <a:ext uri="{05A4C25C-085E-4340-85A3-A5531E510DB2}">
-      <thm15:themeFamily xmlns:thm15="http://schemas.microsoft.com/office/thememl/2012/main" name="Wood Type" id="{7ACABC62-BF99-48CF-A9DC-4DB89C7B13DC}" vid="{142A1326-48AB-42A9-8428-CB14AA30176D}"/>
+      <thm15:themeFamily xmlns:thm15="http://schemas.microsoft.com/office/thememl/2012/main" name="Organic" id="{28CDC826-8792-45C0-861B-85EB3ADEDA33}" vid="{7DAC20F1-423D-49E2-BD0B-50532748BAD0}"/>
     </a:ext>
   </a:extLst>
 </a:theme>
